--- a/Image/circuit_layout.pptx
+++ b/Image/circuit_layout.pptx
@@ -4,11 +4,16 @@
   <p:sldMasterIdLst>
     <p:sldMasterId id="2147483648" r:id="rId1"/>
   </p:sldMasterIdLst>
+  <p:notesMasterIdLst>
+    <p:notesMasterId r:id="rId8"/>
+  </p:notesMasterIdLst>
   <p:sldIdLst>
     <p:sldId id="256" r:id="rId2"/>
     <p:sldId id="258" r:id="rId3"/>
     <p:sldId id="259" r:id="rId4"/>
     <p:sldId id="257" r:id="rId5"/>
+    <p:sldId id="261" r:id="rId6"/>
+    <p:sldId id="260" r:id="rId7"/>
   </p:sldIdLst>
   <p:sldSz cx="12192000" cy="6858000"/>
   <p:notesSz cx="6858000" cy="9144000"/>
@@ -107,7 +112,529 @@
       </a:defRPr>
     </a:lvl9pPr>
   </p:defaultTextStyle>
+  <p:extLst>
+    <p:ext uri="{EFAFB233-063F-42B5-8137-9DF3F51BA10A}">
+      <p15:sldGuideLst xmlns:p15="http://schemas.microsoft.com/office/powerpoint/2012/main"/>
+    </p:ext>
+  </p:extLst>
 </p:presentation>
+</file>
+
+<file path=ppt/notesMasters/notesMaster1.xml><?xml version="1.0" encoding="utf-8"?>
+<p:notesMaster xmlns:a="http://schemas.openxmlformats.org/drawingml/2006/main" xmlns:r="http://schemas.openxmlformats.org/officeDocument/2006/relationships" xmlns:p="http://schemas.openxmlformats.org/presentationml/2006/main">
+  <p:cSld>
+    <p:bg>
+      <p:bgRef idx="1001">
+        <a:schemeClr val="bg1"/>
+      </p:bgRef>
+    </p:bg>
+    <p:spTree>
+      <p:nvGrpSpPr>
+        <p:cNvPr id="1" name=""/>
+        <p:cNvGrpSpPr/>
+        <p:nvPr/>
+      </p:nvGrpSpPr>
+      <p:grpSpPr>
+        <a:xfrm>
+          <a:off x="0" y="0"/>
+          <a:ext cx="0" cy="0"/>
+          <a:chOff x="0" y="0"/>
+          <a:chExt cx="0" cy="0"/>
+        </a:xfrm>
+      </p:grpSpPr>
+      <p:sp>
+        <p:nvSpPr>
+          <p:cNvPr id="2" name="页眉占位符 1"/>
+          <p:cNvSpPr>
+            <a:spLocks noGrp="1"/>
+          </p:cNvSpPr>
+          <p:nvPr>
+            <p:ph type="hdr" sz="quarter"/>
+          </p:nvPr>
+        </p:nvSpPr>
+        <p:spPr>
+          <a:xfrm>
+            <a:off x="0" y="0"/>
+            <a:ext cx="2971800" cy="458788"/>
+          </a:xfrm>
+          <a:prstGeom prst="rect">
+            <a:avLst/>
+          </a:prstGeom>
+        </p:spPr>
+        <p:txBody>
+          <a:bodyPr vert="horz" lIns="91440" tIns="45720" rIns="91440" bIns="45720" rtlCol="0"/>
+          <a:lstStyle>
+            <a:lvl1pPr algn="l">
+              <a:defRPr sz="1200"/>
+            </a:lvl1pPr>
+          </a:lstStyle>
+          <a:p>
+            <a:endParaRPr lang="zh-CN" altLang="en-US"/>
+          </a:p>
+        </p:txBody>
+      </p:sp>
+      <p:sp>
+        <p:nvSpPr>
+          <p:cNvPr id="3" name="日期占位符 2"/>
+          <p:cNvSpPr>
+            <a:spLocks noGrp="1"/>
+          </p:cNvSpPr>
+          <p:nvPr>
+            <p:ph type="dt" idx="1"/>
+          </p:nvPr>
+        </p:nvSpPr>
+        <p:spPr>
+          <a:xfrm>
+            <a:off x="3884613" y="0"/>
+            <a:ext cx="2971800" cy="458788"/>
+          </a:xfrm>
+          <a:prstGeom prst="rect">
+            <a:avLst/>
+          </a:prstGeom>
+        </p:spPr>
+        <p:txBody>
+          <a:bodyPr vert="horz" lIns="91440" tIns="45720" rIns="91440" bIns="45720" rtlCol="0"/>
+          <a:lstStyle>
+            <a:lvl1pPr algn="r">
+              <a:defRPr sz="1200"/>
+            </a:lvl1pPr>
+          </a:lstStyle>
+          <a:p>
+            <a:fld id="{31228B98-88A0-4112-9F60-481AD694F01C}" type="datetimeFigureOut">
+              <a:rPr lang="zh-CN" altLang="en-US" smtClean="0"/>
+              <a:t>2022/10/24</a:t>
+            </a:fld>
+            <a:endParaRPr lang="zh-CN" altLang="en-US"/>
+          </a:p>
+        </p:txBody>
+      </p:sp>
+      <p:sp>
+        <p:nvSpPr>
+          <p:cNvPr id="4" name="幻灯片图像占位符 3"/>
+          <p:cNvSpPr>
+            <a:spLocks noGrp="1" noRot="1" noChangeAspect="1"/>
+          </p:cNvSpPr>
+          <p:nvPr>
+            <p:ph type="sldImg" idx="2"/>
+          </p:nvPr>
+        </p:nvSpPr>
+        <p:spPr>
+          <a:xfrm>
+            <a:off x="685800" y="1143000"/>
+            <a:ext cx="5486400" cy="3086100"/>
+          </a:xfrm>
+          <a:prstGeom prst="rect">
+            <a:avLst/>
+          </a:prstGeom>
+          <a:noFill/>
+          <a:ln w="12700">
+            <a:solidFill>
+              <a:prstClr val="black"/>
+            </a:solidFill>
+          </a:ln>
+        </p:spPr>
+        <p:txBody>
+          <a:bodyPr vert="horz" lIns="91440" tIns="45720" rIns="91440" bIns="45720" rtlCol="0" anchor="ctr"/>
+          <a:lstStyle/>
+          <a:p>
+            <a:endParaRPr lang="zh-CN" altLang="en-US"/>
+          </a:p>
+        </p:txBody>
+      </p:sp>
+      <p:sp>
+        <p:nvSpPr>
+          <p:cNvPr id="5" name="备注占位符 4"/>
+          <p:cNvSpPr>
+            <a:spLocks noGrp="1"/>
+          </p:cNvSpPr>
+          <p:nvPr>
+            <p:ph type="body" sz="quarter" idx="3"/>
+          </p:nvPr>
+        </p:nvSpPr>
+        <p:spPr>
+          <a:xfrm>
+            <a:off x="685800" y="4400550"/>
+            <a:ext cx="5486400" cy="3600450"/>
+          </a:xfrm>
+          <a:prstGeom prst="rect">
+            <a:avLst/>
+          </a:prstGeom>
+        </p:spPr>
+        <p:txBody>
+          <a:bodyPr vert="horz" lIns="91440" tIns="45720" rIns="91440" bIns="45720" rtlCol="0"/>
+          <a:lstStyle/>
+          <a:p>
+            <a:pPr lvl="0"/>
+            <a:r>
+              <a:rPr lang="zh-CN" altLang="en-US"/>
+              <a:t>单击此处编辑母版文本样式</a:t>
+            </a:r>
+          </a:p>
+          <a:p>
+            <a:pPr lvl="1"/>
+            <a:r>
+              <a:rPr lang="zh-CN" altLang="en-US"/>
+              <a:t>二级</a:t>
+            </a:r>
+          </a:p>
+          <a:p>
+            <a:pPr lvl="2"/>
+            <a:r>
+              <a:rPr lang="zh-CN" altLang="en-US"/>
+              <a:t>三级</a:t>
+            </a:r>
+          </a:p>
+          <a:p>
+            <a:pPr lvl="3"/>
+            <a:r>
+              <a:rPr lang="zh-CN" altLang="en-US"/>
+              <a:t>四级</a:t>
+            </a:r>
+          </a:p>
+          <a:p>
+            <a:pPr lvl="4"/>
+            <a:r>
+              <a:rPr lang="zh-CN" altLang="en-US"/>
+              <a:t>五级</a:t>
+            </a:r>
+          </a:p>
+        </p:txBody>
+      </p:sp>
+      <p:sp>
+        <p:nvSpPr>
+          <p:cNvPr id="6" name="页脚占位符 5"/>
+          <p:cNvSpPr>
+            <a:spLocks noGrp="1"/>
+          </p:cNvSpPr>
+          <p:nvPr>
+            <p:ph type="ftr" sz="quarter" idx="4"/>
+          </p:nvPr>
+        </p:nvSpPr>
+        <p:spPr>
+          <a:xfrm>
+            <a:off x="0" y="8685213"/>
+            <a:ext cx="2971800" cy="458787"/>
+          </a:xfrm>
+          <a:prstGeom prst="rect">
+            <a:avLst/>
+          </a:prstGeom>
+        </p:spPr>
+        <p:txBody>
+          <a:bodyPr vert="horz" lIns="91440" tIns="45720" rIns="91440" bIns="45720" rtlCol="0" anchor="b"/>
+          <a:lstStyle>
+            <a:lvl1pPr algn="l">
+              <a:defRPr sz="1200"/>
+            </a:lvl1pPr>
+          </a:lstStyle>
+          <a:p>
+            <a:endParaRPr lang="zh-CN" altLang="en-US"/>
+          </a:p>
+        </p:txBody>
+      </p:sp>
+      <p:sp>
+        <p:nvSpPr>
+          <p:cNvPr id="7" name="灯片编号占位符 6"/>
+          <p:cNvSpPr>
+            <a:spLocks noGrp="1"/>
+          </p:cNvSpPr>
+          <p:nvPr>
+            <p:ph type="sldNum" sz="quarter" idx="5"/>
+          </p:nvPr>
+        </p:nvSpPr>
+        <p:spPr>
+          <a:xfrm>
+            <a:off x="3884613" y="8685213"/>
+            <a:ext cx="2971800" cy="458787"/>
+          </a:xfrm>
+          <a:prstGeom prst="rect">
+            <a:avLst/>
+          </a:prstGeom>
+        </p:spPr>
+        <p:txBody>
+          <a:bodyPr vert="horz" lIns="91440" tIns="45720" rIns="91440" bIns="45720" rtlCol="0" anchor="b"/>
+          <a:lstStyle>
+            <a:lvl1pPr algn="r">
+              <a:defRPr sz="1200"/>
+            </a:lvl1pPr>
+          </a:lstStyle>
+          <a:p>
+            <a:fld id="{349E5A2A-4639-4CF6-B308-F94AB44B22E1}" type="slidenum">
+              <a:rPr lang="zh-CN" altLang="en-US" smtClean="0"/>
+              <a:t>‹#›</a:t>
+            </a:fld>
+            <a:endParaRPr lang="zh-CN" altLang="en-US"/>
+          </a:p>
+        </p:txBody>
+      </p:sp>
+    </p:spTree>
+    <p:extLst>
+      <p:ext uri="{BB962C8B-B14F-4D97-AF65-F5344CB8AC3E}">
+        <p14:creationId xmlns:p14="http://schemas.microsoft.com/office/powerpoint/2010/main" val="3489225729"/>
+      </p:ext>
+    </p:extLst>
+  </p:cSld>
+  <p:clrMap bg1="lt1" tx1="dk1" bg2="lt2" tx2="dk2" accent1="accent1" accent2="accent2" accent3="accent3" accent4="accent4" accent5="accent5" accent6="accent6" hlink="hlink" folHlink="folHlink"/>
+  <p:notesStyle>
+    <a:lvl1pPr marL="0" algn="l" defTabSz="914400" rtl="0" eaLnBrk="1" latinLnBrk="0" hangingPunct="1">
+      <a:defRPr sz="1200" kern="1200">
+        <a:solidFill>
+          <a:schemeClr val="tx1"/>
+        </a:solidFill>
+        <a:latin typeface="+mn-lt"/>
+        <a:ea typeface="+mn-ea"/>
+        <a:cs typeface="+mn-cs"/>
+      </a:defRPr>
+    </a:lvl1pPr>
+    <a:lvl2pPr marL="457200" algn="l" defTabSz="914400" rtl="0" eaLnBrk="1" latinLnBrk="0" hangingPunct="1">
+      <a:defRPr sz="1200" kern="1200">
+        <a:solidFill>
+          <a:schemeClr val="tx1"/>
+        </a:solidFill>
+        <a:latin typeface="+mn-lt"/>
+        <a:ea typeface="+mn-ea"/>
+        <a:cs typeface="+mn-cs"/>
+      </a:defRPr>
+    </a:lvl2pPr>
+    <a:lvl3pPr marL="914400" algn="l" defTabSz="914400" rtl="0" eaLnBrk="1" latinLnBrk="0" hangingPunct="1">
+      <a:defRPr sz="1200" kern="1200">
+        <a:solidFill>
+          <a:schemeClr val="tx1"/>
+        </a:solidFill>
+        <a:latin typeface="+mn-lt"/>
+        <a:ea typeface="+mn-ea"/>
+        <a:cs typeface="+mn-cs"/>
+      </a:defRPr>
+    </a:lvl3pPr>
+    <a:lvl4pPr marL="1371600" algn="l" defTabSz="914400" rtl="0" eaLnBrk="1" latinLnBrk="0" hangingPunct="1">
+      <a:defRPr sz="1200" kern="1200">
+        <a:solidFill>
+          <a:schemeClr val="tx1"/>
+        </a:solidFill>
+        <a:latin typeface="+mn-lt"/>
+        <a:ea typeface="+mn-ea"/>
+        <a:cs typeface="+mn-cs"/>
+      </a:defRPr>
+    </a:lvl4pPr>
+    <a:lvl5pPr marL="1828800" algn="l" defTabSz="914400" rtl="0" eaLnBrk="1" latinLnBrk="0" hangingPunct="1">
+      <a:defRPr sz="1200" kern="1200">
+        <a:solidFill>
+          <a:schemeClr val="tx1"/>
+        </a:solidFill>
+        <a:latin typeface="+mn-lt"/>
+        <a:ea typeface="+mn-ea"/>
+        <a:cs typeface="+mn-cs"/>
+      </a:defRPr>
+    </a:lvl5pPr>
+    <a:lvl6pPr marL="2286000" algn="l" defTabSz="914400" rtl="0" eaLnBrk="1" latinLnBrk="0" hangingPunct="1">
+      <a:defRPr sz="1200" kern="1200">
+        <a:solidFill>
+          <a:schemeClr val="tx1"/>
+        </a:solidFill>
+        <a:latin typeface="+mn-lt"/>
+        <a:ea typeface="+mn-ea"/>
+        <a:cs typeface="+mn-cs"/>
+      </a:defRPr>
+    </a:lvl6pPr>
+    <a:lvl7pPr marL="2743200" algn="l" defTabSz="914400" rtl="0" eaLnBrk="1" latinLnBrk="0" hangingPunct="1">
+      <a:defRPr sz="1200" kern="1200">
+        <a:solidFill>
+          <a:schemeClr val="tx1"/>
+        </a:solidFill>
+        <a:latin typeface="+mn-lt"/>
+        <a:ea typeface="+mn-ea"/>
+        <a:cs typeface="+mn-cs"/>
+      </a:defRPr>
+    </a:lvl7pPr>
+    <a:lvl8pPr marL="3200400" algn="l" defTabSz="914400" rtl="0" eaLnBrk="1" latinLnBrk="0" hangingPunct="1">
+      <a:defRPr sz="1200" kern="1200">
+        <a:solidFill>
+          <a:schemeClr val="tx1"/>
+        </a:solidFill>
+        <a:latin typeface="+mn-lt"/>
+        <a:ea typeface="+mn-ea"/>
+        <a:cs typeface="+mn-cs"/>
+      </a:defRPr>
+    </a:lvl8pPr>
+    <a:lvl9pPr marL="3657600" algn="l" defTabSz="914400" rtl="0" eaLnBrk="1" latinLnBrk="0" hangingPunct="1">
+      <a:defRPr sz="1200" kern="1200">
+        <a:solidFill>
+          <a:schemeClr val="tx1"/>
+        </a:solidFill>
+        <a:latin typeface="+mn-lt"/>
+        <a:ea typeface="+mn-ea"/>
+        <a:cs typeface="+mn-cs"/>
+      </a:defRPr>
+    </a:lvl9pPr>
+  </p:notesStyle>
+</p:notesMaster>
+</file>
+
+<file path=ppt/notesSlides/notesSlide1.xml><?xml version="1.0" encoding="utf-8"?>
+<p:notes xmlns:a="http://schemas.openxmlformats.org/drawingml/2006/main" xmlns:r="http://schemas.openxmlformats.org/officeDocument/2006/relationships" xmlns:p="http://schemas.openxmlformats.org/presentationml/2006/main">
+  <p:cSld>
+    <p:spTree>
+      <p:nvGrpSpPr>
+        <p:cNvPr id="1" name=""/>
+        <p:cNvGrpSpPr/>
+        <p:nvPr/>
+      </p:nvGrpSpPr>
+      <p:grpSpPr>
+        <a:xfrm>
+          <a:off x="0" y="0"/>
+          <a:ext cx="0" cy="0"/>
+          <a:chOff x="0" y="0"/>
+          <a:chExt cx="0" cy="0"/>
+        </a:xfrm>
+      </p:grpSpPr>
+      <p:sp>
+        <p:nvSpPr>
+          <p:cNvPr id="2" name="幻灯片图像占位符 1"/>
+          <p:cNvSpPr>
+            <a:spLocks noGrp="1" noRot="1" noChangeAspect="1"/>
+          </p:cNvSpPr>
+          <p:nvPr>
+            <p:ph type="sldImg"/>
+          </p:nvPr>
+        </p:nvSpPr>
+        <p:spPr/>
+      </p:sp>
+      <p:sp>
+        <p:nvSpPr>
+          <p:cNvPr id="3" name="备注占位符 2"/>
+          <p:cNvSpPr>
+            <a:spLocks noGrp="1"/>
+          </p:cNvSpPr>
+          <p:nvPr>
+            <p:ph type="body" idx="1"/>
+          </p:nvPr>
+        </p:nvSpPr>
+        <p:spPr/>
+        <p:txBody>
+          <a:bodyPr/>
+          <a:lstStyle/>
+          <a:p>
+            <a:endParaRPr lang="zh-CN" altLang="en-US" dirty="0"/>
+          </a:p>
+        </p:txBody>
+      </p:sp>
+      <p:sp>
+        <p:nvSpPr>
+          <p:cNvPr id="4" name="灯片编号占位符 3"/>
+          <p:cNvSpPr>
+            <a:spLocks noGrp="1"/>
+          </p:cNvSpPr>
+          <p:nvPr>
+            <p:ph type="sldNum" sz="quarter" idx="5"/>
+          </p:nvPr>
+        </p:nvSpPr>
+        <p:spPr/>
+        <p:txBody>
+          <a:bodyPr/>
+          <a:lstStyle/>
+          <a:p>
+            <a:fld id="{349E5A2A-4639-4CF6-B308-F94AB44B22E1}" type="slidenum">
+              <a:rPr lang="zh-CN" altLang="en-US" smtClean="0"/>
+              <a:t>4</a:t>
+            </a:fld>
+            <a:endParaRPr lang="zh-CN" altLang="en-US"/>
+          </a:p>
+        </p:txBody>
+      </p:sp>
+    </p:spTree>
+    <p:extLst>
+      <p:ext uri="{BB962C8B-B14F-4D97-AF65-F5344CB8AC3E}">
+        <p14:creationId xmlns:p14="http://schemas.microsoft.com/office/powerpoint/2010/main" val="1609474115"/>
+      </p:ext>
+    </p:extLst>
+  </p:cSld>
+  <p:clrMapOvr>
+    <a:masterClrMapping/>
+  </p:clrMapOvr>
+</p:notes>
+</file>
+
+<file path=ppt/notesSlides/notesSlide2.xml><?xml version="1.0" encoding="utf-8"?>
+<p:notes xmlns:a="http://schemas.openxmlformats.org/drawingml/2006/main" xmlns:r="http://schemas.openxmlformats.org/officeDocument/2006/relationships" xmlns:p="http://schemas.openxmlformats.org/presentationml/2006/main">
+  <p:cSld>
+    <p:spTree>
+      <p:nvGrpSpPr>
+        <p:cNvPr id="1" name=""/>
+        <p:cNvGrpSpPr/>
+        <p:nvPr/>
+      </p:nvGrpSpPr>
+      <p:grpSpPr>
+        <a:xfrm>
+          <a:off x="0" y="0"/>
+          <a:ext cx="0" cy="0"/>
+          <a:chOff x="0" y="0"/>
+          <a:chExt cx="0" cy="0"/>
+        </a:xfrm>
+      </p:grpSpPr>
+      <p:sp>
+        <p:nvSpPr>
+          <p:cNvPr id="2" name="幻灯片图像占位符 1"/>
+          <p:cNvSpPr>
+            <a:spLocks noGrp="1" noRot="1" noChangeAspect="1"/>
+          </p:cNvSpPr>
+          <p:nvPr>
+            <p:ph type="sldImg"/>
+          </p:nvPr>
+        </p:nvSpPr>
+        <p:spPr/>
+      </p:sp>
+      <p:sp>
+        <p:nvSpPr>
+          <p:cNvPr id="3" name="备注占位符 2"/>
+          <p:cNvSpPr>
+            <a:spLocks noGrp="1"/>
+          </p:cNvSpPr>
+          <p:nvPr>
+            <p:ph type="body" idx="1"/>
+          </p:nvPr>
+        </p:nvSpPr>
+        <p:spPr/>
+        <p:txBody>
+          <a:bodyPr/>
+          <a:lstStyle/>
+          <a:p>
+            <a:endParaRPr lang="zh-CN" altLang="en-US" dirty="0"/>
+          </a:p>
+        </p:txBody>
+      </p:sp>
+      <p:sp>
+        <p:nvSpPr>
+          <p:cNvPr id="4" name="灯片编号占位符 3"/>
+          <p:cNvSpPr>
+            <a:spLocks noGrp="1"/>
+          </p:cNvSpPr>
+          <p:nvPr>
+            <p:ph type="sldNum" sz="quarter" idx="5"/>
+          </p:nvPr>
+        </p:nvSpPr>
+        <p:spPr/>
+        <p:txBody>
+          <a:bodyPr/>
+          <a:lstStyle/>
+          <a:p>
+            <a:fld id="{349E5A2A-4639-4CF6-B308-F94AB44B22E1}" type="slidenum">
+              <a:rPr lang="zh-CN" altLang="en-US" smtClean="0"/>
+              <a:t>5</a:t>
+            </a:fld>
+            <a:endParaRPr lang="zh-CN" altLang="en-US"/>
+          </a:p>
+        </p:txBody>
+      </p:sp>
+    </p:spTree>
+    <p:extLst>
+      <p:ext uri="{BB962C8B-B14F-4D97-AF65-F5344CB8AC3E}">
+        <p14:creationId xmlns:p14="http://schemas.microsoft.com/office/powerpoint/2010/main" val="755880915"/>
+      </p:ext>
+    </p:extLst>
+  </p:cSld>
+  <p:clrMapOvr>
+    <a:masterClrMapping/>
+  </p:clrMapOvr>
+</p:notes>
 </file>
 
 <file path=ppt/slideLayouts/slideLayout1.xml><?xml version="1.0" encoding="utf-8"?>
@@ -257,7 +784,7 @@
           <a:p>
             <a:fld id="{B66EE480-89DD-FE49-B45B-F31E09037260}" type="datetimeFigureOut">
               <a:rPr lang="en-US" smtClean="0"/>
-              <a:t>10/20/22</a:t>
+              <a:t>10/24/2022</a:t>
             </a:fld>
             <a:endParaRPr lang="en-US"/>
           </a:p>
@@ -455,7 +982,7 @@
           <a:p>
             <a:fld id="{B66EE480-89DD-FE49-B45B-F31E09037260}" type="datetimeFigureOut">
               <a:rPr lang="en-US" smtClean="0"/>
-              <a:t>10/20/22</a:t>
+              <a:t>10/24/2022</a:t>
             </a:fld>
             <a:endParaRPr lang="en-US"/>
           </a:p>
@@ -663,7 +1190,7 @@
           <a:p>
             <a:fld id="{B66EE480-89DD-FE49-B45B-F31E09037260}" type="datetimeFigureOut">
               <a:rPr lang="en-US" smtClean="0"/>
-              <a:t>10/20/22</a:t>
+              <a:t>10/24/2022</a:t>
             </a:fld>
             <a:endParaRPr lang="en-US"/>
           </a:p>
@@ -861,7 +1388,7 @@
           <a:p>
             <a:fld id="{B66EE480-89DD-FE49-B45B-F31E09037260}" type="datetimeFigureOut">
               <a:rPr lang="en-US" smtClean="0"/>
-              <a:t>10/20/22</a:t>
+              <a:t>10/24/2022</a:t>
             </a:fld>
             <a:endParaRPr lang="en-US"/>
           </a:p>
@@ -1136,7 +1663,7 @@
           <a:p>
             <a:fld id="{B66EE480-89DD-FE49-B45B-F31E09037260}" type="datetimeFigureOut">
               <a:rPr lang="en-US" smtClean="0"/>
-              <a:t>10/20/22</a:t>
+              <a:t>10/24/2022</a:t>
             </a:fld>
             <a:endParaRPr lang="en-US"/>
           </a:p>
@@ -1401,7 +1928,7 @@
           <a:p>
             <a:fld id="{B66EE480-89DD-FE49-B45B-F31E09037260}" type="datetimeFigureOut">
               <a:rPr lang="en-US" smtClean="0"/>
-              <a:t>10/20/22</a:t>
+              <a:t>10/24/2022</a:t>
             </a:fld>
             <a:endParaRPr lang="en-US"/>
           </a:p>
@@ -1813,7 +2340,7 @@
           <a:p>
             <a:fld id="{B66EE480-89DD-FE49-B45B-F31E09037260}" type="datetimeFigureOut">
               <a:rPr lang="en-US" smtClean="0"/>
-              <a:t>10/20/22</a:t>
+              <a:t>10/24/2022</a:t>
             </a:fld>
             <a:endParaRPr lang="en-US"/>
           </a:p>
@@ -1954,7 +2481,7 @@
           <a:p>
             <a:fld id="{B66EE480-89DD-FE49-B45B-F31E09037260}" type="datetimeFigureOut">
               <a:rPr lang="en-US" smtClean="0"/>
-              <a:t>10/20/22</a:t>
+              <a:t>10/24/2022</a:t>
             </a:fld>
             <a:endParaRPr lang="en-US"/>
           </a:p>
@@ -2067,7 +2594,7 @@
           <a:p>
             <a:fld id="{B66EE480-89DD-FE49-B45B-F31E09037260}" type="datetimeFigureOut">
               <a:rPr lang="en-US" smtClean="0"/>
-              <a:t>10/20/22</a:t>
+              <a:t>10/24/2022</a:t>
             </a:fld>
             <a:endParaRPr lang="en-US"/>
           </a:p>
@@ -2378,7 +2905,7 @@
           <a:p>
             <a:fld id="{B66EE480-89DD-FE49-B45B-F31E09037260}" type="datetimeFigureOut">
               <a:rPr lang="en-US" smtClean="0"/>
-              <a:t>10/20/22</a:t>
+              <a:t>10/24/2022</a:t>
             </a:fld>
             <a:endParaRPr lang="en-US"/>
           </a:p>
@@ -2666,7 +3193,7 @@
           <a:p>
             <a:fld id="{B66EE480-89DD-FE49-B45B-F31E09037260}" type="datetimeFigureOut">
               <a:rPr lang="en-US" smtClean="0"/>
-              <a:t>10/20/22</a:t>
+              <a:t>10/24/2022</a:t>
             </a:fld>
             <a:endParaRPr lang="en-US"/>
           </a:p>
@@ -2907,7 +3434,7 @@
           <a:p>
             <a:fld id="{B66EE480-89DD-FE49-B45B-F31E09037260}" type="datetimeFigureOut">
               <a:rPr lang="en-US" smtClean="0"/>
-              <a:t>10/20/22</a:t>
+              <a:t>10/24/2022</a:t>
             </a:fld>
             <a:endParaRPr lang="en-US"/>
           </a:p>
@@ -6383,7 +6910,7 @@
         </p:nvGrpSpPr>
         <p:grpSpPr>
           <a:xfrm>
-            <a:off x="2403469" y="582895"/>
+            <a:off x="2405057" y="587658"/>
             <a:ext cx="6474716" cy="2381694"/>
             <a:chOff x="1524000" y="1395615"/>
             <a:chExt cx="9144000" cy="4043663"/>
@@ -6404,7 +6931,7 @@
             <p:nvPr/>
           </p:nvPicPr>
           <p:blipFill>
-            <a:blip r:embed="rId2"/>
+            <a:blip r:embed="rId3"/>
             <a:stretch>
               <a:fillRect/>
             </a:stretch>
@@ -6434,7 +6961,7 @@
             <p:nvPr/>
           </p:nvPicPr>
           <p:blipFill rotWithShape="1">
-            <a:blip r:embed="rId3"/>
+            <a:blip r:embed="rId4"/>
             <a:srcRect b="1353"/>
             <a:stretch/>
           </p:blipFill>
@@ -6523,9 +7050,9 @@
               <a:avLst/>
             </a:prstGeom>
             <a:noFill/>
-            <a:ln w="57150">
+            <a:ln w="25400">
               <a:solidFill>
-                <a:srgbClr val="FFFF00"/>
+                <a:srgbClr val="FF0000"/>
               </a:solidFill>
             </a:ln>
           </p:spPr>
@@ -6550,7 +7077,7 @@
             <a:lstStyle/>
             <a:p>
               <a:pPr algn="ctr"/>
-              <a:endParaRPr lang="en-US"/>
+              <a:endParaRPr lang="en-US" dirty="0"/>
             </a:p>
           </p:txBody>
         </p:sp>
@@ -6575,7 +7102,7 @@
               <a:avLst/>
             </a:prstGeom>
             <a:noFill/>
-            <a:ln w="57150">
+            <a:ln w="25400">
               <a:solidFill>
                 <a:srgbClr val="FF0000"/>
               </a:solidFill>
@@ -6627,9 +7154,11 @@
               <a:avLst/>
             </a:prstGeom>
             <a:noFill/>
-            <a:ln w="57150">
+            <a:ln w="25400">
               <a:solidFill>
-                <a:srgbClr val="FFC000"/>
+                <a:schemeClr val="accent4">
+                  <a:lumMod val="75000"/>
+                </a:schemeClr>
               </a:solidFill>
             </a:ln>
           </p:spPr>
@@ -6679,7 +7208,7 @@
               <a:avLst/>
             </a:prstGeom>
             <a:noFill/>
-            <a:ln w="57150">
+            <a:ln w="25400">
               <a:solidFill>
                 <a:schemeClr val="accent2"/>
               </a:solidFill>
@@ -6731,7 +7260,7 @@
               <a:avLst/>
             </a:prstGeom>
             <a:noFill/>
-            <a:ln w="57150">
+            <a:ln w="25400">
               <a:solidFill>
                 <a:schemeClr val="tx1"/>
               </a:solidFill>
@@ -6758,7 +7287,7 @@
             <a:lstStyle/>
             <a:p>
               <a:pPr algn="ctr"/>
-              <a:endParaRPr lang="en-US"/>
+              <a:endParaRPr lang="en-US" dirty="0"/>
             </a:p>
           </p:txBody>
         </p:sp>
@@ -6783,7 +7312,7 @@
               <a:avLst/>
             </a:prstGeom>
             <a:noFill/>
-            <a:ln w="57150">
+            <a:ln w="25400">
               <a:solidFill>
                 <a:srgbClr val="002060"/>
               </a:solidFill>
@@ -6828,16 +7357,18 @@
           </p:nvSpPr>
           <p:spPr>
             <a:xfrm>
-              <a:off x="8219768" y="2231921"/>
-              <a:ext cx="1333253" cy="855408"/>
+              <a:off x="8219768" y="2231920"/>
+              <a:ext cx="1333254" cy="708698"/>
             </a:xfrm>
             <a:prstGeom prst="rect">
               <a:avLst/>
             </a:prstGeom>
             <a:noFill/>
-            <a:ln w="57150">
+            <a:ln w="25400">
               <a:solidFill>
-                <a:schemeClr val="accent3"/>
+                <a:schemeClr val="bg1">
+                  <a:lumMod val="50000"/>
+                </a:schemeClr>
               </a:solidFill>
             </a:ln>
           </p:spPr>
@@ -6862,7 +7393,7 @@
             <a:lstStyle/>
             <a:p>
               <a:pPr algn="ctr"/>
-              <a:endParaRPr lang="en-US"/>
+              <a:endParaRPr lang="en-US" dirty="0"/>
             </a:p>
           </p:txBody>
         </p:sp>
@@ -6887,7 +7418,7 @@
               <a:avLst/>
             </a:prstGeom>
             <a:noFill/>
-            <a:ln w="57150">
+            <a:ln w="25400">
               <a:solidFill>
                 <a:srgbClr val="FF0000"/>
               </a:solidFill>
@@ -6939,66 +7470,9 @@
               <a:avLst/>
             </a:prstGeom>
             <a:noFill/>
-            <a:ln w="57150">
+            <a:ln w="25400">
               <a:solidFill>
-                <a:schemeClr val="accent4">
-                  <a:lumMod val="60000"/>
-                  <a:lumOff val="40000"/>
-                </a:schemeClr>
-              </a:solidFill>
-            </a:ln>
-          </p:spPr>
-          <p:style>
-            <a:lnRef idx="2">
-              <a:schemeClr val="accent1">
-                <a:shade val="50000"/>
-              </a:schemeClr>
-            </a:lnRef>
-            <a:fillRef idx="1">
-              <a:schemeClr val="accent1"/>
-            </a:fillRef>
-            <a:effectRef idx="0">
-              <a:schemeClr val="accent1"/>
-            </a:effectRef>
-            <a:fontRef idx="minor">
-              <a:schemeClr val="lt1"/>
-            </a:fontRef>
-          </p:style>
-          <p:txBody>
-            <a:bodyPr rtlCol="0" anchor="ctr"/>
-            <a:lstStyle/>
-            <a:p>
-              <a:pPr algn="ctr"/>
-              <a:endParaRPr lang="en-US"/>
-            </a:p>
-          </p:txBody>
-        </p:sp>
-        <p:sp>
-          <p:nvSpPr>
-            <p:cNvPr id="31" name="Rectangle 30">
-              <a:extLst>
-                <a:ext uri="{FF2B5EF4-FFF2-40B4-BE49-F238E27FC236}">
-                  <a16:creationId xmlns:a16="http://schemas.microsoft.com/office/drawing/2014/main" id="{705D0BC2-37F7-3B79-6615-F9F0F7378372}"/>
-                </a:ext>
-              </a:extLst>
-            </p:cNvPr>
-            <p:cNvSpPr/>
-            <p:nvPr/>
-          </p:nvSpPr>
-          <p:spPr>
-            <a:xfrm>
-              <a:off x="7079926" y="3923091"/>
-              <a:ext cx="285674" cy="245709"/>
-            </a:xfrm>
-            <a:prstGeom prst="rect">
-              <a:avLst/>
-            </a:prstGeom>
-            <a:noFill/>
-            <a:ln w="57150">
-              <a:solidFill>
-                <a:schemeClr val="accent4">
-                  <a:lumMod val="50000"/>
-                </a:schemeClr>
+                <a:schemeClr val="accent2"/>
               </a:solidFill>
             </a:ln>
           </p:spPr>
@@ -7048,63 +7522,11 @@
               <a:avLst/>
             </a:prstGeom>
             <a:noFill/>
-            <a:ln w="57150">
+            <a:ln w="25400">
               <a:solidFill>
                 <a:schemeClr val="accent6">
                   <a:lumMod val="50000"/>
                 </a:schemeClr>
-              </a:solidFill>
-            </a:ln>
-          </p:spPr>
-          <p:style>
-            <a:lnRef idx="2">
-              <a:schemeClr val="accent1">
-                <a:shade val="50000"/>
-              </a:schemeClr>
-            </a:lnRef>
-            <a:fillRef idx="1">
-              <a:schemeClr val="accent1"/>
-            </a:fillRef>
-            <a:effectRef idx="0">
-              <a:schemeClr val="accent1"/>
-            </a:effectRef>
-            <a:fontRef idx="minor">
-              <a:schemeClr val="lt1"/>
-            </a:fontRef>
-          </p:style>
-          <p:txBody>
-            <a:bodyPr rtlCol="0" anchor="ctr"/>
-            <a:lstStyle/>
-            <a:p>
-              <a:pPr algn="ctr"/>
-              <a:endParaRPr lang="en-US"/>
-            </a:p>
-          </p:txBody>
-        </p:sp>
-        <p:sp>
-          <p:nvSpPr>
-            <p:cNvPr id="33" name="Rectangle 32">
-              <a:extLst>
-                <a:ext uri="{FF2B5EF4-FFF2-40B4-BE49-F238E27FC236}">
-                  <a16:creationId xmlns:a16="http://schemas.microsoft.com/office/drawing/2014/main" id="{8C07FAA9-AD6E-6807-8ED0-858AFA8912CA}"/>
-                </a:ext>
-              </a:extLst>
-            </p:cNvPr>
-            <p:cNvSpPr/>
-            <p:nvPr/>
-          </p:nvSpPr>
-          <p:spPr>
-            <a:xfrm>
-              <a:off x="2779200" y="1651819"/>
-              <a:ext cx="365760" cy="452284"/>
-            </a:xfrm>
-            <a:prstGeom prst="rect">
-              <a:avLst/>
-            </a:prstGeom>
-            <a:noFill/>
-            <a:ln w="57150">
-              <a:solidFill>
-                <a:srgbClr val="7030A0"/>
               </a:solidFill>
             </a:ln>
           </p:spPr>
@@ -7149,14 +7571,14 @@
           <p:nvPr/>
         </p:nvPicPr>
         <p:blipFill>
-          <a:blip r:embed="rId4"/>
+          <a:blip r:embed="rId5"/>
           <a:stretch>
             <a:fillRect/>
           </a:stretch>
         </p:blipFill>
         <p:spPr>
           <a:xfrm>
-            <a:off x="6085367" y="3214699"/>
+            <a:off x="6096000" y="3444658"/>
             <a:ext cx="2654595" cy="2381694"/>
           </a:xfrm>
           <a:prstGeom prst="rect">
@@ -7170,6 +7592,2684 @@
             <a:extLst>
               <a:ext uri="{FF2B5EF4-FFF2-40B4-BE49-F238E27FC236}">
                 <a16:creationId xmlns:a16="http://schemas.microsoft.com/office/drawing/2014/main" id="{789CCBCD-5A77-52EB-C964-51613165B35E}"/>
+              </a:ext>
+            </a:extLst>
+          </p:cNvPr>
+          <p:cNvPicPr>
+            <a:picLocks noChangeAspect="1"/>
+          </p:cNvPicPr>
+          <p:nvPr/>
+        </p:nvPicPr>
+        <p:blipFill>
+          <a:blip r:embed="rId6"/>
+          <a:stretch>
+            <a:fillRect/>
+          </a:stretch>
+        </p:blipFill>
+        <p:spPr>
+          <a:xfrm>
+            <a:off x="2522015" y="3427956"/>
+            <a:ext cx="2449419" cy="2381694"/>
+          </a:xfrm>
+          <a:prstGeom prst="rect">
+            <a:avLst/>
+          </a:prstGeom>
+        </p:spPr>
+      </p:pic>
+      <p:sp>
+        <p:nvSpPr>
+          <p:cNvPr id="14" name="TextBox 13">
+            <a:extLst>
+              <a:ext uri="{FF2B5EF4-FFF2-40B4-BE49-F238E27FC236}">
+                <a16:creationId xmlns:a16="http://schemas.microsoft.com/office/drawing/2014/main" id="{E6C1D1DA-8E6B-D98E-26D7-5C2B9F9520F4}"/>
+              </a:ext>
+            </a:extLst>
+          </p:cNvPr>
+          <p:cNvSpPr txBox="1"/>
+          <p:nvPr/>
+        </p:nvSpPr>
+        <p:spPr>
+          <a:xfrm>
+            <a:off x="5206100" y="1497656"/>
+            <a:ext cx="681661" cy="307777"/>
+          </a:xfrm>
+          <a:prstGeom prst="rect">
+            <a:avLst/>
+          </a:prstGeom>
+          <a:noFill/>
+        </p:spPr>
+        <p:txBody>
+          <a:bodyPr wrap="none" rtlCol="0">
+            <a:spAutoFit/>
+          </a:bodyPr>
+          <a:lstStyle/>
+          <a:p>
+            <a:r>
+              <a:rPr lang="en-US" sz="1400" dirty="0"/>
+              <a:t>(a) Top</a:t>
+            </a:r>
+          </a:p>
+        </p:txBody>
+      </p:sp>
+      <p:sp>
+        <p:nvSpPr>
+          <p:cNvPr id="15" name="TextBox 14">
+            <a:extLst>
+              <a:ext uri="{FF2B5EF4-FFF2-40B4-BE49-F238E27FC236}">
+                <a16:creationId xmlns:a16="http://schemas.microsoft.com/office/drawing/2014/main" id="{6E7E59AD-6B1E-552C-5BE5-E99B1B123A2C}"/>
+              </a:ext>
+            </a:extLst>
+          </p:cNvPr>
+          <p:cNvSpPr txBox="1"/>
+          <p:nvPr/>
+        </p:nvSpPr>
+        <p:spPr>
+          <a:xfrm>
+            <a:off x="5120540" y="2857875"/>
+            <a:ext cx="975460" cy="307777"/>
+          </a:xfrm>
+          <a:prstGeom prst="rect">
+            <a:avLst/>
+          </a:prstGeom>
+          <a:noFill/>
+        </p:spPr>
+        <p:txBody>
+          <a:bodyPr wrap="none" rtlCol="0">
+            <a:spAutoFit/>
+          </a:bodyPr>
+          <a:lstStyle/>
+          <a:p>
+            <a:r>
+              <a:rPr lang="en-US" sz="1400" dirty="0"/>
+              <a:t>(b) Bottom</a:t>
+            </a:r>
+          </a:p>
+        </p:txBody>
+      </p:sp>
+      <p:sp>
+        <p:nvSpPr>
+          <p:cNvPr id="16" name="TextBox 15">
+            <a:extLst>
+              <a:ext uri="{FF2B5EF4-FFF2-40B4-BE49-F238E27FC236}">
+                <a16:creationId xmlns:a16="http://schemas.microsoft.com/office/drawing/2014/main" id="{D4966358-6898-35E6-5169-C0256264443E}"/>
+              </a:ext>
+            </a:extLst>
+          </p:cNvPr>
+          <p:cNvSpPr txBox="1"/>
+          <p:nvPr/>
+        </p:nvSpPr>
+        <p:spPr>
+          <a:xfrm>
+            <a:off x="3155393" y="5837772"/>
+            <a:ext cx="1179490" cy="307777"/>
+          </a:xfrm>
+          <a:prstGeom prst="rect">
+            <a:avLst/>
+          </a:prstGeom>
+          <a:noFill/>
+        </p:spPr>
+        <p:txBody>
+          <a:bodyPr wrap="none" rtlCol="0">
+            <a:spAutoFit/>
+          </a:bodyPr>
+          <a:lstStyle/>
+          <a:p>
+            <a:r>
+              <a:rPr lang="en-US" sz="1400" dirty="0"/>
+              <a:t>(c) Front view</a:t>
+            </a:r>
+          </a:p>
+        </p:txBody>
+      </p:sp>
+      <p:sp>
+        <p:nvSpPr>
+          <p:cNvPr id="17" name="TextBox 16">
+            <a:extLst>
+              <a:ext uri="{FF2B5EF4-FFF2-40B4-BE49-F238E27FC236}">
+                <a16:creationId xmlns:a16="http://schemas.microsoft.com/office/drawing/2014/main" id="{DB82A0B0-9F9D-7C4E-FB1A-9940C3F87AF3}"/>
+              </a:ext>
+            </a:extLst>
+          </p:cNvPr>
+          <p:cNvSpPr txBox="1"/>
+          <p:nvPr/>
+        </p:nvSpPr>
+        <p:spPr>
+          <a:xfrm>
+            <a:off x="6817134" y="5837772"/>
+            <a:ext cx="1116716" cy="307777"/>
+          </a:xfrm>
+          <a:prstGeom prst="rect">
+            <a:avLst/>
+          </a:prstGeom>
+          <a:noFill/>
+        </p:spPr>
+        <p:txBody>
+          <a:bodyPr wrap="none" rtlCol="0">
+            <a:spAutoFit/>
+          </a:bodyPr>
+          <a:lstStyle/>
+          <a:p>
+            <a:r>
+              <a:rPr lang="en-US" sz="1400" dirty="0"/>
+              <a:t>(d) Side view</a:t>
+            </a:r>
+          </a:p>
+        </p:txBody>
+      </p:sp>
+      <p:grpSp>
+        <p:nvGrpSpPr>
+          <p:cNvPr id="37" name="组合 36">
+            <a:extLst>
+              <a:ext uri="{FF2B5EF4-FFF2-40B4-BE49-F238E27FC236}">
+                <a16:creationId xmlns:a16="http://schemas.microsoft.com/office/drawing/2014/main" id="{89549170-2194-44E3-832F-934A01DF24CA}"/>
+              </a:ext>
+            </a:extLst>
+          </p:cNvPr>
+          <p:cNvGrpSpPr/>
+          <p:nvPr/>
+        </p:nvGrpSpPr>
+        <p:grpSpPr>
+          <a:xfrm>
+            <a:off x="4637118" y="528920"/>
+            <a:ext cx="424470" cy="213098"/>
+            <a:chOff x="2877425" y="1675024"/>
+            <a:chExt cx="484556" cy="213098"/>
+          </a:xfrm>
+        </p:grpSpPr>
+        <p:cxnSp>
+          <p:nvCxnSpPr>
+            <p:cNvPr id="38" name="直接连接符 37">
+              <a:extLst>
+                <a:ext uri="{FF2B5EF4-FFF2-40B4-BE49-F238E27FC236}">
+                  <a16:creationId xmlns:a16="http://schemas.microsoft.com/office/drawing/2014/main" id="{F5F6D32F-F8AF-FBA1-BA11-60D304D945D6}"/>
+                </a:ext>
+              </a:extLst>
+            </p:cNvPr>
+            <p:cNvCxnSpPr>
+              <a:cxnSpLocks/>
+            </p:cNvCxnSpPr>
+            <p:nvPr/>
+          </p:nvCxnSpPr>
+          <p:spPr>
+            <a:xfrm flipH="1" flipV="1">
+              <a:off x="3211513" y="1675024"/>
+              <a:ext cx="150468" cy="213098"/>
+            </a:xfrm>
+            <a:prstGeom prst="line">
+              <a:avLst/>
+            </a:prstGeom>
+            <a:ln w="22225">
+              <a:solidFill>
+                <a:schemeClr val="accent6">
+                  <a:lumMod val="50000"/>
+                </a:schemeClr>
+              </a:solidFill>
+            </a:ln>
+          </p:spPr>
+          <p:style>
+            <a:lnRef idx="1">
+              <a:schemeClr val="accent1"/>
+            </a:lnRef>
+            <a:fillRef idx="0">
+              <a:schemeClr val="accent1"/>
+            </a:fillRef>
+            <a:effectRef idx="0">
+              <a:schemeClr val="accent1"/>
+            </a:effectRef>
+            <a:fontRef idx="minor">
+              <a:schemeClr val="tx1"/>
+            </a:fontRef>
+          </p:style>
+        </p:cxnSp>
+        <p:cxnSp>
+          <p:nvCxnSpPr>
+            <p:cNvPr id="39" name="直接连接符 38">
+              <a:extLst>
+                <a:ext uri="{FF2B5EF4-FFF2-40B4-BE49-F238E27FC236}">
+                  <a16:creationId xmlns:a16="http://schemas.microsoft.com/office/drawing/2014/main" id="{E5E442C5-1B49-91DF-D618-55644E8209C2}"/>
+                </a:ext>
+              </a:extLst>
+            </p:cNvPr>
+            <p:cNvCxnSpPr>
+              <a:cxnSpLocks/>
+            </p:cNvCxnSpPr>
+            <p:nvPr/>
+          </p:nvCxnSpPr>
+          <p:spPr>
+            <a:xfrm flipH="1">
+              <a:off x="2877425" y="1675024"/>
+              <a:ext cx="339577" cy="0"/>
+            </a:xfrm>
+            <a:prstGeom prst="line">
+              <a:avLst/>
+            </a:prstGeom>
+            <a:ln w="22225">
+              <a:solidFill>
+                <a:schemeClr val="accent6">
+                  <a:lumMod val="50000"/>
+                </a:schemeClr>
+              </a:solidFill>
+            </a:ln>
+          </p:spPr>
+          <p:style>
+            <a:lnRef idx="1">
+              <a:schemeClr val="accent1"/>
+            </a:lnRef>
+            <a:fillRef idx="0">
+              <a:schemeClr val="accent1"/>
+            </a:fillRef>
+            <a:effectRef idx="0">
+              <a:schemeClr val="accent1"/>
+            </a:effectRef>
+            <a:fontRef idx="minor">
+              <a:schemeClr val="tx1"/>
+            </a:fontRef>
+          </p:style>
+        </p:cxnSp>
+      </p:grpSp>
+      <p:grpSp>
+        <p:nvGrpSpPr>
+          <p:cNvPr id="43" name="组合 42">
+            <a:extLst>
+              <a:ext uri="{FF2B5EF4-FFF2-40B4-BE49-F238E27FC236}">
+                <a16:creationId xmlns:a16="http://schemas.microsoft.com/office/drawing/2014/main" id="{3CB622C9-EE7A-3FA8-D074-1CDE0BB8DA55}"/>
+              </a:ext>
+            </a:extLst>
+          </p:cNvPr>
+          <p:cNvGrpSpPr/>
+          <p:nvPr/>
+        </p:nvGrpSpPr>
+        <p:grpSpPr>
+          <a:xfrm rot="10800000">
+            <a:off x="5764407" y="1366959"/>
+            <a:ext cx="1341114" cy="289908"/>
+            <a:chOff x="2479879" y="1667575"/>
+            <a:chExt cx="882102" cy="220547"/>
+          </a:xfrm>
+        </p:grpSpPr>
+        <p:cxnSp>
+          <p:nvCxnSpPr>
+            <p:cNvPr id="44" name="直接连接符 43">
+              <a:extLst>
+                <a:ext uri="{FF2B5EF4-FFF2-40B4-BE49-F238E27FC236}">
+                  <a16:creationId xmlns:a16="http://schemas.microsoft.com/office/drawing/2014/main" id="{979AA000-9001-ECEB-128B-823908B5CA14}"/>
+                </a:ext>
+              </a:extLst>
+            </p:cNvPr>
+            <p:cNvCxnSpPr>
+              <a:cxnSpLocks/>
+            </p:cNvCxnSpPr>
+            <p:nvPr/>
+          </p:nvCxnSpPr>
+          <p:spPr>
+            <a:xfrm rot="10800000">
+              <a:off x="3203348" y="1667575"/>
+              <a:ext cx="158633" cy="220547"/>
+            </a:xfrm>
+            <a:prstGeom prst="line">
+              <a:avLst/>
+            </a:prstGeom>
+            <a:ln w="22225">
+              <a:solidFill>
+                <a:schemeClr val="accent4">
+                  <a:lumMod val="75000"/>
+                </a:schemeClr>
+              </a:solidFill>
+            </a:ln>
+          </p:spPr>
+          <p:style>
+            <a:lnRef idx="1">
+              <a:schemeClr val="accent1"/>
+            </a:lnRef>
+            <a:fillRef idx="0">
+              <a:schemeClr val="accent1"/>
+            </a:fillRef>
+            <a:effectRef idx="0">
+              <a:schemeClr val="accent1"/>
+            </a:effectRef>
+            <a:fontRef idx="minor">
+              <a:schemeClr val="tx1"/>
+            </a:fontRef>
+          </p:style>
+        </p:cxnSp>
+        <p:cxnSp>
+          <p:nvCxnSpPr>
+            <p:cNvPr id="45" name="直接连接符 44">
+              <a:extLst>
+                <a:ext uri="{FF2B5EF4-FFF2-40B4-BE49-F238E27FC236}">
+                  <a16:creationId xmlns:a16="http://schemas.microsoft.com/office/drawing/2014/main" id="{77C975FD-2BE6-8D2B-2620-B1C75797629C}"/>
+                </a:ext>
+              </a:extLst>
+            </p:cNvPr>
+            <p:cNvCxnSpPr>
+              <a:cxnSpLocks/>
+            </p:cNvCxnSpPr>
+            <p:nvPr/>
+          </p:nvCxnSpPr>
+          <p:spPr>
+            <a:xfrm rot="10800000">
+              <a:off x="2479879" y="1675024"/>
+              <a:ext cx="737123" cy="0"/>
+            </a:xfrm>
+            <a:prstGeom prst="line">
+              <a:avLst/>
+            </a:prstGeom>
+            <a:ln w="22225">
+              <a:solidFill>
+                <a:schemeClr val="accent4">
+                  <a:lumMod val="75000"/>
+                </a:schemeClr>
+              </a:solidFill>
+            </a:ln>
+          </p:spPr>
+          <p:style>
+            <a:lnRef idx="1">
+              <a:schemeClr val="accent1"/>
+            </a:lnRef>
+            <a:fillRef idx="0">
+              <a:schemeClr val="accent1"/>
+            </a:fillRef>
+            <a:effectRef idx="0">
+              <a:schemeClr val="accent1"/>
+            </a:effectRef>
+            <a:fontRef idx="minor">
+              <a:schemeClr val="tx1"/>
+            </a:fontRef>
+          </p:style>
+        </p:cxnSp>
+      </p:grpSp>
+      <p:grpSp>
+        <p:nvGrpSpPr>
+          <p:cNvPr id="132" name="组合 131">
+            <a:extLst>
+              <a:ext uri="{FF2B5EF4-FFF2-40B4-BE49-F238E27FC236}">
+                <a16:creationId xmlns:a16="http://schemas.microsoft.com/office/drawing/2014/main" id="{A4782D70-9F87-D7D1-EC6E-E7BE89607C66}"/>
+              </a:ext>
+            </a:extLst>
+          </p:cNvPr>
+          <p:cNvGrpSpPr/>
+          <p:nvPr/>
+        </p:nvGrpSpPr>
+        <p:grpSpPr>
+          <a:xfrm>
+            <a:off x="6416259" y="537008"/>
+            <a:ext cx="1460916" cy="461616"/>
+            <a:chOff x="6416259" y="537008"/>
+            <a:chExt cx="1460916" cy="461616"/>
+          </a:xfrm>
+        </p:grpSpPr>
+        <p:cxnSp>
+          <p:nvCxnSpPr>
+            <p:cNvPr id="47" name="直接连接符 46">
+              <a:extLst>
+                <a:ext uri="{FF2B5EF4-FFF2-40B4-BE49-F238E27FC236}">
+                  <a16:creationId xmlns:a16="http://schemas.microsoft.com/office/drawing/2014/main" id="{44C21844-3405-C1D5-69D5-E67620948292}"/>
+                </a:ext>
+              </a:extLst>
+            </p:cNvPr>
+            <p:cNvCxnSpPr>
+              <a:cxnSpLocks/>
+            </p:cNvCxnSpPr>
+            <p:nvPr/>
+          </p:nvCxnSpPr>
+          <p:spPr>
+            <a:xfrm flipV="1">
+              <a:off x="6416259" y="537008"/>
+              <a:ext cx="355398" cy="461616"/>
+            </a:xfrm>
+            <a:prstGeom prst="line">
+              <a:avLst/>
+            </a:prstGeom>
+            <a:ln w="22225">
+              <a:solidFill>
+                <a:schemeClr val="accent2"/>
+              </a:solidFill>
+            </a:ln>
+          </p:spPr>
+          <p:style>
+            <a:lnRef idx="1">
+              <a:schemeClr val="accent1"/>
+            </a:lnRef>
+            <a:fillRef idx="0">
+              <a:schemeClr val="accent1"/>
+            </a:fillRef>
+            <a:effectRef idx="0">
+              <a:schemeClr val="accent1"/>
+            </a:effectRef>
+            <a:fontRef idx="minor">
+              <a:schemeClr val="tx1"/>
+            </a:fontRef>
+          </p:style>
+        </p:cxnSp>
+        <p:cxnSp>
+          <p:nvCxnSpPr>
+            <p:cNvPr id="48" name="直接连接符 47">
+              <a:extLst>
+                <a:ext uri="{FF2B5EF4-FFF2-40B4-BE49-F238E27FC236}">
+                  <a16:creationId xmlns:a16="http://schemas.microsoft.com/office/drawing/2014/main" id="{09F5A0A0-B393-F508-FE15-25298BE2AC41}"/>
+                </a:ext>
+              </a:extLst>
+            </p:cNvPr>
+            <p:cNvCxnSpPr>
+              <a:cxnSpLocks/>
+            </p:cNvCxnSpPr>
+            <p:nvPr/>
+          </p:nvCxnSpPr>
+          <p:spPr>
+            <a:xfrm>
+              <a:off x="6771657" y="537008"/>
+              <a:ext cx="1105518" cy="0"/>
+            </a:xfrm>
+            <a:prstGeom prst="line">
+              <a:avLst/>
+            </a:prstGeom>
+            <a:ln w="22225">
+              <a:solidFill>
+                <a:schemeClr val="accent2"/>
+              </a:solidFill>
+            </a:ln>
+          </p:spPr>
+          <p:style>
+            <a:lnRef idx="1">
+              <a:schemeClr val="accent1"/>
+            </a:lnRef>
+            <a:fillRef idx="0">
+              <a:schemeClr val="accent1"/>
+            </a:fillRef>
+            <a:effectRef idx="0">
+              <a:schemeClr val="accent1"/>
+            </a:effectRef>
+            <a:fontRef idx="minor">
+              <a:schemeClr val="tx1"/>
+            </a:fontRef>
+          </p:style>
+        </p:cxnSp>
+      </p:grpSp>
+      <p:cxnSp>
+        <p:nvCxnSpPr>
+          <p:cNvPr id="50" name="直接连接符 49">
+            <a:extLst>
+              <a:ext uri="{FF2B5EF4-FFF2-40B4-BE49-F238E27FC236}">
+                <a16:creationId xmlns:a16="http://schemas.microsoft.com/office/drawing/2014/main" id="{A4F75129-BF0B-0390-E43E-6E6FC994BE53}"/>
+              </a:ext>
+            </a:extLst>
+          </p:cNvPr>
+          <p:cNvCxnSpPr>
+            <a:cxnSpLocks/>
+          </p:cNvCxnSpPr>
+          <p:nvPr/>
+        </p:nvCxnSpPr>
+        <p:spPr>
+          <a:xfrm flipV="1">
+            <a:off x="8080132" y="535365"/>
+            <a:ext cx="38983" cy="140104"/>
+          </a:xfrm>
+          <a:prstGeom prst="line">
+            <a:avLst/>
+          </a:prstGeom>
+          <a:ln w="22225">
+            <a:solidFill>
+              <a:schemeClr val="tx1"/>
+            </a:solidFill>
+          </a:ln>
+        </p:spPr>
+        <p:style>
+          <a:lnRef idx="1">
+            <a:schemeClr val="accent1"/>
+          </a:lnRef>
+          <a:fillRef idx="0">
+            <a:schemeClr val="accent1"/>
+          </a:fillRef>
+          <a:effectRef idx="0">
+            <a:schemeClr val="accent1"/>
+          </a:effectRef>
+          <a:fontRef idx="minor">
+            <a:schemeClr val="tx1"/>
+          </a:fontRef>
+        </p:style>
+      </p:cxnSp>
+      <p:cxnSp>
+        <p:nvCxnSpPr>
+          <p:cNvPr id="51" name="直接连接符 50">
+            <a:extLst>
+              <a:ext uri="{FF2B5EF4-FFF2-40B4-BE49-F238E27FC236}">
+                <a16:creationId xmlns:a16="http://schemas.microsoft.com/office/drawing/2014/main" id="{A582E9E4-1F51-9DAC-F146-8DBA7C679CD2}"/>
+              </a:ext>
+            </a:extLst>
+          </p:cNvPr>
+          <p:cNvCxnSpPr>
+            <a:cxnSpLocks/>
+          </p:cNvCxnSpPr>
+          <p:nvPr/>
+        </p:nvCxnSpPr>
+        <p:spPr>
+          <a:xfrm>
+            <a:off x="8108973" y="533662"/>
+            <a:ext cx="1054075" cy="0"/>
+          </a:xfrm>
+          <a:prstGeom prst="line">
+            <a:avLst/>
+          </a:prstGeom>
+          <a:ln w="22225">
+            <a:solidFill>
+              <a:schemeClr val="tx1"/>
+            </a:solidFill>
+          </a:ln>
+        </p:spPr>
+        <p:style>
+          <a:lnRef idx="1">
+            <a:schemeClr val="accent1"/>
+          </a:lnRef>
+          <a:fillRef idx="0">
+            <a:schemeClr val="accent1"/>
+          </a:fillRef>
+          <a:effectRef idx="0">
+            <a:schemeClr val="accent1"/>
+          </a:effectRef>
+          <a:fontRef idx="minor">
+            <a:schemeClr val="tx1"/>
+          </a:fontRef>
+        </p:style>
+      </p:cxnSp>
+      <p:grpSp>
+        <p:nvGrpSpPr>
+          <p:cNvPr id="52" name="组合 51">
+            <a:extLst>
+              <a:ext uri="{FF2B5EF4-FFF2-40B4-BE49-F238E27FC236}">
+                <a16:creationId xmlns:a16="http://schemas.microsoft.com/office/drawing/2014/main" id="{C83B4686-9767-0F0C-3829-A22F11C91851}"/>
+              </a:ext>
+            </a:extLst>
+          </p:cNvPr>
+          <p:cNvGrpSpPr/>
+          <p:nvPr/>
+        </p:nvGrpSpPr>
+        <p:grpSpPr>
+          <a:xfrm rot="10800000">
+            <a:off x="8090269" y="1497654"/>
+            <a:ext cx="1072779" cy="150570"/>
+            <a:chOff x="2877425" y="1675024"/>
+            <a:chExt cx="484556" cy="213098"/>
+          </a:xfrm>
+        </p:grpSpPr>
+        <p:cxnSp>
+          <p:nvCxnSpPr>
+            <p:cNvPr id="53" name="直接连接符 52">
+              <a:extLst>
+                <a:ext uri="{FF2B5EF4-FFF2-40B4-BE49-F238E27FC236}">
+                  <a16:creationId xmlns:a16="http://schemas.microsoft.com/office/drawing/2014/main" id="{D04F0088-C75B-C3C0-8BB6-D02462B33F85}"/>
+                </a:ext>
+              </a:extLst>
+            </p:cNvPr>
+            <p:cNvCxnSpPr>
+              <a:cxnSpLocks/>
+            </p:cNvCxnSpPr>
+            <p:nvPr/>
+          </p:nvCxnSpPr>
+          <p:spPr>
+            <a:xfrm flipH="1" flipV="1">
+              <a:off x="3211513" y="1675024"/>
+              <a:ext cx="150468" cy="213098"/>
+            </a:xfrm>
+            <a:prstGeom prst="line">
+              <a:avLst/>
+            </a:prstGeom>
+            <a:ln w="22225">
+              <a:solidFill>
+                <a:schemeClr val="bg1">
+                  <a:lumMod val="50000"/>
+                </a:schemeClr>
+              </a:solidFill>
+            </a:ln>
+          </p:spPr>
+          <p:style>
+            <a:lnRef idx="1">
+              <a:schemeClr val="accent1"/>
+            </a:lnRef>
+            <a:fillRef idx="0">
+              <a:schemeClr val="accent1"/>
+            </a:fillRef>
+            <a:effectRef idx="0">
+              <a:schemeClr val="accent1"/>
+            </a:effectRef>
+            <a:fontRef idx="minor">
+              <a:schemeClr val="tx1"/>
+            </a:fontRef>
+          </p:style>
+        </p:cxnSp>
+        <p:cxnSp>
+          <p:nvCxnSpPr>
+            <p:cNvPr id="54" name="直接连接符 53">
+              <a:extLst>
+                <a:ext uri="{FF2B5EF4-FFF2-40B4-BE49-F238E27FC236}">
+                  <a16:creationId xmlns:a16="http://schemas.microsoft.com/office/drawing/2014/main" id="{583D5690-747A-08FE-9BC3-06507C3954E5}"/>
+                </a:ext>
+              </a:extLst>
+            </p:cNvPr>
+            <p:cNvCxnSpPr>
+              <a:cxnSpLocks/>
+            </p:cNvCxnSpPr>
+            <p:nvPr/>
+          </p:nvCxnSpPr>
+          <p:spPr>
+            <a:xfrm flipH="1">
+              <a:off x="2877425" y="1675024"/>
+              <a:ext cx="339577" cy="0"/>
+            </a:xfrm>
+            <a:prstGeom prst="line">
+              <a:avLst/>
+            </a:prstGeom>
+            <a:ln w="22225">
+              <a:solidFill>
+                <a:schemeClr val="bg1">
+                  <a:lumMod val="50000"/>
+                </a:schemeClr>
+              </a:solidFill>
+            </a:ln>
+          </p:spPr>
+          <p:style>
+            <a:lnRef idx="1">
+              <a:schemeClr val="accent1"/>
+            </a:lnRef>
+            <a:fillRef idx="0">
+              <a:schemeClr val="accent1"/>
+            </a:fillRef>
+            <a:effectRef idx="0">
+              <a:schemeClr val="accent1"/>
+            </a:effectRef>
+            <a:fontRef idx="minor">
+              <a:schemeClr val="tx1"/>
+            </a:fontRef>
+          </p:style>
+        </p:cxnSp>
+      </p:grpSp>
+      <p:grpSp>
+        <p:nvGrpSpPr>
+          <p:cNvPr id="97" name="组合 96">
+            <a:extLst>
+              <a:ext uri="{FF2B5EF4-FFF2-40B4-BE49-F238E27FC236}">
+                <a16:creationId xmlns:a16="http://schemas.microsoft.com/office/drawing/2014/main" id="{C7FBF461-9E15-9917-2447-A82199EB5E6C}"/>
+              </a:ext>
+            </a:extLst>
+          </p:cNvPr>
+          <p:cNvGrpSpPr/>
+          <p:nvPr/>
+        </p:nvGrpSpPr>
+        <p:grpSpPr>
+          <a:xfrm>
+            <a:off x="5457555" y="108334"/>
+            <a:ext cx="1412526" cy="841385"/>
+            <a:chOff x="5428760" y="108334"/>
+            <a:chExt cx="1441321" cy="841385"/>
+          </a:xfrm>
+        </p:grpSpPr>
+        <p:grpSp>
+          <p:nvGrpSpPr>
+            <p:cNvPr id="40" name="组合 39">
+              <a:extLst>
+                <a:ext uri="{FF2B5EF4-FFF2-40B4-BE49-F238E27FC236}">
+                  <a16:creationId xmlns:a16="http://schemas.microsoft.com/office/drawing/2014/main" id="{AAE88523-761B-8C98-4AEC-5211FEC70233}"/>
+                </a:ext>
+              </a:extLst>
+            </p:cNvPr>
+            <p:cNvGrpSpPr/>
+            <p:nvPr/>
+          </p:nvGrpSpPr>
+          <p:grpSpPr>
+            <a:xfrm rot="10800000" flipV="1">
+              <a:off x="5525456" y="528922"/>
+              <a:ext cx="1056272" cy="420797"/>
+              <a:chOff x="2877425" y="1671710"/>
+              <a:chExt cx="484556" cy="216413"/>
+            </a:xfrm>
+          </p:grpSpPr>
+          <p:cxnSp>
+            <p:nvCxnSpPr>
+              <p:cNvPr id="41" name="直接连接符 40">
+                <a:extLst>
+                  <a:ext uri="{FF2B5EF4-FFF2-40B4-BE49-F238E27FC236}">
+                    <a16:creationId xmlns:a16="http://schemas.microsoft.com/office/drawing/2014/main" id="{B91674D3-FCC4-2D47-8E14-E2FACFC09B2A}"/>
+                  </a:ext>
+                </a:extLst>
+              </p:cNvPr>
+              <p:cNvCxnSpPr>
+                <a:cxnSpLocks/>
+              </p:cNvCxnSpPr>
+              <p:nvPr/>
+            </p:nvCxnSpPr>
+            <p:spPr>
+              <a:xfrm rot="10800000">
+                <a:off x="3258679" y="1671710"/>
+                <a:ext cx="103302" cy="216413"/>
+              </a:xfrm>
+              <a:prstGeom prst="line">
+                <a:avLst/>
+              </a:prstGeom>
+              <a:ln w="22225">
+                <a:solidFill>
+                  <a:srgbClr val="FF0000"/>
+                </a:solidFill>
+              </a:ln>
+            </p:spPr>
+            <p:style>
+              <a:lnRef idx="1">
+                <a:schemeClr val="accent1"/>
+              </a:lnRef>
+              <a:fillRef idx="0">
+                <a:schemeClr val="accent1"/>
+              </a:fillRef>
+              <a:effectRef idx="0">
+                <a:schemeClr val="accent1"/>
+              </a:effectRef>
+              <a:fontRef idx="minor">
+                <a:schemeClr val="tx1"/>
+              </a:fontRef>
+            </p:style>
+          </p:cxnSp>
+          <p:cxnSp>
+            <p:nvCxnSpPr>
+              <p:cNvPr id="42" name="直接连接符 41">
+                <a:extLst>
+                  <a:ext uri="{FF2B5EF4-FFF2-40B4-BE49-F238E27FC236}">
+                    <a16:creationId xmlns:a16="http://schemas.microsoft.com/office/drawing/2014/main" id="{339D3E8A-7FC7-C4D2-9E74-B086D673630B}"/>
+                  </a:ext>
+                </a:extLst>
+              </p:cNvPr>
+              <p:cNvCxnSpPr>
+                <a:cxnSpLocks/>
+              </p:cNvCxnSpPr>
+              <p:nvPr/>
+            </p:nvCxnSpPr>
+            <p:spPr>
+              <a:xfrm rot="10800000" flipV="1">
+                <a:off x="2877425" y="1673538"/>
+                <a:ext cx="382677" cy="1486"/>
+              </a:xfrm>
+              <a:prstGeom prst="line">
+                <a:avLst/>
+              </a:prstGeom>
+              <a:ln w="22225">
+                <a:solidFill>
+                  <a:srgbClr val="FF0000"/>
+                </a:solidFill>
+              </a:ln>
+            </p:spPr>
+            <p:style>
+              <a:lnRef idx="1">
+                <a:schemeClr val="accent1"/>
+              </a:lnRef>
+              <a:fillRef idx="0">
+                <a:schemeClr val="accent1"/>
+              </a:fillRef>
+              <a:effectRef idx="0">
+                <a:schemeClr val="accent1"/>
+              </a:effectRef>
+              <a:fontRef idx="minor">
+                <a:schemeClr val="tx1"/>
+              </a:fontRef>
+            </p:style>
+          </p:cxnSp>
+        </p:grpSp>
+        <p:sp>
+          <p:nvSpPr>
+            <p:cNvPr id="62" name="文本框 61">
+              <a:extLst>
+                <a:ext uri="{FF2B5EF4-FFF2-40B4-BE49-F238E27FC236}">
+                  <a16:creationId xmlns:a16="http://schemas.microsoft.com/office/drawing/2014/main" id="{980C2ADA-DB75-9257-0DC6-C4720803EEF4}"/>
+                </a:ext>
+              </a:extLst>
+            </p:cNvPr>
+            <p:cNvSpPr txBox="1"/>
+            <p:nvPr/>
+          </p:nvSpPr>
+          <p:spPr>
+            <a:xfrm>
+              <a:off x="5428760" y="108334"/>
+              <a:ext cx="1441321" cy="461665"/>
+            </a:xfrm>
+            <a:prstGeom prst="rect">
+              <a:avLst/>
+            </a:prstGeom>
+            <a:noFill/>
+          </p:spPr>
+          <p:txBody>
+            <a:bodyPr wrap="square" rtlCol="0">
+              <a:spAutoFit/>
+            </a:bodyPr>
+            <a:lstStyle/>
+            <a:p>
+              <a:pPr algn="ctr"/>
+              <a:r>
+                <a:rPr lang="en-US" altLang="zh-CN" sz="1200" b="1" dirty="0">
+                  <a:solidFill>
+                    <a:srgbClr val="FF0000"/>
+                  </a:solidFill>
+                </a:rPr>
+                <a:t>9-DOF IMU</a:t>
+              </a:r>
+            </a:p>
+            <a:p>
+              <a:pPr algn="ctr"/>
+              <a:r>
+                <a:rPr lang="en-US" altLang="zh-CN" sz="1200" b="1" dirty="0">
+                  <a:solidFill>
+                    <a:srgbClr val="FF0000"/>
+                  </a:solidFill>
+                </a:rPr>
+                <a:t>ICM20948</a:t>
+              </a:r>
+              <a:endParaRPr lang="zh-CN" altLang="en-US" sz="1200" b="1" dirty="0">
+                <a:solidFill>
+                  <a:srgbClr val="FF0000"/>
+                </a:solidFill>
+              </a:endParaRPr>
+            </a:p>
+          </p:txBody>
+        </p:sp>
+      </p:grpSp>
+      <p:sp>
+        <p:nvSpPr>
+          <p:cNvPr id="66" name="文本框 65">
+            <a:extLst>
+              <a:ext uri="{FF2B5EF4-FFF2-40B4-BE49-F238E27FC236}">
+                <a16:creationId xmlns:a16="http://schemas.microsoft.com/office/drawing/2014/main" id="{5E4890E3-3761-1E38-6297-5BE9B8C8389A}"/>
+              </a:ext>
+            </a:extLst>
+          </p:cNvPr>
+          <p:cNvSpPr txBox="1"/>
+          <p:nvPr/>
+        </p:nvSpPr>
+        <p:spPr>
+          <a:xfrm>
+            <a:off x="4472438" y="255677"/>
+            <a:ext cx="574722" cy="276999"/>
+          </a:xfrm>
+          <a:prstGeom prst="rect">
+            <a:avLst/>
+          </a:prstGeom>
+          <a:noFill/>
+        </p:spPr>
+        <p:txBody>
+          <a:bodyPr wrap="square" rtlCol="0">
+            <a:spAutoFit/>
+          </a:bodyPr>
+          <a:lstStyle/>
+          <a:p>
+            <a:pPr algn="ctr"/>
+            <a:r>
+              <a:rPr lang="en-US" altLang="zh-CN" sz="1200" b="1" dirty="0">
+                <a:solidFill>
+                  <a:schemeClr val="accent6">
+                    <a:lumMod val="50000"/>
+                  </a:schemeClr>
+                </a:solidFill>
+              </a:rPr>
+              <a:t>LED</a:t>
+            </a:r>
+            <a:endParaRPr lang="zh-CN" altLang="en-US" sz="1200" b="1" dirty="0">
+              <a:solidFill>
+                <a:schemeClr val="accent6">
+                  <a:lumMod val="50000"/>
+                </a:schemeClr>
+              </a:solidFill>
+            </a:endParaRPr>
+          </a:p>
+        </p:txBody>
+      </p:sp>
+      <p:sp>
+        <p:nvSpPr>
+          <p:cNvPr id="67" name="文本框 66">
+            <a:extLst>
+              <a:ext uri="{FF2B5EF4-FFF2-40B4-BE49-F238E27FC236}">
+                <a16:creationId xmlns:a16="http://schemas.microsoft.com/office/drawing/2014/main" id="{61C419A8-D385-9E6C-0364-5DBE7FB9EC0F}"/>
+              </a:ext>
+            </a:extLst>
+          </p:cNvPr>
+          <p:cNvSpPr txBox="1"/>
+          <p:nvPr/>
+        </p:nvSpPr>
+        <p:spPr>
+          <a:xfrm>
+            <a:off x="6641315" y="112376"/>
+            <a:ext cx="1356317" cy="459266"/>
+          </a:xfrm>
+          <a:prstGeom prst="rect">
+            <a:avLst/>
+          </a:prstGeom>
+          <a:noFill/>
+        </p:spPr>
+        <p:txBody>
+          <a:bodyPr wrap="square" rtlCol="0">
+            <a:spAutoFit/>
+          </a:bodyPr>
+          <a:lstStyle/>
+          <a:p>
+            <a:pPr algn="ctr"/>
+            <a:r>
+              <a:rPr lang="en-US" altLang="zh-CN" sz="1200" b="1" dirty="0">
+                <a:solidFill>
+                  <a:schemeClr val="accent2"/>
+                </a:solidFill>
+              </a:rPr>
+              <a:t>Voltage Regulator</a:t>
+            </a:r>
+          </a:p>
+          <a:p>
+            <a:pPr algn="ctr"/>
+            <a:r>
+              <a:rPr lang="en-US" altLang="zh-CN" sz="1200" b="1" dirty="0">
+                <a:solidFill>
+                  <a:schemeClr val="accent2"/>
+                </a:solidFill>
+              </a:rPr>
+              <a:t>MIC5370</a:t>
+            </a:r>
+            <a:endParaRPr lang="zh-CN" altLang="en-US" sz="1200" b="1" dirty="0">
+              <a:solidFill>
+                <a:schemeClr val="accent2"/>
+              </a:solidFill>
+            </a:endParaRPr>
+          </a:p>
+        </p:txBody>
+      </p:sp>
+      <p:sp>
+        <p:nvSpPr>
+          <p:cNvPr id="68" name="文本框 67">
+            <a:extLst>
+              <a:ext uri="{FF2B5EF4-FFF2-40B4-BE49-F238E27FC236}">
+                <a16:creationId xmlns:a16="http://schemas.microsoft.com/office/drawing/2014/main" id="{D9866D48-DC2A-0956-40B3-A2AC4DA39E08}"/>
+              </a:ext>
+            </a:extLst>
+          </p:cNvPr>
+          <p:cNvSpPr txBox="1"/>
+          <p:nvPr/>
+        </p:nvSpPr>
+        <p:spPr>
+          <a:xfrm>
+            <a:off x="7961286" y="131143"/>
+            <a:ext cx="1347458" cy="461665"/>
+          </a:xfrm>
+          <a:prstGeom prst="rect">
+            <a:avLst/>
+          </a:prstGeom>
+          <a:noFill/>
+        </p:spPr>
+        <p:txBody>
+          <a:bodyPr wrap="square" rtlCol="0">
+            <a:spAutoFit/>
+          </a:bodyPr>
+          <a:lstStyle/>
+          <a:p>
+            <a:pPr algn="ctr"/>
+            <a:r>
+              <a:rPr lang="en-US" altLang="zh-CN" sz="1200" b="1" dirty="0"/>
+              <a:t>Chip Antenna</a:t>
+            </a:r>
+          </a:p>
+          <a:p>
+            <a:pPr algn="ctr"/>
+            <a:r>
+              <a:rPr lang="en-US" altLang="zh-CN" sz="1200" b="1" dirty="0"/>
+              <a:t>2450AT18B100E</a:t>
+            </a:r>
+            <a:endParaRPr lang="zh-CN" altLang="en-US" sz="1200" b="1" dirty="0"/>
+          </a:p>
+        </p:txBody>
+      </p:sp>
+      <p:sp>
+        <p:nvSpPr>
+          <p:cNvPr id="69" name="文本框 68">
+            <a:extLst>
+              <a:ext uri="{FF2B5EF4-FFF2-40B4-BE49-F238E27FC236}">
+                <a16:creationId xmlns:a16="http://schemas.microsoft.com/office/drawing/2014/main" id="{DDE89BB9-0DB3-7624-203F-3B873941D782}"/>
+              </a:ext>
+            </a:extLst>
+          </p:cNvPr>
+          <p:cNvSpPr txBox="1"/>
+          <p:nvPr/>
+        </p:nvSpPr>
+        <p:spPr>
+          <a:xfrm>
+            <a:off x="8108973" y="1416767"/>
+            <a:ext cx="1347458" cy="276999"/>
+          </a:xfrm>
+          <a:prstGeom prst="rect">
+            <a:avLst/>
+          </a:prstGeom>
+          <a:noFill/>
+        </p:spPr>
+        <p:txBody>
+          <a:bodyPr wrap="square" rtlCol="0">
+            <a:spAutoFit/>
+          </a:bodyPr>
+          <a:lstStyle/>
+          <a:p>
+            <a:pPr algn="ctr"/>
+            <a:r>
+              <a:rPr lang="en-US" altLang="zh-CN" sz="1200" b="1" dirty="0">
+                <a:solidFill>
+                  <a:schemeClr val="bg1">
+                    <a:lumMod val="50000"/>
+                  </a:schemeClr>
+                </a:solidFill>
+              </a:rPr>
+              <a:t>Slide Switch</a:t>
+            </a:r>
+            <a:endParaRPr lang="zh-CN" altLang="en-US" sz="1200" b="1" dirty="0">
+              <a:solidFill>
+                <a:schemeClr val="bg1">
+                  <a:lumMod val="50000"/>
+                </a:schemeClr>
+              </a:solidFill>
+            </a:endParaRPr>
+          </a:p>
+        </p:txBody>
+      </p:sp>
+      <p:sp>
+        <p:nvSpPr>
+          <p:cNvPr id="70" name="文本框 69">
+            <a:extLst>
+              <a:ext uri="{FF2B5EF4-FFF2-40B4-BE49-F238E27FC236}">
+                <a16:creationId xmlns:a16="http://schemas.microsoft.com/office/drawing/2014/main" id="{D6F1E33E-279E-23C7-357E-CE5CB72D2F76}"/>
+              </a:ext>
+            </a:extLst>
+          </p:cNvPr>
+          <p:cNvSpPr txBox="1"/>
+          <p:nvPr/>
+        </p:nvSpPr>
+        <p:spPr>
+          <a:xfrm>
+            <a:off x="5864206" y="1402999"/>
+            <a:ext cx="1399375" cy="276999"/>
+          </a:xfrm>
+          <a:prstGeom prst="rect">
+            <a:avLst/>
+          </a:prstGeom>
+          <a:noFill/>
+        </p:spPr>
+        <p:txBody>
+          <a:bodyPr wrap="square" rtlCol="0">
+            <a:spAutoFit/>
+          </a:bodyPr>
+          <a:lstStyle/>
+          <a:p>
+            <a:pPr algn="ctr"/>
+            <a:r>
+              <a:rPr lang="en-US" altLang="zh-CN" sz="1200" b="1" dirty="0">
+                <a:solidFill>
+                  <a:schemeClr val="accent4">
+                    <a:lumMod val="75000"/>
+                  </a:schemeClr>
+                </a:solidFill>
+              </a:rPr>
+              <a:t>Power Protection</a:t>
+            </a:r>
+            <a:endParaRPr lang="zh-CN" altLang="en-US" sz="1200" b="1" dirty="0">
+              <a:solidFill>
+                <a:schemeClr val="accent4">
+                  <a:lumMod val="75000"/>
+                </a:schemeClr>
+              </a:solidFill>
+            </a:endParaRPr>
+          </a:p>
+        </p:txBody>
+      </p:sp>
+      <p:sp>
+        <p:nvSpPr>
+          <p:cNvPr id="85" name="文本框 84">
+            <a:extLst>
+              <a:ext uri="{FF2B5EF4-FFF2-40B4-BE49-F238E27FC236}">
+                <a16:creationId xmlns:a16="http://schemas.microsoft.com/office/drawing/2014/main" id="{0A14B65B-6712-570F-691D-7A42F41D982B}"/>
+              </a:ext>
+            </a:extLst>
+          </p:cNvPr>
+          <p:cNvSpPr txBox="1"/>
+          <p:nvPr/>
+        </p:nvSpPr>
+        <p:spPr>
+          <a:xfrm>
+            <a:off x="3428186" y="86304"/>
+            <a:ext cx="840882" cy="461665"/>
+          </a:xfrm>
+          <a:prstGeom prst="rect">
+            <a:avLst/>
+          </a:prstGeom>
+          <a:noFill/>
+        </p:spPr>
+        <p:txBody>
+          <a:bodyPr wrap="square" rtlCol="0">
+            <a:spAutoFit/>
+          </a:bodyPr>
+          <a:lstStyle/>
+          <a:p>
+            <a:pPr algn="ctr"/>
+            <a:r>
+              <a:rPr lang="en-US" altLang="zh-CN" sz="1200" b="1" dirty="0">
+                <a:solidFill>
+                  <a:srgbClr val="FF0000"/>
+                </a:solidFill>
+              </a:rPr>
+              <a:t>MCU</a:t>
+            </a:r>
+          </a:p>
+          <a:p>
+            <a:pPr algn="ctr"/>
+            <a:r>
+              <a:rPr lang="en-US" altLang="zh-CN" sz="1200" b="1" dirty="0">
+                <a:solidFill>
+                  <a:srgbClr val="FF0000"/>
+                </a:solidFill>
+              </a:rPr>
+              <a:t>NRF52832</a:t>
+            </a:r>
+            <a:endParaRPr lang="zh-CN" altLang="en-US" sz="1200" b="1" dirty="0">
+              <a:solidFill>
+                <a:srgbClr val="FF0000"/>
+              </a:solidFill>
+            </a:endParaRPr>
+          </a:p>
+        </p:txBody>
+      </p:sp>
+      <p:grpSp>
+        <p:nvGrpSpPr>
+          <p:cNvPr id="86" name="组合 85">
+            <a:extLst>
+              <a:ext uri="{FF2B5EF4-FFF2-40B4-BE49-F238E27FC236}">
+                <a16:creationId xmlns:a16="http://schemas.microsoft.com/office/drawing/2014/main" id="{C451254D-7AB0-44AE-5463-E91D0FE1668B}"/>
+              </a:ext>
+            </a:extLst>
+          </p:cNvPr>
+          <p:cNvGrpSpPr/>
+          <p:nvPr/>
+        </p:nvGrpSpPr>
+        <p:grpSpPr>
+          <a:xfrm>
+            <a:off x="3437765" y="520697"/>
+            <a:ext cx="935195" cy="248958"/>
+            <a:chOff x="2877425" y="1670868"/>
+            <a:chExt cx="484556" cy="217254"/>
+          </a:xfrm>
+        </p:grpSpPr>
+        <p:cxnSp>
+          <p:nvCxnSpPr>
+            <p:cNvPr id="87" name="直接连接符 86">
+              <a:extLst>
+                <a:ext uri="{FF2B5EF4-FFF2-40B4-BE49-F238E27FC236}">
+                  <a16:creationId xmlns:a16="http://schemas.microsoft.com/office/drawing/2014/main" id="{F96E2BB3-6DB3-E79C-5E12-6F42EDF496B3}"/>
+                </a:ext>
+              </a:extLst>
+            </p:cNvPr>
+            <p:cNvCxnSpPr>
+              <a:cxnSpLocks/>
+            </p:cNvCxnSpPr>
+            <p:nvPr/>
+          </p:nvCxnSpPr>
+          <p:spPr>
+            <a:xfrm flipH="1" flipV="1">
+              <a:off x="3251499" y="1670868"/>
+              <a:ext cx="110482" cy="217254"/>
+            </a:xfrm>
+            <a:prstGeom prst="line">
+              <a:avLst/>
+            </a:prstGeom>
+            <a:ln w="22225">
+              <a:solidFill>
+                <a:srgbClr val="FF0000"/>
+              </a:solidFill>
+            </a:ln>
+          </p:spPr>
+          <p:style>
+            <a:lnRef idx="1">
+              <a:schemeClr val="accent1"/>
+            </a:lnRef>
+            <a:fillRef idx="0">
+              <a:schemeClr val="accent1"/>
+            </a:fillRef>
+            <a:effectRef idx="0">
+              <a:schemeClr val="accent1"/>
+            </a:effectRef>
+            <a:fontRef idx="minor">
+              <a:schemeClr val="tx1"/>
+            </a:fontRef>
+          </p:style>
+        </p:cxnSp>
+        <p:cxnSp>
+          <p:nvCxnSpPr>
+            <p:cNvPr id="88" name="直接连接符 87">
+              <a:extLst>
+                <a:ext uri="{FF2B5EF4-FFF2-40B4-BE49-F238E27FC236}">
+                  <a16:creationId xmlns:a16="http://schemas.microsoft.com/office/drawing/2014/main" id="{71280719-71CD-85FC-E44A-1F7BF51D618B}"/>
+                </a:ext>
+              </a:extLst>
+            </p:cNvPr>
+            <p:cNvCxnSpPr>
+              <a:cxnSpLocks/>
+            </p:cNvCxnSpPr>
+            <p:nvPr/>
+          </p:nvCxnSpPr>
+          <p:spPr>
+            <a:xfrm flipH="1">
+              <a:off x="2877425" y="1670868"/>
+              <a:ext cx="382051" cy="4156"/>
+            </a:xfrm>
+            <a:prstGeom prst="line">
+              <a:avLst/>
+            </a:prstGeom>
+            <a:ln w="22225">
+              <a:solidFill>
+                <a:srgbClr val="FF0000"/>
+              </a:solidFill>
+            </a:ln>
+          </p:spPr>
+          <p:style>
+            <a:lnRef idx="1">
+              <a:schemeClr val="accent1"/>
+            </a:lnRef>
+            <a:fillRef idx="0">
+              <a:schemeClr val="accent1"/>
+            </a:fillRef>
+            <a:effectRef idx="0">
+              <a:schemeClr val="accent1"/>
+            </a:effectRef>
+            <a:fontRef idx="minor">
+              <a:schemeClr val="tx1"/>
+            </a:fontRef>
+          </p:style>
+        </p:cxnSp>
+      </p:grpSp>
+      <p:sp>
+        <p:nvSpPr>
+          <p:cNvPr id="92" name="文本框 91">
+            <a:extLst>
+              <a:ext uri="{FF2B5EF4-FFF2-40B4-BE49-F238E27FC236}">
+                <a16:creationId xmlns:a16="http://schemas.microsoft.com/office/drawing/2014/main" id="{71C7F1F7-2806-AE87-1000-96B5C29C2F0D}"/>
+              </a:ext>
+            </a:extLst>
+          </p:cNvPr>
+          <p:cNvSpPr txBox="1"/>
+          <p:nvPr/>
+        </p:nvSpPr>
+        <p:spPr>
+          <a:xfrm>
+            <a:off x="2257158" y="102320"/>
+            <a:ext cx="1171586" cy="461665"/>
+          </a:xfrm>
+          <a:prstGeom prst="rect">
+            <a:avLst/>
+          </a:prstGeom>
+          <a:noFill/>
+        </p:spPr>
+        <p:txBody>
+          <a:bodyPr wrap="square" rtlCol="0">
+            <a:spAutoFit/>
+          </a:bodyPr>
+          <a:lstStyle/>
+          <a:p>
+            <a:pPr algn="ctr"/>
+            <a:r>
+              <a:rPr lang="en-US" altLang="zh-CN" sz="1200" b="1" dirty="0">
+                <a:solidFill>
+                  <a:srgbClr val="002060"/>
+                </a:solidFill>
+              </a:rPr>
+              <a:t>SMD Crystal </a:t>
+            </a:r>
+          </a:p>
+          <a:p>
+            <a:pPr algn="ctr"/>
+            <a:r>
+              <a:rPr lang="en-US" altLang="zh-CN" sz="1200" b="1" dirty="0">
+                <a:solidFill>
+                  <a:srgbClr val="002060"/>
+                </a:solidFill>
+              </a:rPr>
+              <a:t>32.768 kHz</a:t>
+            </a:r>
+            <a:endParaRPr lang="zh-CN" altLang="en-US" sz="1200" b="1" dirty="0">
+              <a:solidFill>
+                <a:srgbClr val="002060"/>
+              </a:solidFill>
+            </a:endParaRPr>
+          </a:p>
+        </p:txBody>
+      </p:sp>
+      <p:grpSp>
+        <p:nvGrpSpPr>
+          <p:cNvPr id="93" name="组合 92">
+            <a:extLst>
+              <a:ext uri="{FF2B5EF4-FFF2-40B4-BE49-F238E27FC236}">
+                <a16:creationId xmlns:a16="http://schemas.microsoft.com/office/drawing/2014/main" id="{004FBAAF-3B44-1F92-0AC2-73A2F1E62395}"/>
+              </a:ext>
+            </a:extLst>
+          </p:cNvPr>
+          <p:cNvGrpSpPr/>
+          <p:nvPr/>
+        </p:nvGrpSpPr>
+        <p:grpSpPr>
+          <a:xfrm>
+            <a:off x="2430671" y="520697"/>
+            <a:ext cx="897972" cy="559539"/>
+            <a:chOff x="2877425" y="1670868"/>
+            <a:chExt cx="484556" cy="217254"/>
+          </a:xfrm>
+        </p:grpSpPr>
+        <p:cxnSp>
+          <p:nvCxnSpPr>
+            <p:cNvPr id="94" name="直接连接符 93">
+              <a:extLst>
+                <a:ext uri="{FF2B5EF4-FFF2-40B4-BE49-F238E27FC236}">
+                  <a16:creationId xmlns:a16="http://schemas.microsoft.com/office/drawing/2014/main" id="{732A3774-8B6A-BC2D-EBEF-070290AEAFD4}"/>
+                </a:ext>
+              </a:extLst>
+            </p:cNvPr>
+            <p:cNvCxnSpPr>
+              <a:cxnSpLocks/>
+            </p:cNvCxnSpPr>
+            <p:nvPr/>
+          </p:nvCxnSpPr>
+          <p:spPr>
+            <a:xfrm flipH="1" flipV="1">
+              <a:off x="3313155" y="1670868"/>
+              <a:ext cx="48826" cy="217254"/>
+            </a:xfrm>
+            <a:prstGeom prst="line">
+              <a:avLst/>
+            </a:prstGeom>
+            <a:ln w="22225">
+              <a:solidFill>
+                <a:srgbClr val="002060"/>
+              </a:solidFill>
+            </a:ln>
+          </p:spPr>
+          <p:style>
+            <a:lnRef idx="1">
+              <a:schemeClr val="accent1"/>
+            </a:lnRef>
+            <a:fillRef idx="0">
+              <a:schemeClr val="accent1"/>
+            </a:fillRef>
+            <a:effectRef idx="0">
+              <a:schemeClr val="accent1"/>
+            </a:effectRef>
+            <a:fontRef idx="minor">
+              <a:schemeClr val="tx1"/>
+            </a:fontRef>
+          </p:style>
+        </p:cxnSp>
+        <p:cxnSp>
+          <p:nvCxnSpPr>
+            <p:cNvPr id="95" name="直接连接符 94">
+              <a:extLst>
+                <a:ext uri="{FF2B5EF4-FFF2-40B4-BE49-F238E27FC236}">
+                  <a16:creationId xmlns:a16="http://schemas.microsoft.com/office/drawing/2014/main" id="{5C28C1FB-2A7C-610D-6050-5EA6449EAA99}"/>
+                </a:ext>
+              </a:extLst>
+            </p:cNvPr>
+            <p:cNvCxnSpPr>
+              <a:cxnSpLocks/>
+            </p:cNvCxnSpPr>
+            <p:nvPr/>
+          </p:nvCxnSpPr>
+          <p:spPr>
+            <a:xfrm flipH="1">
+              <a:off x="2877425" y="1670868"/>
+              <a:ext cx="435730" cy="0"/>
+            </a:xfrm>
+            <a:prstGeom prst="line">
+              <a:avLst/>
+            </a:prstGeom>
+            <a:ln w="22225">
+              <a:solidFill>
+                <a:srgbClr val="002060"/>
+              </a:solidFill>
+            </a:ln>
+          </p:spPr>
+          <p:style>
+            <a:lnRef idx="1">
+              <a:schemeClr val="accent1"/>
+            </a:lnRef>
+            <a:fillRef idx="0">
+              <a:schemeClr val="accent1"/>
+            </a:fillRef>
+            <a:effectRef idx="0">
+              <a:schemeClr val="accent1"/>
+            </a:effectRef>
+            <a:fontRef idx="minor">
+              <a:schemeClr val="tx1"/>
+            </a:fontRef>
+          </p:style>
+        </p:cxnSp>
+      </p:grpSp>
+      <p:grpSp>
+        <p:nvGrpSpPr>
+          <p:cNvPr id="99" name="组合 98">
+            <a:extLst>
+              <a:ext uri="{FF2B5EF4-FFF2-40B4-BE49-F238E27FC236}">
+                <a16:creationId xmlns:a16="http://schemas.microsoft.com/office/drawing/2014/main" id="{27D8B765-79D6-096A-8989-A6E3CB1FFAB3}"/>
+              </a:ext>
+            </a:extLst>
+          </p:cNvPr>
+          <p:cNvGrpSpPr/>
+          <p:nvPr/>
+        </p:nvGrpSpPr>
+        <p:grpSpPr>
+          <a:xfrm rot="10800000">
+            <a:off x="8159200" y="2713476"/>
+            <a:ext cx="1056272" cy="480961"/>
+            <a:chOff x="2877425" y="1671710"/>
+            <a:chExt cx="484556" cy="216413"/>
+          </a:xfrm>
+        </p:grpSpPr>
+        <p:cxnSp>
+          <p:nvCxnSpPr>
+            <p:cNvPr id="101" name="直接连接符 100">
+              <a:extLst>
+                <a:ext uri="{FF2B5EF4-FFF2-40B4-BE49-F238E27FC236}">
+                  <a16:creationId xmlns:a16="http://schemas.microsoft.com/office/drawing/2014/main" id="{D25946D1-AEA0-3CAA-3714-98FF161B4AAD}"/>
+                </a:ext>
+              </a:extLst>
+            </p:cNvPr>
+            <p:cNvCxnSpPr>
+              <a:cxnSpLocks/>
+            </p:cNvCxnSpPr>
+            <p:nvPr/>
+          </p:nvCxnSpPr>
+          <p:spPr>
+            <a:xfrm rot="10800000">
+              <a:off x="3258679" y="1671710"/>
+              <a:ext cx="103302" cy="216413"/>
+            </a:xfrm>
+            <a:prstGeom prst="line">
+              <a:avLst/>
+            </a:prstGeom>
+            <a:ln w="22225">
+              <a:solidFill>
+                <a:srgbClr val="FF0000"/>
+              </a:solidFill>
+            </a:ln>
+          </p:spPr>
+          <p:style>
+            <a:lnRef idx="1">
+              <a:schemeClr val="accent1"/>
+            </a:lnRef>
+            <a:fillRef idx="0">
+              <a:schemeClr val="accent1"/>
+            </a:fillRef>
+            <a:effectRef idx="0">
+              <a:schemeClr val="accent1"/>
+            </a:effectRef>
+            <a:fontRef idx="minor">
+              <a:schemeClr val="tx1"/>
+            </a:fontRef>
+          </p:style>
+        </p:cxnSp>
+        <p:cxnSp>
+          <p:nvCxnSpPr>
+            <p:cNvPr id="102" name="直接连接符 101">
+              <a:extLst>
+                <a:ext uri="{FF2B5EF4-FFF2-40B4-BE49-F238E27FC236}">
+                  <a16:creationId xmlns:a16="http://schemas.microsoft.com/office/drawing/2014/main" id="{CC9A8A74-2225-2B75-36B2-6765BAEC132A}"/>
+                </a:ext>
+              </a:extLst>
+            </p:cNvPr>
+            <p:cNvCxnSpPr>
+              <a:cxnSpLocks/>
+            </p:cNvCxnSpPr>
+            <p:nvPr/>
+          </p:nvCxnSpPr>
+          <p:spPr>
+            <a:xfrm rot="10800000" flipV="1">
+              <a:off x="2877425" y="1673538"/>
+              <a:ext cx="382677" cy="1486"/>
+            </a:xfrm>
+            <a:prstGeom prst="line">
+              <a:avLst/>
+            </a:prstGeom>
+            <a:ln w="22225">
+              <a:solidFill>
+                <a:srgbClr val="FF0000"/>
+              </a:solidFill>
+            </a:ln>
+          </p:spPr>
+          <p:style>
+            <a:lnRef idx="1">
+              <a:schemeClr val="accent1"/>
+            </a:lnRef>
+            <a:fillRef idx="0">
+              <a:schemeClr val="accent1"/>
+            </a:fillRef>
+            <a:effectRef idx="0">
+              <a:schemeClr val="accent1"/>
+            </a:effectRef>
+            <a:fontRef idx="minor">
+              <a:schemeClr val="tx1"/>
+            </a:fontRef>
+          </p:style>
+        </p:cxnSp>
+      </p:grpSp>
+      <p:sp>
+        <p:nvSpPr>
+          <p:cNvPr id="100" name="文本框 99">
+            <a:extLst>
+              <a:ext uri="{FF2B5EF4-FFF2-40B4-BE49-F238E27FC236}">
+                <a16:creationId xmlns:a16="http://schemas.microsoft.com/office/drawing/2014/main" id="{2F525EA3-19C0-8CEE-BD3A-CE5403DCACC3}"/>
+              </a:ext>
+            </a:extLst>
+          </p:cNvPr>
+          <p:cNvSpPr txBox="1"/>
+          <p:nvPr/>
+        </p:nvSpPr>
+        <p:spPr>
+          <a:xfrm>
+            <a:off x="8062041" y="2780930"/>
+            <a:ext cx="1441321" cy="461665"/>
+          </a:xfrm>
+          <a:prstGeom prst="rect">
+            <a:avLst/>
+          </a:prstGeom>
+          <a:noFill/>
+        </p:spPr>
+        <p:txBody>
+          <a:bodyPr wrap="square" rtlCol="0">
+            <a:spAutoFit/>
+          </a:bodyPr>
+          <a:lstStyle/>
+          <a:p>
+            <a:pPr algn="ctr"/>
+            <a:r>
+              <a:rPr lang="en-US" altLang="zh-CN" sz="1200" b="1" dirty="0">
+                <a:solidFill>
+                  <a:srgbClr val="FF0000"/>
+                </a:solidFill>
+              </a:rPr>
+              <a:t> PPG Sensor</a:t>
+            </a:r>
+          </a:p>
+          <a:p>
+            <a:pPr algn="ctr"/>
+            <a:r>
+              <a:rPr lang="en-US" altLang="zh-CN" sz="1200" b="1" dirty="0">
+                <a:solidFill>
+                  <a:srgbClr val="FF0000"/>
+                </a:solidFill>
+              </a:rPr>
+              <a:t>MAX30101</a:t>
+            </a:r>
+            <a:endParaRPr lang="zh-CN" altLang="en-US" sz="1200" b="1" dirty="0">
+              <a:solidFill>
+                <a:srgbClr val="FF0000"/>
+              </a:solidFill>
+            </a:endParaRPr>
+          </a:p>
+        </p:txBody>
+      </p:sp>
+      <p:grpSp>
+        <p:nvGrpSpPr>
+          <p:cNvPr id="103" name="组合 102">
+            <a:extLst>
+              <a:ext uri="{FF2B5EF4-FFF2-40B4-BE49-F238E27FC236}">
+                <a16:creationId xmlns:a16="http://schemas.microsoft.com/office/drawing/2014/main" id="{829C3AB7-06C6-5AF3-EA25-90C103A75523}"/>
+              </a:ext>
+            </a:extLst>
+          </p:cNvPr>
+          <p:cNvGrpSpPr/>
+          <p:nvPr/>
+        </p:nvGrpSpPr>
+        <p:grpSpPr>
+          <a:xfrm rot="10800000" flipH="1">
+            <a:off x="6496224" y="2271217"/>
+            <a:ext cx="1441320" cy="924092"/>
+            <a:chOff x="2818730" y="1671776"/>
+            <a:chExt cx="543251" cy="216346"/>
+          </a:xfrm>
+        </p:grpSpPr>
+        <p:cxnSp>
+          <p:nvCxnSpPr>
+            <p:cNvPr id="104" name="直接连接符 103">
+              <a:extLst>
+                <a:ext uri="{FF2B5EF4-FFF2-40B4-BE49-F238E27FC236}">
+                  <a16:creationId xmlns:a16="http://schemas.microsoft.com/office/drawing/2014/main" id="{C63A2917-6119-65F6-4BA2-D3F2E940D4E7}"/>
+                </a:ext>
+              </a:extLst>
+            </p:cNvPr>
+            <p:cNvCxnSpPr>
+              <a:cxnSpLocks/>
+            </p:cNvCxnSpPr>
+            <p:nvPr/>
+          </p:nvCxnSpPr>
+          <p:spPr>
+            <a:xfrm rot="10800000">
+              <a:off x="3264667" y="1671776"/>
+              <a:ext cx="97314" cy="216346"/>
+            </a:xfrm>
+            <a:prstGeom prst="line">
+              <a:avLst/>
+            </a:prstGeom>
+            <a:ln w="22225">
+              <a:solidFill>
+                <a:schemeClr val="accent2"/>
+              </a:solidFill>
+            </a:ln>
+          </p:spPr>
+          <p:style>
+            <a:lnRef idx="1">
+              <a:schemeClr val="accent1"/>
+            </a:lnRef>
+            <a:fillRef idx="0">
+              <a:schemeClr val="accent1"/>
+            </a:fillRef>
+            <a:effectRef idx="0">
+              <a:schemeClr val="accent1"/>
+            </a:effectRef>
+            <a:fontRef idx="minor">
+              <a:schemeClr val="tx1"/>
+            </a:fontRef>
+          </p:style>
+        </p:cxnSp>
+        <p:cxnSp>
+          <p:nvCxnSpPr>
+            <p:cNvPr id="105" name="直接连接符 104">
+              <a:extLst>
+                <a:ext uri="{FF2B5EF4-FFF2-40B4-BE49-F238E27FC236}">
+                  <a16:creationId xmlns:a16="http://schemas.microsoft.com/office/drawing/2014/main" id="{DAB21470-868F-B068-0C5F-7D023D14046B}"/>
+                </a:ext>
+              </a:extLst>
+            </p:cNvPr>
+            <p:cNvCxnSpPr>
+              <a:cxnSpLocks/>
+            </p:cNvCxnSpPr>
+            <p:nvPr/>
+          </p:nvCxnSpPr>
+          <p:spPr>
+            <a:xfrm rot="10800000" flipV="1">
+              <a:off x="2818730" y="1671776"/>
+              <a:ext cx="450992" cy="0"/>
+            </a:xfrm>
+            <a:prstGeom prst="line">
+              <a:avLst/>
+            </a:prstGeom>
+            <a:ln w="22225">
+              <a:solidFill>
+                <a:schemeClr val="accent2"/>
+              </a:solidFill>
+            </a:ln>
+          </p:spPr>
+          <p:style>
+            <a:lnRef idx="1">
+              <a:schemeClr val="accent1"/>
+            </a:lnRef>
+            <a:fillRef idx="0">
+              <a:schemeClr val="accent1"/>
+            </a:fillRef>
+            <a:effectRef idx="0">
+              <a:schemeClr val="accent1"/>
+            </a:effectRef>
+            <a:fontRef idx="minor">
+              <a:schemeClr val="tx1"/>
+            </a:fontRef>
+          </p:style>
+        </p:cxnSp>
+      </p:grpSp>
+      <p:sp>
+        <p:nvSpPr>
+          <p:cNvPr id="112" name="文本框 111">
+            <a:extLst>
+              <a:ext uri="{FF2B5EF4-FFF2-40B4-BE49-F238E27FC236}">
+                <a16:creationId xmlns:a16="http://schemas.microsoft.com/office/drawing/2014/main" id="{B4CFD37C-362A-4FDC-DA1B-B6BF57F4FED1}"/>
+              </a:ext>
+            </a:extLst>
+          </p:cNvPr>
+          <p:cNvSpPr txBox="1"/>
+          <p:nvPr/>
+        </p:nvSpPr>
+        <p:spPr>
+          <a:xfrm>
+            <a:off x="6443900" y="2791624"/>
+            <a:ext cx="1347458" cy="461665"/>
+          </a:xfrm>
+          <a:prstGeom prst="rect">
+            <a:avLst/>
+          </a:prstGeom>
+          <a:noFill/>
+        </p:spPr>
+        <p:txBody>
+          <a:bodyPr wrap="square" rtlCol="0">
+            <a:spAutoFit/>
+          </a:bodyPr>
+          <a:lstStyle/>
+          <a:p>
+            <a:pPr algn="ctr"/>
+            <a:r>
+              <a:rPr lang="en-US" altLang="zh-CN" sz="1200" b="1" dirty="0">
+                <a:solidFill>
+                  <a:schemeClr val="accent2"/>
+                </a:solidFill>
+              </a:rPr>
+              <a:t>Voltage Regulator</a:t>
+            </a:r>
+          </a:p>
+          <a:p>
+            <a:pPr algn="ctr"/>
+            <a:r>
+              <a:rPr lang="en-US" altLang="zh-CN" sz="1200" b="1" dirty="0">
+                <a:solidFill>
+                  <a:schemeClr val="accent2"/>
+                </a:solidFill>
+              </a:rPr>
+              <a:t>TXS0102DQE</a:t>
+            </a:r>
+            <a:endParaRPr lang="zh-CN" altLang="en-US" sz="1200" b="1" dirty="0">
+              <a:solidFill>
+                <a:schemeClr val="accent2"/>
+              </a:solidFill>
+            </a:endParaRPr>
+          </a:p>
+        </p:txBody>
+      </p:sp>
+      <p:grpSp>
+        <p:nvGrpSpPr>
+          <p:cNvPr id="121" name="组合 120">
+            <a:extLst>
+              <a:ext uri="{FF2B5EF4-FFF2-40B4-BE49-F238E27FC236}">
+                <a16:creationId xmlns:a16="http://schemas.microsoft.com/office/drawing/2014/main" id="{1C2E39BC-218F-26FD-054D-4307ABBCF61A}"/>
+              </a:ext>
+            </a:extLst>
+          </p:cNvPr>
+          <p:cNvGrpSpPr/>
+          <p:nvPr/>
+        </p:nvGrpSpPr>
+        <p:grpSpPr>
+          <a:xfrm>
+            <a:off x="3676649" y="2814592"/>
+            <a:ext cx="1297253" cy="375876"/>
+            <a:chOff x="3899437" y="2814592"/>
+            <a:chExt cx="1074466" cy="475088"/>
+          </a:xfrm>
+        </p:grpSpPr>
+        <p:cxnSp>
+          <p:nvCxnSpPr>
+            <p:cNvPr id="116" name="直接连接符 115">
+              <a:extLst>
+                <a:ext uri="{FF2B5EF4-FFF2-40B4-BE49-F238E27FC236}">
+                  <a16:creationId xmlns:a16="http://schemas.microsoft.com/office/drawing/2014/main" id="{1A2C105D-288F-CA96-7AB2-1464F503DDA0}"/>
+                </a:ext>
+              </a:extLst>
+            </p:cNvPr>
+            <p:cNvCxnSpPr>
+              <a:cxnSpLocks/>
+            </p:cNvCxnSpPr>
+            <p:nvPr/>
+          </p:nvCxnSpPr>
+          <p:spPr>
+            <a:xfrm>
+              <a:off x="3899437" y="3285468"/>
+              <a:ext cx="836204" cy="3448"/>
+            </a:xfrm>
+            <a:prstGeom prst="line">
+              <a:avLst/>
+            </a:prstGeom>
+            <a:ln w="22225">
+              <a:solidFill>
+                <a:schemeClr val="accent1">
+                  <a:lumMod val="75000"/>
+                </a:schemeClr>
+              </a:solidFill>
+            </a:ln>
+          </p:spPr>
+          <p:style>
+            <a:lnRef idx="1">
+              <a:schemeClr val="accent1"/>
+            </a:lnRef>
+            <a:fillRef idx="0">
+              <a:schemeClr val="accent1"/>
+            </a:fillRef>
+            <a:effectRef idx="0">
+              <a:schemeClr val="accent1"/>
+            </a:effectRef>
+            <a:fontRef idx="minor">
+              <a:schemeClr val="tx1"/>
+            </a:fontRef>
+          </p:style>
+        </p:cxnSp>
+        <p:cxnSp>
+          <p:nvCxnSpPr>
+            <p:cNvPr id="117" name="直接连接符 116">
+              <a:extLst>
+                <a:ext uri="{FF2B5EF4-FFF2-40B4-BE49-F238E27FC236}">
+                  <a16:creationId xmlns:a16="http://schemas.microsoft.com/office/drawing/2014/main" id="{85207182-3B77-5ED1-D7FA-1BFF2AE5C429}"/>
+                </a:ext>
+              </a:extLst>
+            </p:cNvPr>
+            <p:cNvCxnSpPr>
+              <a:cxnSpLocks/>
+            </p:cNvCxnSpPr>
+            <p:nvPr/>
+          </p:nvCxnSpPr>
+          <p:spPr>
+            <a:xfrm flipV="1">
+              <a:off x="4732788" y="2814592"/>
+              <a:ext cx="241115" cy="475088"/>
+            </a:xfrm>
+            <a:prstGeom prst="line">
+              <a:avLst/>
+            </a:prstGeom>
+            <a:ln w="22225">
+              <a:solidFill>
+                <a:schemeClr val="accent1">
+                  <a:lumMod val="75000"/>
+                </a:schemeClr>
+              </a:solidFill>
+            </a:ln>
+          </p:spPr>
+          <p:style>
+            <a:lnRef idx="1">
+              <a:schemeClr val="accent1"/>
+            </a:lnRef>
+            <a:fillRef idx="0">
+              <a:schemeClr val="accent1"/>
+            </a:fillRef>
+            <a:effectRef idx="0">
+              <a:schemeClr val="accent1"/>
+            </a:effectRef>
+            <a:fontRef idx="minor">
+              <a:schemeClr val="tx1"/>
+            </a:fontRef>
+          </p:style>
+        </p:cxnSp>
+      </p:grpSp>
+      <p:sp>
+        <p:nvSpPr>
+          <p:cNvPr id="115" name="文本框 114">
+            <a:extLst>
+              <a:ext uri="{FF2B5EF4-FFF2-40B4-BE49-F238E27FC236}">
+                <a16:creationId xmlns:a16="http://schemas.microsoft.com/office/drawing/2014/main" id="{2C1EBA39-939B-E100-3B70-ECC275C47E3E}"/>
+              </a:ext>
+            </a:extLst>
+          </p:cNvPr>
+          <p:cNvSpPr txBox="1"/>
+          <p:nvPr/>
+        </p:nvSpPr>
+        <p:spPr>
+          <a:xfrm>
+            <a:off x="3470640" y="2766641"/>
+            <a:ext cx="1437707" cy="461665"/>
+          </a:xfrm>
+          <a:prstGeom prst="rect">
+            <a:avLst/>
+          </a:prstGeom>
+          <a:noFill/>
+        </p:spPr>
+        <p:txBody>
+          <a:bodyPr wrap="square" rtlCol="0">
+            <a:spAutoFit/>
+          </a:bodyPr>
+          <a:lstStyle/>
+          <a:p>
+            <a:pPr algn="ctr"/>
+            <a:r>
+              <a:rPr lang="en-US" altLang="zh-CN" sz="1200" b="1" dirty="0">
+                <a:solidFill>
+                  <a:schemeClr val="accent1">
+                    <a:lumMod val="75000"/>
+                  </a:schemeClr>
+                </a:solidFill>
+              </a:rPr>
+              <a:t>SWD </a:t>
+            </a:r>
+          </a:p>
+          <a:p>
+            <a:pPr algn="ctr"/>
+            <a:r>
+              <a:rPr lang="en-US" altLang="zh-CN" sz="1200" b="1" dirty="0">
+                <a:solidFill>
+                  <a:schemeClr val="accent1">
+                    <a:lumMod val="75000"/>
+                  </a:schemeClr>
+                </a:solidFill>
+              </a:rPr>
+              <a:t>Programming</a:t>
+            </a:r>
+            <a:endParaRPr lang="zh-CN" altLang="en-US" sz="1200" b="1" dirty="0">
+              <a:solidFill>
+                <a:schemeClr val="accent1">
+                  <a:lumMod val="75000"/>
+                </a:schemeClr>
+              </a:solidFill>
+            </a:endParaRPr>
+          </a:p>
+        </p:txBody>
+      </p:sp>
+      <p:sp>
+        <p:nvSpPr>
+          <p:cNvPr id="118" name="Rectangle 23">
+            <a:extLst>
+              <a:ext uri="{FF2B5EF4-FFF2-40B4-BE49-F238E27FC236}">
+                <a16:creationId xmlns:a16="http://schemas.microsoft.com/office/drawing/2014/main" id="{2EAF01B0-0B99-9897-1A2D-B1C3542C2B65}"/>
+              </a:ext>
+            </a:extLst>
+          </p:cNvPr>
+          <p:cNvSpPr/>
+          <p:nvPr/>
+        </p:nvSpPr>
+        <p:spPr>
+          <a:xfrm>
+            <a:off x="4967997" y="2040891"/>
+            <a:ext cx="1356603" cy="785973"/>
+          </a:xfrm>
+          <a:prstGeom prst="rect">
+            <a:avLst/>
+          </a:prstGeom>
+          <a:noFill/>
+          <a:ln w="25400">
+            <a:solidFill>
+              <a:schemeClr val="accent1">
+                <a:lumMod val="75000"/>
+              </a:schemeClr>
+            </a:solidFill>
+          </a:ln>
+        </p:spPr>
+        <p:style>
+          <a:lnRef idx="2">
+            <a:schemeClr val="accent1">
+              <a:shade val="50000"/>
+            </a:schemeClr>
+          </a:lnRef>
+          <a:fillRef idx="1">
+            <a:schemeClr val="accent1"/>
+          </a:fillRef>
+          <a:effectRef idx="0">
+            <a:schemeClr val="accent1"/>
+          </a:effectRef>
+          <a:fontRef idx="minor">
+            <a:schemeClr val="lt1"/>
+          </a:fontRef>
+        </p:style>
+        <p:txBody>
+          <a:bodyPr rtlCol="0" anchor="ctr"/>
+          <a:lstStyle/>
+          <a:p>
+            <a:pPr algn="ctr"/>
+            <a:endParaRPr lang="en-US"/>
+          </a:p>
+        </p:txBody>
+      </p:sp>
+    </p:spTree>
+    <p:extLst>
+      <p:ext uri="{BB962C8B-B14F-4D97-AF65-F5344CB8AC3E}">
+        <p14:creationId xmlns:p14="http://schemas.microsoft.com/office/powerpoint/2010/main" val="3777056379"/>
+      </p:ext>
+    </p:extLst>
+  </p:cSld>
+  <p:clrMapOvr>
+    <a:masterClrMapping/>
+  </p:clrMapOvr>
+</p:sld>
+</file>
+
+<file path=ppt/slides/slide5.xml><?xml version="1.0" encoding="utf-8"?>
+<p:sld xmlns:a="http://schemas.openxmlformats.org/drawingml/2006/main" xmlns:r="http://schemas.openxmlformats.org/officeDocument/2006/relationships" xmlns:p="http://schemas.openxmlformats.org/presentationml/2006/main">
+  <p:cSld>
+    <p:spTree>
+      <p:nvGrpSpPr>
+        <p:cNvPr id="1" name=""/>
+        <p:cNvGrpSpPr/>
+        <p:nvPr/>
+      </p:nvGrpSpPr>
+      <p:grpSpPr>
+        <a:xfrm>
+          <a:off x="0" y="0"/>
+          <a:ext cx="0" cy="0"/>
+          <a:chOff x="0" y="0"/>
+          <a:chExt cx="0" cy="0"/>
+        </a:xfrm>
+      </p:grpSpPr>
+      <p:pic>
+        <p:nvPicPr>
+          <p:cNvPr id="6" name="图片 5">
+            <a:extLst>
+              <a:ext uri="{FF2B5EF4-FFF2-40B4-BE49-F238E27FC236}">
+                <a16:creationId xmlns:a16="http://schemas.microsoft.com/office/drawing/2014/main" id="{E20E4C12-E26D-4B41-4034-85B715631117}"/>
+              </a:ext>
+            </a:extLst>
+          </p:cNvPr>
+          <p:cNvPicPr>
+            <a:picLocks noChangeAspect="1"/>
+          </p:cNvPicPr>
+          <p:nvPr/>
+        </p:nvPicPr>
+        <p:blipFill>
+          <a:blip r:embed="rId3"/>
+          <a:stretch>
+            <a:fillRect/>
+          </a:stretch>
+        </p:blipFill>
+        <p:spPr>
+          <a:xfrm>
+            <a:off x="2842951" y="668300"/>
+            <a:ext cx="5982500" cy="990057"/>
+          </a:xfrm>
+          <a:prstGeom prst="rect">
+            <a:avLst/>
+          </a:prstGeom>
+        </p:spPr>
+      </p:pic>
+      <p:pic>
+        <p:nvPicPr>
+          <p:cNvPr id="8" name="图片 7">
+            <a:extLst>
+              <a:ext uri="{FF2B5EF4-FFF2-40B4-BE49-F238E27FC236}">
+                <a16:creationId xmlns:a16="http://schemas.microsoft.com/office/drawing/2014/main" id="{88C8C92D-B229-B832-8294-6F4CEDA623AE}"/>
+              </a:ext>
+            </a:extLst>
+          </p:cNvPr>
+          <p:cNvPicPr>
+            <a:picLocks noChangeAspect="1"/>
+          </p:cNvPicPr>
+          <p:nvPr/>
+        </p:nvPicPr>
+        <p:blipFill>
+          <a:blip r:embed="rId4"/>
+          <a:stretch>
+            <a:fillRect/>
+          </a:stretch>
+        </p:blipFill>
+        <p:spPr>
+          <a:xfrm>
+            <a:off x="2844000" y="1980000"/>
+            <a:ext cx="5952800" cy="975639"/>
+          </a:xfrm>
+          <a:prstGeom prst="rect">
+            <a:avLst/>
+          </a:prstGeom>
+        </p:spPr>
+      </p:pic>
+      <p:sp>
+        <p:nvSpPr>
+          <p:cNvPr id="21" name="Frame 20">
+            <a:extLst>
+              <a:ext uri="{FF2B5EF4-FFF2-40B4-BE49-F238E27FC236}">
+                <a16:creationId xmlns:a16="http://schemas.microsoft.com/office/drawing/2014/main" id="{DF04709B-E24E-2562-4E1F-C8C80C68622E}"/>
+              </a:ext>
+            </a:extLst>
+          </p:cNvPr>
+          <p:cNvSpPr/>
+          <p:nvPr/>
+        </p:nvSpPr>
+        <p:spPr>
+          <a:xfrm>
+            <a:off x="3599452" y="723870"/>
+            <a:ext cx="776966" cy="683355"/>
+          </a:xfrm>
+          <a:prstGeom prst="frame">
+            <a:avLst/>
+          </a:prstGeom>
+          <a:noFill/>
+          <a:ln w="0">
+            <a:noFill/>
+          </a:ln>
+        </p:spPr>
+        <p:style>
+          <a:lnRef idx="2">
+            <a:schemeClr val="accent1">
+              <a:shade val="50000"/>
+            </a:schemeClr>
+          </a:lnRef>
+          <a:fillRef idx="1">
+            <a:schemeClr val="accent1"/>
+          </a:fillRef>
+          <a:effectRef idx="0">
+            <a:schemeClr val="accent1"/>
+          </a:effectRef>
+          <a:fontRef idx="minor">
+            <a:schemeClr val="lt1"/>
+          </a:fontRef>
+        </p:style>
+        <p:txBody>
+          <a:bodyPr rtlCol="0" anchor="ctr"/>
+          <a:lstStyle/>
+          <a:p>
+            <a:pPr algn="ctr"/>
+            <a:endParaRPr lang="en-US">
+              <a:solidFill>
+                <a:schemeClr val="tx1"/>
+              </a:solidFill>
+            </a:endParaRPr>
+          </a:p>
+        </p:txBody>
+      </p:sp>
+      <p:sp>
+        <p:nvSpPr>
+          <p:cNvPr id="22" name="Rectangle 21">
+            <a:extLst>
+              <a:ext uri="{FF2B5EF4-FFF2-40B4-BE49-F238E27FC236}">
+                <a16:creationId xmlns:a16="http://schemas.microsoft.com/office/drawing/2014/main" id="{146A8468-568C-5AFD-9781-69B596403CB7}"/>
+              </a:ext>
+            </a:extLst>
+          </p:cNvPr>
+          <p:cNvSpPr/>
+          <p:nvPr/>
+        </p:nvSpPr>
+        <p:spPr>
+          <a:xfrm>
+            <a:off x="3905827" y="778469"/>
+            <a:ext cx="776966" cy="642817"/>
+          </a:xfrm>
+          <a:prstGeom prst="rect">
+            <a:avLst/>
+          </a:prstGeom>
+          <a:noFill/>
+          <a:ln w="25400">
+            <a:solidFill>
+              <a:srgbClr val="FF0000"/>
+            </a:solidFill>
+          </a:ln>
+        </p:spPr>
+        <p:style>
+          <a:lnRef idx="2">
+            <a:schemeClr val="accent1">
+              <a:shade val="50000"/>
+            </a:schemeClr>
+          </a:lnRef>
+          <a:fillRef idx="1">
+            <a:schemeClr val="accent1"/>
+          </a:fillRef>
+          <a:effectRef idx="0">
+            <a:schemeClr val="accent1"/>
+          </a:effectRef>
+          <a:fontRef idx="minor">
+            <a:schemeClr val="lt1"/>
+          </a:fontRef>
+        </p:style>
+        <p:txBody>
+          <a:bodyPr rtlCol="0" anchor="ctr"/>
+          <a:lstStyle/>
+          <a:p>
+            <a:pPr algn="ctr"/>
+            <a:endParaRPr lang="en-US" dirty="0"/>
+          </a:p>
+        </p:txBody>
+      </p:sp>
+      <p:sp>
+        <p:nvSpPr>
+          <p:cNvPr id="23" name="Rectangle 22">
+            <a:extLst>
+              <a:ext uri="{FF2B5EF4-FFF2-40B4-BE49-F238E27FC236}">
+                <a16:creationId xmlns:a16="http://schemas.microsoft.com/office/drawing/2014/main" id="{4A170535-006D-2D2D-2AFC-6BC0A61ED39A}"/>
+              </a:ext>
+            </a:extLst>
+          </p:cNvPr>
+          <p:cNvSpPr/>
+          <p:nvPr/>
+        </p:nvSpPr>
+        <p:spPr>
+          <a:xfrm>
+            <a:off x="5354067" y="982877"/>
+            <a:ext cx="400319" cy="326968"/>
+          </a:xfrm>
+          <a:prstGeom prst="rect">
+            <a:avLst/>
+          </a:prstGeom>
+          <a:noFill/>
+          <a:ln w="25400">
+            <a:solidFill>
+              <a:srgbClr val="FF0000"/>
+            </a:solidFill>
+          </a:ln>
+        </p:spPr>
+        <p:style>
+          <a:lnRef idx="2">
+            <a:schemeClr val="accent1">
+              <a:shade val="50000"/>
+            </a:schemeClr>
+          </a:lnRef>
+          <a:fillRef idx="1">
+            <a:schemeClr val="accent1"/>
+          </a:fillRef>
+          <a:effectRef idx="0">
+            <a:schemeClr val="accent1"/>
+          </a:effectRef>
+          <a:fontRef idx="minor">
+            <a:schemeClr val="lt1"/>
+          </a:fontRef>
+        </p:style>
+        <p:txBody>
+          <a:bodyPr rtlCol="0" anchor="ctr"/>
+          <a:lstStyle/>
+          <a:p>
+            <a:pPr algn="ctr"/>
+            <a:endParaRPr lang="en-US"/>
+          </a:p>
+        </p:txBody>
+      </p:sp>
+      <p:sp>
+        <p:nvSpPr>
+          <p:cNvPr id="24" name="Rectangle 23">
+            <a:extLst>
+              <a:ext uri="{FF2B5EF4-FFF2-40B4-BE49-F238E27FC236}">
+                <a16:creationId xmlns:a16="http://schemas.microsoft.com/office/drawing/2014/main" id="{76AB75F4-4841-7C00-9250-20F38C5E3120}"/>
+              </a:ext>
+            </a:extLst>
+          </p:cNvPr>
+          <p:cNvSpPr/>
+          <p:nvPr/>
+        </p:nvSpPr>
+        <p:spPr>
+          <a:xfrm>
+            <a:off x="5936226" y="734401"/>
+            <a:ext cx="476205" cy="683355"/>
+          </a:xfrm>
+          <a:prstGeom prst="rect">
+            <a:avLst/>
+          </a:prstGeom>
+          <a:noFill/>
+          <a:ln w="25400">
+            <a:solidFill>
+              <a:schemeClr val="accent4">
+                <a:lumMod val="75000"/>
+              </a:schemeClr>
+            </a:solidFill>
+          </a:ln>
+        </p:spPr>
+        <p:style>
+          <a:lnRef idx="2">
+            <a:schemeClr val="accent1">
+              <a:shade val="50000"/>
+            </a:schemeClr>
+          </a:lnRef>
+          <a:fillRef idx="1">
+            <a:schemeClr val="accent1"/>
+          </a:fillRef>
+          <a:effectRef idx="0">
+            <a:schemeClr val="accent1"/>
+          </a:effectRef>
+          <a:fontRef idx="minor">
+            <a:schemeClr val="lt1"/>
+          </a:fontRef>
+        </p:style>
+        <p:txBody>
+          <a:bodyPr rtlCol="0" anchor="ctr"/>
+          <a:lstStyle/>
+          <a:p>
+            <a:pPr algn="ctr"/>
+            <a:endParaRPr lang="en-US"/>
+          </a:p>
+        </p:txBody>
+      </p:sp>
+      <p:sp>
+        <p:nvSpPr>
+          <p:cNvPr id="25" name="Rectangle 24">
+            <a:extLst>
+              <a:ext uri="{FF2B5EF4-FFF2-40B4-BE49-F238E27FC236}">
+                <a16:creationId xmlns:a16="http://schemas.microsoft.com/office/drawing/2014/main" id="{0C00DE08-B930-A4CD-1B39-4AF3DEC91855}"/>
+              </a:ext>
+            </a:extLst>
+          </p:cNvPr>
+          <p:cNvSpPr/>
+          <p:nvPr/>
+        </p:nvSpPr>
+        <p:spPr>
+          <a:xfrm>
+            <a:off x="6544599" y="1038694"/>
+            <a:ext cx="264559" cy="191108"/>
+          </a:xfrm>
+          <a:prstGeom prst="rect">
+            <a:avLst/>
+          </a:prstGeom>
+          <a:noFill/>
+          <a:ln w="25400">
+            <a:solidFill>
+              <a:schemeClr val="accent2"/>
+            </a:solidFill>
+          </a:ln>
+        </p:spPr>
+        <p:style>
+          <a:lnRef idx="2">
+            <a:schemeClr val="accent1">
+              <a:shade val="50000"/>
+            </a:schemeClr>
+          </a:lnRef>
+          <a:fillRef idx="1">
+            <a:schemeClr val="accent1"/>
+          </a:fillRef>
+          <a:effectRef idx="0">
+            <a:schemeClr val="accent1"/>
+          </a:effectRef>
+          <a:fontRef idx="minor">
+            <a:schemeClr val="lt1"/>
+          </a:fontRef>
+        </p:style>
+        <p:txBody>
+          <a:bodyPr rtlCol="0" anchor="ctr"/>
+          <a:lstStyle/>
+          <a:p>
+            <a:pPr algn="ctr"/>
+            <a:endParaRPr lang="en-US"/>
+          </a:p>
+        </p:txBody>
+      </p:sp>
+      <p:sp>
+        <p:nvSpPr>
+          <p:cNvPr id="26" name="Rectangle 25">
+            <a:extLst>
+              <a:ext uri="{FF2B5EF4-FFF2-40B4-BE49-F238E27FC236}">
+                <a16:creationId xmlns:a16="http://schemas.microsoft.com/office/drawing/2014/main" id="{67050A7A-DF60-48FD-2815-AC44E50F7173}"/>
+              </a:ext>
+            </a:extLst>
+          </p:cNvPr>
+          <p:cNvSpPr/>
+          <p:nvPr/>
+        </p:nvSpPr>
+        <p:spPr>
+          <a:xfrm>
+            <a:off x="7642910" y="692606"/>
+            <a:ext cx="476205" cy="196900"/>
+          </a:xfrm>
+          <a:prstGeom prst="rect">
+            <a:avLst/>
+          </a:prstGeom>
+          <a:noFill/>
+          <a:ln w="25400">
+            <a:solidFill>
+              <a:schemeClr val="accent5">
+                <a:lumMod val="75000"/>
+              </a:schemeClr>
+            </a:solidFill>
+          </a:ln>
+        </p:spPr>
+        <p:style>
+          <a:lnRef idx="2">
+            <a:schemeClr val="accent1">
+              <a:shade val="50000"/>
+            </a:schemeClr>
+          </a:lnRef>
+          <a:fillRef idx="1">
+            <a:schemeClr val="accent1"/>
+          </a:fillRef>
+          <a:effectRef idx="0">
+            <a:schemeClr val="accent1"/>
+          </a:effectRef>
+          <a:fontRef idx="minor">
+            <a:schemeClr val="lt1"/>
+          </a:fontRef>
+        </p:style>
+        <p:txBody>
+          <a:bodyPr rtlCol="0" anchor="ctr"/>
+          <a:lstStyle/>
+          <a:p>
+            <a:pPr algn="ctr"/>
+            <a:endParaRPr lang="en-US" dirty="0"/>
+          </a:p>
+        </p:txBody>
+      </p:sp>
+      <p:sp>
+        <p:nvSpPr>
+          <p:cNvPr id="27" name="Rectangle 26">
+            <a:extLst>
+              <a:ext uri="{FF2B5EF4-FFF2-40B4-BE49-F238E27FC236}">
+                <a16:creationId xmlns:a16="http://schemas.microsoft.com/office/drawing/2014/main" id="{4E986BE4-E9A2-74C9-0E61-DF05A8767E60}"/>
+              </a:ext>
+            </a:extLst>
+          </p:cNvPr>
+          <p:cNvSpPr/>
+          <p:nvPr/>
+        </p:nvSpPr>
+        <p:spPr>
+          <a:xfrm>
+            <a:off x="3673302" y="1116144"/>
+            <a:ext cx="194241" cy="215431"/>
+          </a:xfrm>
+          <a:prstGeom prst="rect">
+            <a:avLst/>
+          </a:prstGeom>
+          <a:noFill/>
+          <a:ln w="25400">
+            <a:solidFill>
+              <a:srgbClr val="92D050"/>
+            </a:solidFill>
+          </a:ln>
+        </p:spPr>
+        <p:style>
+          <a:lnRef idx="2">
+            <a:schemeClr val="accent1">
+              <a:shade val="50000"/>
+            </a:schemeClr>
+          </a:lnRef>
+          <a:fillRef idx="1">
+            <a:schemeClr val="accent1"/>
+          </a:fillRef>
+          <a:effectRef idx="0">
+            <a:schemeClr val="accent1"/>
+          </a:effectRef>
+          <a:fontRef idx="minor">
+            <a:schemeClr val="lt1"/>
+          </a:fontRef>
+        </p:style>
+        <p:txBody>
+          <a:bodyPr rtlCol="0" anchor="ctr"/>
+          <a:lstStyle/>
+          <a:p>
+            <a:pPr algn="ctr"/>
+            <a:endParaRPr lang="en-US" dirty="0"/>
+          </a:p>
+        </p:txBody>
+      </p:sp>
+      <p:sp>
+        <p:nvSpPr>
+          <p:cNvPr id="28" name="Rectangle 27">
+            <a:extLst>
+              <a:ext uri="{FF2B5EF4-FFF2-40B4-BE49-F238E27FC236}">
+                <a16:creationId xmlns:a16="http://schemas.microsoft.com/office/drawing/2014/main" id="{5A2D9F52-2EC0-36FF-C357-554CFDC92BF5}"/>
+              </a:ext>
+            </a:extLst>
+          </p:cNvPr>
+          <p:cNvSpPr/>
+          <p:nvPr/>
+        </p:nvSpPr>
+        <p:spPr>
+          <a:xfrm>
+            <a:off x="7193267" y="1091569"/>
+            <a:ext cx="944055" cy="417419"/>
+          </a:xfrm>
+          <a:prstGeom prst="rect">
+            <a:avLst/>
+          </a:prstGeom>
+          <a:noFill/>
+          <a:ln w="25400">
+            <a:solidFill>
+              <a:schemeClr val="bg1">
+                <a:lumMod val="50000"/>
+              </a:schemeClr>
+            </a:solidFill>
+          </a:ln>
+        </p:spPr>
+        <p:style>
+          <a:lnRef idx="2">
+            <a:schemeClr val="accent1">
+              <a:shade val="50000"/>
+            </a:schemeClr>
+          </a:lnRef>
+          <a:fillRef idx="1">
+            <a:schemeClr val="accent1"/>
+          </a:fillRef>
+          <a:effectRef idx="0">
+            <a:schemeClr val="accent1"/>
+          </a:effectRef>
+          <a:fontRef idx="minor">
+            <a:schemeClr val="lt1"/>
+          </a:fontRef>
+        </p:style>
+        <p:txBody>
+          <a:bodyPr rtlCol="0" anchor="ctr"/>
+          <a:lstStyle/>
+          <a:p>
+            <a:pPr algn="ctr"/>
+            <a:endParaRPr lang="en-US" dirty="0"/>
+          </a:p>
+        </p:txBody>
+      </p:sp>
+      <p:sp>
+        <p:nvSpPr>
+          <p:cNvPr id="29" name="Rectangle 28">
+            <a:extLst>
+              <a:ext uri="{FF2B5EF4-FFF2-40B4-BE49-F238E27FC236}">
+                <a16:creationId xmlns:a16="http://schemas.microsoft.com/office/drawing/2014/main" id="{5846E416-A388-D691-049E-64FCF0F86D30}"/>
+              </a:ext>
+            </a:extLst>
+          </p:cNvPr>
+          <p:cNvSpPr/>
+          <p:nvPr/>
+        </p:nvSpPr>
+        <p:spPr>
+          <a:xfrm>
+            <a:off x="8163083" y="2144190"/>
+            <a:ext cx="386395" cy="560251"/>
+          </a:xfrm>
+          <a:prstGeom prst="rect">
+            <a:avLst/>
+          </a:prstGeom>
+          <a:noFill/>
+          <a:ln w="25400">
+            <a:solidFill>
+              <a:srgbClr val="FF0000"/>
+            </a:solidFill>
+          </a:ln>
+        </p:spPr>
+        <p:style>
+          <a:lnRef idx="2">
+            <a:schemeClr val="accent1">
+              <a:shade val="50000"/>
+            </a:schemeClr>
+          </a:lnRef>
+          <a:fillRef idx="1">
+            <a:schemeClr val="accent1"/>
+          </a:fillRef>
+          <a:effectRef idx="0">
+            <a:schemeClr val="accent1"/>
+          </a:effectRef>
+          <a:fontRef idx="minor">
+            <a:schemeClr val="lt1"/>
+          </a:fontRef>
+        </p:style>
+        <p:txBody>
+          <a:bodyPr rtlCol="0" anchor="ctr"/>
+          <a:lstStyle/>
+          <a:p>
+            <a:pPr algn="ctr"/>
+            <a:endParaRPr lang="en-US"/>
+          </a:p>
+        </p:txBody>
+      </p:sp>
+      <p:sp>
+        <p:nvSpPr>
+          <p:cNvPr id="30" name="Rectangle 29">
+            <a:extLst>
+              <a:ext uri="{FF2B5EF4-FFF2-40B4-BE49-F238E27FC236}">
+                <a16:creationId xmlns:a16="http://schemas.microsoft.com/office/drawing/2014/main" id="{0246FF91-82C2-2EA0-D6F0-89E03003F4FB}"/>
+              </a:ext>
+            </a:extLst>
+          </p:cNvPr>
+          <p:cNvSpPr/>
+          <p:nvPr/>
+        </p:nvSpPr>
+        <p:spPr>
+          <a:xfrm>
+            <a:off x="7946759" y="2086225"/>
+            <a:ext cx="192353" cy="178089"/>
+          </a:xfrm>
+          <a:prstGeom prst="rect">
+            <a:avLst/>
+          </a:prstGeom>
+          <a:noFill/>
+          <a:ln w="25400">
+            <a:solidFill>
+              <a:schemeClr val="accent2"/>
+            </a:solidFill>
+          </a:ln>
+        </p:spPr>
+        <p:style>
+          <a:lnRef idx="2">
+            <a:schemeClr val="accent1">
+              <a:shade val="50000"/>
+            </a:schemeClr>
+          </a:lnRef>
+          <a:fillRef idx="1">
+            <a:schemeClr val="accent1"/>
+          </a:fillRef>
+          <a:effectRef idx="0">
+            <a:schemeClr val="accent1"/>
+          </a:effectRef>
+          <a:fontRef idx="minor">
+            <a:schemeClr val="lt1"/>
+          </a:fontRef>
+        </p:style>
+        <p:txBody>
+          <a:bodyPr rtlCol="0" anchor="ctr"/>
+          <a:lstStyle/>
+          <a:p>
+            <a:pPr algn="ctr"/>
+            <a:endParaRPr lang="en-US"/>
+          </a:p>
+        </p:txBody>
+      </p:sp>
+      <p:sp>
+        <p:nvSpPr>
+          <p:cNvPr id="32" name="Rectangle 31">
+            <a:extLst>
+              <a:ext uri="{FF2B5EF4-FFF2-40B4-BE49-F238E27FC236}">
+                <a16:creationId xmlns:a16="http://schemas.microsoft.com/office/drawing/2014/main" id="{8850E1A5-3E2B-0F34-3F5C-14AEFBE7AD85}"/>
+              </a:ext>
+            </a:extLst>
+          </p:cNvPr>
+          <p:cNvSpPr/>
+          <p:nvPr/>
+        </p:nvSpPr>
+        <p:spPr>
+          <a:xfrm>
+            <a:off x="5273549" y="765479"/>
+            <a:ext cx="202281" cy="144721"/>
+          </a:xfrm>
+          <a:prstGeom prst="rect">
+            <a:avLst/>
+          </a:prstGeom>
+          <a:noFill/>
+          <a:ln w="25400">
+            <a:solidFill>
+              <a:schemeClr val="accent6">
+                <a:lumMod val="50000"/>
+              </a:schemeClr>
+            </a:solidFill>
+          </a:ln>
+        </p:spPr>
+        <p:style>
+          <a:lnRef idx="2">
+            <a:schemeClr val="accent1">
+              <a:shade val="50000"/>
+            </a:schemeClr>
+          </a:lnRef>
+          <a:fillRef idx="1">
+            <a:schemeClr val="accent1"/>
+          </a:fillRef>
+          <a:effectRef idx="0">
+            <a:schemeClr val="accent1"/>
+          </a:effectRef>
+          <a:fontRef idx="minor">
+            <a:schemeClr val="lt1"/>
+          </a:fontRef>
+        </p:style>
+        <p:txBody>
+          <a:bodyPr rtlCol="0" anchor="ctr"/>
+          <a:lstStyle/>
+          <a:p>
+            <a:pPr algn="ctr"/>
+            <a:endParaRPr lang="en-US"/>
+          </a:p>
+        </p:txBody>
+      </p:sp>
+      <p:pic>
+        <p:nvPicPr>
+          <p:cNvPr id="7" name="Picture 6" descr="A close-up of a speaker&#10;&#10;Description automatically generated with low confidence">
+            <a:extLst>
+              <a:ext uri="{FF2B5EF4-FFF2-40B4-BE49-F238E27FC236}">
+                <a16:creationId xmlns:a16="http://schemas.microsoft.com/office/drawing/2014/main" id="{316F06CC-0E5C-731F-8D75-7CF743384F4F}"/>
               </a:ext>
             </a:extLst>
           </p:cNvPr>
@@ -7186,8 +10286,38 @@
         </p:blipFill>
         <p:spPr>
           <a:xfrm>
-            <a:off x="2520429" y="3214699"/>
-            <a:ext cx="2449419" cy="2381694"/>
+            <a:off x="6393673" y="3557831"/>
+            <a:ext cx="2410624" cy="2162804"/>
+          </a:xfrm>
+          <a:prstGeom prst="rect">
+            <a:avLst/>
+          </a:prstGeom>
+        </p:spPr>
+      </p:pic>
+      <p:pic>
+        <p:nvPicPr>
+          <p:cNvPr id="9" name="Picture 8" descr="Shape, circle&#10;&#10;Description automatically generated">
+            <a:extLst>
+              <a:ext uri="{FF2B5EF4-FFF2-40B4-BE49-F238E27FC236}">
+                <a16:creationId xmlns:a16="http://schemas.microsoft.com/office/drawing/2014/main" id="{789CCBCD-5A77-52EB-C964-51613165B35E}"/>
+              </a:ext>
+            </a:extLst>
+          </p:cNvPr>
+          <p:cNvPicPr>
+            <a:picLocks noChangeAspect="1"/>
+          </p:cNvPicPr>
+          <p:nvPr/>
+        </p:nvPicPr>
+        <p:blipFill>
+          <a:blip r:embed="rId6"/>
+          <a:stretch>
+            <a:fillRect/>
+          </a:stretch>
+        </p:blipFill>
+        <p:spPr>
+          <a:xfrm>
+            <a:off x="2842950" y="3470350"/>
+            <a:ext cx="2410624" cy="2230304"/>
           </a:xfrm>
           <a:prstGeom prst="rect">
             <a:avLst/>
@@ -7278,7 +10408,7 @@
         </p:nvSpPr>
         <p:spPr>
           <a:xfrm>
-            <a:off x="3176290" y="5615782"/>
+            <a:off x="3277798" y="5741856"/>
             <a:ext cx="1179490" cy="307777"/>
           </a:xfrm>
           <a:prstGeom prst="rect">
@@ -7313,8 +10443,8 @@
         </p:nvSpPr>
         <p:spPr>
           <a:xfrm>
-            <a:off x="6822919" y="5615782"/>
-            <a:ext cx="1097480" cy="307777"/>
+            <a:off x="7002398" y="5766431"/>
+            <a:ext cx="1116716" cy="307777"/>
           </a:xfrm>
           <a:prstGeom prst="rect">
             <a:avLst/>
@@ -7329,15 +10459,2145 @@
           <a:p>
             <a:r>
               <a:rPr lang="en-US" sz="1400" dirty="0"/>
-              <a:t>(c) Side view</a:t>
+              <a:t>(d) Side view</a:t>
             </a:r>
+          </a:p>
+        </p:txBody>
+      </p:sp>
+      <p:grpSp>
+        <p:nvGrpSpPr>
+          <p:cNvPr id="37" name="组合 36">
+            <a:extLst>
+              <a:ext uri="{FF2B5EF4-FFF2-40B4-BE49-F238E27FC236}">
+                <a16:creationId xmlns:a16="http://schemas.microsoft.com/office/drawing/2014/main" id="{89549170-2194-44E3-832F-934A01DF24CA}"/>
+              </a:ext>
+            </a:extLst>
+          </p:cNvPr>
+          <p:cNvGrpSpPr/>
+          <p:nvPr/>
+        </p:nvGrpSpPr>
+        <p:grpSpPr>
+          <a:xfrm>
+            <a:off x="4844015" y="556557"/>
+            <a:ext cx="424470" cy="213098"/>
+            <a:chOff x="2877425" y="1675024"/>
+            <a:chExt cx="484556" cy="213098"/>
+          </a:xfrm>
+        </p:grpSpPr>
+        <p:cxnSp>
+          <p:nvCxnSpPr>
+            <p:cNvPr id="38" name="直接连接符 37">
+              <a:extLst>
+                <a:ext uri="{FF2B5EF4-FFF2-40B4-BE49-F238E27FC236}">
+                  <a16:creationId xmlns:a16="http://schemas.microsoft.com/office/drawing/2014/main" id="{F5F6D32F-F8AF-FBA1-BA11-60D304D945D6}"/>
+                </a:ext>
+              </a:extLst>
+            </p:cNvPr>
+            <p:cNvCxnSpPr>
+              <a:cxnSpLocks/>
+            </p:cNvCxnSpPr>
+            <p:nvPr/>
+          </p:nvCxnSpPr>
+          <p:spPr>
+            <a:xfrm flipH="1" flipV="1">
+              <a:off x="3211513" y="1675024"/>
+              <a:ext cx="150468" cy="213098"/>
+            </a:xfrm>
+            <a:prstGeom prst="line">
+              <a:avLst/>
+            </a:prstGeom>
+            <a:ln w="22225">
+              <a:solidFill>
+                <a:schemeClr val="accent6">
+                  <a:lumMod val="50000"/>
+                </a:schemeClr>
+              </a:solidFill>
+            </a:ln>
+          </p:spPr>
+          <p:style>
+            <a:lnRef idx="1">
+              <a:schemeClr val="accent1"/>
+            </a:lnRef>
+            <a:fillRef idx="0">
+              <a:schemeClr val="accent1"/>
+            </a:fillRef>
+            <a:effectRef idx="0">
+              <a:schemeClr val="accent1"/>
+            </a:effectRef>
+            <a:fontRef idx="minor">
+              <a:schemeClr val="tx1"/>
+            </a:fontRef>
+          </p:style>
+        </p:cxnSp>
+        <p:cxnSp>
+          <p:nvCxnSpPr>
+            <p:cNvPr id="39" name="直接连接符 38">
+              <a:extLst>
+                <a:ext uri="{FF2B5EF4-FFF2-40B4-BE49-F238E27FC236}">
+                  <a16:creationId xmlns:a16="http://schemas.microsoft.com/office/drawing/2014/main" id="{E5E442C5-1B49-91DF-D618-55644E8209C2}"/>
+                </a:ext>
+              </a:extLst>
+            </p:cNvPr>
+            <p:cNvCxnSpPr>
+              <a:cxnSpLocks/>
+            </p:cNvCxnSpPr>
+            <p:nvPr/>
+          </p:nvCxnSpPr>
+          <p:spPr>
+            <a:xfrm flipH="1">
+              <a:off x="2877425" y="1675024"/>
+              <a:ext cx="339577" cy="0"/>
+            </a:xfrm>
+            <a:prstGeom prst="line">
+              <a:avLst/>
+            </a:prstGeom>
+            <a:ln w="22225">
+              <a:solidFill>
+                <a:schemeClr val="accent6">
+                  <a:lumMod val="50000"/>
+                </a:schemeClr>
+              </a:solidFill>
+            </a:ln>
+          </p:spPr>
+          <p:style>
+            <a:lnRef idx="1">
+              <a:schemeClr val="accent1"/>
+            </a:lnRef>
+            <a:fillRef idx="0">
+              <a:schemeClr val="accent1"/>
+            </a:fillRef>
+            <a:effectRef idx="0">
+              <a:schemeClr val="accent1"/>
+            </a:effectRef>
+            <a:fontRef idx="minor">
+              <a:schemeClr val="tx1"/>
+            </a:fontRef>
+          </p:style>
+        </p:cxnSp>
+      </p:grpSp>
+      <p:grpSp>
+        <p:nvGrpSpPr>
+          <p:cNvPr id="43" name="组合 42">
+            <a:extLst>
+              <a:ext uri="{FF2B5EF4-FFF2-40B4-BE49-F238E27FC236}">
+                <a16:creationId xmlns:a16="http://schemas.microsoft.com/office/drawing/2014/main" id="{3CB622C9-EE7A-3FA8-D074-1CDE0BB8DA55}"/>
+              </a:ext>
+            </a:extLst>
+          </p:cNvPr>
+          <p:cNvGrpSpPr/>
+          <p:nvPr/>
+        </p:nvGrpSpPr>
+        <p:grpSpPr>
+          <a:xfrm rot="10800000">
+            <a:off x="6411558" y="1414740"/>
+            <a:ext cx="1341114" cy="280116"/>
+            <a:chOff x="2479879" y="1675024"/>
+            <a:chExt cx="882102" cy="213098"/>
+          </a:xfrm>
+        </p:grpSpPr>
+        <p:cxnSp>
+          <p:nvCxnSpPr>
+            <p:cNvPr id="44" name="直接连接符 43">
+              <a:extLst>
+                <a:ext uri="{FF2B5EF4-FFF2-40B4-BE49-F238E27FC236}">
+                  <a16:creationId xmlns:a16="http://schemas.microsoft.com/office/drawing/2014/main" id="{979AA000-9001-ECEB-128B-823908B5CA14}"/>
+                </a:ext>
+              </a:extLst>
+            </p:cNvPr>
+            <p:cNvCxnSpPr>
+              <a:cxnSpLocks/>
+            </p:cNvCxnSpPr>
+            <p:nvPr/>
+          </p:nvCxnSpPr>
+          <p:spPr>
+            <a:xfrm rot="10800000">
+              <a:off x="3265445" y="1676400"/>
+              <a:ext cx="96536" cy="211722"/>
+            </a:xfrm>
+            <a:prstGeom prst="line">
+              <a:avLst/>
+            </a:prstGeom>
+            <a:ln w="22225">
+              <a:solidFill>
+                <a:schemeClr val="accent4">
+                  <a:lumMod val="75000"/>
+                </a:schemeClr>
+              </a:solidFill>
+            </a:ln>
+          </p:spPr>
+          <p:style>
+            <a:lnRef idx="1">
+              <a:schemeClr val="accent1"/>
+            </a:lnRef>
+            <a:fillRef idx="0">
+              <a:schemeClr val="accent1"/>
+            </a:fillRef>
+            <a:effectRef idx="0">
+              <a:schemeClr val="accent1"/>
+            </a:effectRef>
+            <a:fontRef idx="minor">
+              <a:schemeClr val="tx1"/>
+            </a:fontRef>
+          </p:style>
+        </p:cxnSp>
+        <p:cxnSp>
+          <p:nvCxnSpPr>
+            <p:cNvPr id="45" name="直接连接符 44">
+              <a:extLst>
+                <a:ext uri="{FF2B5EF4-FFF2-40B4-BE49-F238E27FC236}">
+                  <a16:creationId xmlns:a16="http://schemas.microsoft.com/office/drawing/2014/main" id="{77C975FD-2BE6-8D2B-2620-B1C75797629C}"/>
+                </a:ext>
+              </a:extLst>
+            </p:cNvPr>
+            <p:cNvCxnSpPr>
+              <a:cxnSpLocks/>
+            </p:cNvCxnSpPr>
+            <p:nvPr/>
+          </p:nvCxnSpPr>
+          <p:spPr>
+            <a:xfrm rot="10800000">
+              <a:off x="2479879" y="1675024"/>
+              <a:ext cx="785566" cy="0"/>
+            </a:xfrm>
+            <a:prstGeom prst="line">
+              <a:avLst/>
+            </a:prstGeom>
+            <a:ln w="22225">
+              <a:solidFill>
+                <a:schemeClr val="accent4">
+                  <a:lumMod val="75000"/>
+                </a:schemeClr>
+              </a:solidFill>
+            </a:ln>
+          </p:spPr>
+          <p:style>
+            <a:lnRef idx="1">
+              <a:schemeClr val="accent1"/>
+            </a:lnRef>
+            <a:fillRef idx="0">
+              <a:schemeClr val="accent1"/>
+            </a:fillRef>
+            <a:effectRef idx="0">
+              <a:schemeClr val="accent1"/>
+            </a:effectRef>
+            <a:fontRef idx="minor">
+              <a:schemeClr val="tx1"/>
+            </a:fontRef>
+          </p:style>
+        </p:cxnSp>
+      </p:grpSp>
+      <p:grpSp>
+        <p:nvGrpSpPr>
+          <p:cNvPr id="132" name="组合 131">
+            <a:extLst>
+              <a:ext uri="{FF2B5EF4-FFF2-40B4-BE49-F238E27FC236}">
+                <a16:creationId xmlns:a16="http://schemas.microsoft.com/office/drawing/2014/main" id="{A4782D70-9F87-D7D1-EC6E-E7BE89607C66}"/>
+              </a:ext>
+            </a:extLst>
+          </p:cNvPr>
+          <p:cNvGrpSpPr/>
+          <p:nvPr/>
+        </p:nvGrpSpPr>
+        <p:grpSpPr>
+          <a:xfrm>
+            <a:off x="6544599" y="537007"/>
+            <a:ext cx="1332576" cy="496987"/>
+            <a:chOff x="6416259" y="537008"/>
+            <a:chExt cx="1460916" cy="461616"/>
+          </a:xfrm>
+        </p:grpSpPr>
+        <p:cxnSp>
+          <p:nvCxnSpPr>
+            <p:cNvPr id="47" name="直接连接符 46">
+              <a:extLst>
+                <a:ext uri="{FF2B5EF4-FFF2-40B4-BE49-F238E27FC236}">
+                  <a16:creationId xmlns:a16="http://schemas.microsoft.com/office/drawing/2014/main" id="{44C21844-3405-C1D5-69D5-E67620948292}"/>
+                </a:ext>
+              </a:extLst>
+            </p:cNvPr>
+            <p:cNvCxnSpPr>
+              <a:cxnSpLocks/>
+            </p:cNvCxnSpPr>
+            <p:nvPr/>
+          </p:nvCxnSpPr>
+          <p:spPr>
+            <a:xfrm flipV="1">
+              <a:off x="6416259" y="537008"/>
+              <a:ext cx="355398" cy="461616"/>
+            </a:xfrm>
+            <a:prstGeom prst="line">
+              <a:avLst/>
+            </a:prstGeom>
+            <a:ln w="22225">
+              <a:solidFill>
+                <a:schemeClr val="accent2"/>
+              </a:solidFill>
+            </a:ln>
+          </p:spPr>
+          <p:style>
+            <a:lnRef idx="1">
+              <a:schemeClr val="accent1"/>
+            </a:lnRef>
+            <a:fillRef idx="0">
+              <a:schemeClr val="accent1"/>
+            </a:fillRef>
+            <a:effectRef idx="0">
+              <a:schemeClr val="accent1"/>
+            </a:effectRef>
+            <a:fontRef idx="minor">
+              <a:schemeClr val="tx1"/>
+            </a:fontRef>
+          </p:style>
+        </p:cxnSp>
+        <p:cxnSp>
+          <p:nvCxnSpPr>
+            <p:cNvPr id="48" name="直接连接符 47">
+              <a:extLst>
+                <a:ext uri="{FF2B5EF4-FFF2-40B4-BE49-F238E27FC236}">
+                  <a16:creationId xmlns:a16="http://schemas.microsoft.com/office/drawing/2014/main" id="{09F5A0A0-B393-F508-FE15-25298BE2AC41}"/>
+                </a:ext>
+              </a:extLst>
+            </p:cNvPr>
+            <p:cNvCxnSpPr>
+              <a:cxnSpLocks/>
+            </p:cNvCxnSpPr>
+            <p:nvPr/>
+          </p:nvCxnSpPr>
+          <p:spPr>
+            <a:xfrm>
+              <a:off x="6771657" y="537008"/>
+              <a:ext cx="1105518" cy="0"/>
+            </a:xfrm>
+            <a:prstGeom prst="line">
+              <a:avLst/>
+            </a:prstGeom>
+            <a:ln w="22225">
+              <a:solidFill>
+                <a:schemeClr val="accent2"/>
+              </a:solidFill>
+            </a:ln>
+          </p:spPr>
+          <p:style>
+            <a:lnRef idx="1">
+              <a:schemeClr val="accent1"/>
+            </a:lnRef>
+            <a:fillRef idx="0">
+              <a:schemeClr val="accent1"/>
+            </a:fillRef>
+            <a:effectRef idx="0">
+              <a:schemeClr val="accent1"/>
+            </a:effectRef>
+            <a:fontRef idx="minor">
+              <a:schemeClr val="tx1"/>
+            </a:fontRef>
+          </p:style>
+        </p:cxnSp>
+      </p:grpSp>
+      <p:grpSp>
+        <p:nvGrpSpPr>
+          <p:cNvPr id="12" name="组合 11">
+            <a:extLst>
+              <a:ext uri="{FF2B5EF4-FFF2-40B4-BE49-F238E27FC236}">
+                <a16:creationId xmlns:a16="http://schemas.microsoft.com/office/drawing/2014/main" id="{6862DA1B-96E7-0C20-B3E8-F5BCD9117C3A}"/>
+              </a:ext>
+            </a:extLst>
+          </p:cNvPr>
+          <p:cNvGrpSpPr/>
+          <p:nvPr/>
+        </p:nvGrpSpPr>
+        <p:grpSpPr>
+          <a:xfrm>
+            <a:off x="8119114" y="533662"/>
+            <a:ext cx="1043933" cy="158701"/>
+            <a:chOff x="8080132" y="533662"/>
+            <a:chExt cx="1082916" cy="141807"/>
+          </a:xfrm>
+        </p:grpSpPr>
+        <p:cxnSp>
+          <p:nvCxnSpPr>
+            <p:cNvPr id="50" name="直接连接符 49">
+              <a:extLst>
+                <a:ext uri="{FF2B5EF4-FFF2-40B4-BE49-F238E27FC236}">
+                  <a16:creationId xmlns:a16="http://schemas.microsoft.com/office/drawing/2014/main" id="{A4F75129-BF0B-0390-E43E-6E6FC994BE53}"/>
+                </a:ext>
+              </a:extLst>
+            </p:cNvPr>
+            <p:cNvCxnSpPr>
+              <a:cxnSpLocks/>
+            </p:cNvCxnSpPr>
+            <p:nvPr/>
+          </p:nvCxnSpPr>
+          <p:spPr>
+            <a:xfrm flipV="1">
+              <a:off x="8080132" y="535365"/>
+              <a:ext cx="38983" cy="140104"/>
+            </a:xfrm>
+            <a:prstGeom prst="line">
+              <a:avLst/>
+            </a:prstGeom>
+            <a:ln w="22225">
+              <a:solidFill>
+                <a:schemeClr val="accent5">
+                  <a:lumMod val="75000"/>
+                </a:schemeClr>
+              </a:solidFill>
+            </a:ln>
+          </p:spPr>
+          <p:style>
+            <a:lnRef idx="1">
+              <a:schemeClr val="accent1"/>
+            </a:lnRef>
+            <a:fillRef idx="0">
+              <a:schemeClr val="accent1"/>
+            </a:fillRef>
+            <a:effectRef idx="0">
+              <a:schemeClr val="accent1"/>
+            </a:effectRef>
+            <a:fontRef idx="minor">
+              <a:schemeClr val="tx1"/>
+            </a:fontRef>
+          </p:style>
+        </p:cxnSp>
+        <p:cxnSp>
+          <p:nvCxnSpPr>
+            <p:cNvPr id="51" name="直接连接符 50">
+              <a:extLst>
+                <a:ext uri="{FF2B5EF4-FFF2-40B4-BE49-F238E27FC236}">
+                  <a16:creationId xmlns:a16="http://schemas.microsoft.com/office/drawing/2014/main" id="{A582E9E4-1F51-9DAC-F146-8DBA7C679CD2}"/>
+                </a:ext>
+              </a:extLst>
+            </p:cNvPr>
+            <p:cNvCxnSpPr>
+              <a:cxnSpLocks/>
+            </p:cNvCxnSpPr>
+            <p:nvPr/>
+          </p:nvCxnSpPr>
+          <p:spPr>
+            <a:xfrm>
+              <a:off x="8108973" y="533662"/>
+              <a:ext cx="1054075" cy="0"/>
+            </a:xfrm>
+            <a:prstGeom prst="line">
+              <a:avLst/>
+            </a:prstGeom>
+            <a:ln w="22225">
+              <a:solidFill>
+                <a:schemeClr val="accent5">
+                  <a:lumMod val="75000"/>
+                </a:schemeClr>
+              </a:solidFill>
+            </a:ln>
+          </p:spPr>
+          <p:style>
+            <a:lnRef idx="1">
+              <a:schemeClr val="accent1"/>
+            </a:lnRef>
+            <a:fillRef idx="0">
+              <a:schemeClr val="accent1"/>
+            </a:fillRef>
+            <a:effectRef idx="0">
+              <a:schemeClr val="accent1"/>
+            </a:effectRef>
+            <a:fontRef idx="minor">
+              <a:schemeClr val="tx1"/>
+            </a:fontRef>
+          </p:style>
+        </p:cxnSp>
+      </p:grpSp>
+      <p:grpSp>
+        <p:nvGrpSpPr>
+          <p:cNvPr id="52" name="组合 51">
+            <a:extLst>
+              <a:ext uri="{FF2B5EF4-FFF2-40B4-BE49-F238E27FC236}">
+                <a16:creationId xmlns:a16="http://schemas.microsoft.com/office/drawing/2014/main" id="{C83B4686-9767-0F0C-3829-A22F11C91851}"/>
+              </a:ext>
+            </a:extLst>
+          </p:cNvPr>
+          <p:cNvGrpSpPr/>
+          <p:nvPr/>
+        </p:nvGrpSpPr>
+        <p:grpSpPr>
+          <a:xfrm rot="10800000">
+            <a:off x="8137322" y="1508030"/>
+            <a:ext cx="1072779" cy="150570"/>
+            <a:chOff x="2877425" y="1675024"/>
+            <a:chExt cx="484556" cy="213098"/>
+          </a:xfrm>
+        </p:grpSpPr>
+        <p:cxnSp>
+          <p:nvCxnSpPr>
+            <p:cNvPr id="53" name="直接连接符 52">
+              <a:extLst>
+                <a:ext uri="{FF2B5EF4-FFF2-40B4-BE49-F238E27FC236}">
+                  <a16:creationId xmlns:a16="http://schemas.microsoft.com/office/drawing/2014/main" id="{D04F0088-C75B-C3C0-8BB6-D02462B33F85}"/>
+                </a:ext>
+              </a:extLst>
+            </p:cNvPr>
+            <p:cNvCxnSpPr>
+              <a:cxnSpLocks/>
+            </p:cNvCxnSpPr>
+            <p:nvPr/>
+          </p:nvCxnSpPr>
+          <p:spPr>
+            <a:xfrm flipH="1" flipV="1">
+              <a:off x="3211513" y="1675024"/>
+              <a:ext cx="150468" cy="213098"/>
+            </a:xfrm>
+            <a:prstGeom prst="line">
+              <a:avLst/>
+            </a:prstGeom>
+            <a:ln w="22225">
+              <a:solidFill>
+                <a:schemeClr val="bg1">
+                  <a:lumMod val="50000"/>
+                </a:schemeClr>
+              </a:solidFill>
+            </a:ln>
+          </p:spPr>
+          <p:style>
+            <a:lnRef idx="1">
+              <a:schemeClr val="accent1"/>
+            </a:lnRef>
+            <a:fillRef idx="0">
+              <a:schemeClr val="accent1"/>
+            </a:fillRef>
+            <a:effectRef idx="0">
+              <a:schemeClr val="accent1"/>
+            </a:effectRef>
+            <a:fontRef idx="minor">
+              <a:schemeClr val="tx1"/>
+            </a:fontRef>
+          </p:style>
+        </p:cxnSp>
+        <p:cxnSp>
+          <p:nvCxnSpPr>
+            <p:cNvPr id="54" name="直接连接符 53">
+              <a:extLst>
+                <a:ext uri="{FF2B5EF4-FFF2-40B4-BE49-F238E27FC236}">
+                  <a16:creationId xmlns:a16="http://schemas.microsoft.com/office/drawing/2014/main" id="{583D5690-747A-08FE-9BC3-06507C3954E5}"/>
+                </a:ext>
+              </a:extLst>
+            </p:cNvPr>
+            <p:cNvCxnSpPr>
+              <a:cxnSpLocks/>
+            </p:cNvCxnSpPr>
+            <p:nvPr/>
+          </p:nvCxnSpPr>
+          <p:spPr>
+            <a:xfrm flipH="1">
+              <a:off x="2877425" y="1675024"/>
+              <a:ext cx="339577" cy="0"/>
+            </a:xfrm>
+            <a:prstGeom prst="line">
+              <a:avLst/>
+            </a:prstGeom>
+            <a:ln w="22225">
+              <a:solidFill>
+                <a:schemeClr val="bg1">
+                  <a:lumMod val="50000"/>
+                </a:schemeClr>
+              </a:solidFill>
+            </a:ln>
+          </p:spPr>
+          <p:style>
+            <a:lnRef idx="1">
+              <a:schemeClr val="accent1"/>
+            </a:lnRef>
+            <a:fillRef idx="0">
+              <a:schemeClr val="accent1"/>
+            </a:fillRef>
+            <a:effectRef idx="0">
+              <a:schemeClr val="accent1"/>
+            </a:effectRef>
+            <a:fontRef idx="minor">
+              <a:schemeClr val="tx1"/>
+            </a:fontRef>
+          </p:style>
+        </p:cxnSp>
+      </p:grpSp>
+      <p:grpSp>
+        <p:nvGrpSpPr>
+          <p:cNvPr id="97" name="组合 96">
+            <a:extLst>
+              <a:ext uri="{FF2B5EF4-FFF2-40B4-BE49-F238E27FC236}">
+                <a16:creationId xmlns:a16="http://schemas.microsoft.com/office/drawing/2014/main" id="{C7FBF461-9E15-9917-2447-A82199EB5E6C}"/>
+              </a:ext>
+            </a:extLst>
+          </p:cNvPr>
+          <p:cNvGrpSpPr/>
+          <p:nvPr/>
+        </p:nvGrpSpPr>
+        <p:grpSpPr>
+          <a:xfrm>
+            <a:off x="5664199" y="108334"/>
+            <a:ext cx="1205881" cy="869841"/>
+            <a:chOff x="5428760" y="108334"/>
+            <a:chExt cx="1441321" cy="831471"/>
+          </a:xfrm>
+        </p:grpSpPr>
+        <p:grpSp>
+          <p:nvGrpSpPr>
+            <p:cNvPr id="40" name="组合 39">
+              <a:extLst>
+                <a:ext uri="{FF2B5EF4-FFF2-40B4-BE49-F238E27FC236}">
+                  <a16:creationId xmlns:a16="http://schemas.microsoft.com/office/drawing/2014/main" id="{AAE88523-761B-8C98-4AEC-5211FEC70233}"/>
+                </a:ext>
+              </a:extLst>
+            </p:cNvPr>
+            <p:cNvGrpSpPr/>
+            <p:nvPr/>
+          </p:nvGrpSpPr>
+          <p:grpSpPr>
+            <a:xfrm rot="10800000" flipV="1">
+              <a:off x="5531626" y="528926"/>
+              <a:ext cx="1050101" cy="410879"/>
+              <a:chOff x="2877425" y="1671710"/>
+              <a:chExt cx="481725" cy="211312"/>
+            </a:xfrm>
+          </p:grpSpPr>
+          <p:cxnSp>
+            <p:nvCxnSpPr>
+              <p:cNvPr id="41" name="直接连接符 40">
+                <a:extLst>
+                  <a:ext uri="{FF2B5EF4-FFF2-40B4-BE49-F238E27FC236}">
+                    <a16:creationId xmlns:a16="http://schemas.microsoft.com/office/drawing/2014/main" id="{B91674D3-FCC4-2D47-8E14-E2FACFC09B2A}"/>
+                  </a:ext>
+                </a:extLst>
+              </p:cNvPr>
+              <p:cNvCxnSpPr>
+                <a:cxnSpLocks/>
+              </p:cNvCxnSpPr>
+              <p:nvPr/>
+            </p:nvCxnSpPr>
+            <p:spPr>
+              <a:xfrm rot="10800000">
+                <a:off x="3258679" y="1671710"/>
+                <a:ext cx="100471" cy="211312"/>
+              </a:xfrm>
+              <a:prstGeom prst="line">
+                <a:avLst/>
+              </a:prstGeom>
+              <a:ln w="22225">
+                <a:solidFill>
+                  <a:srgbClr val="FF0000"/>
+                </a:solidFill>
+              </a:ln>
+            </p:spPr>
+            <p:style>
+              <a:lnRef idx="1">
+                <a:schemeClr val="accent1"/>
+              </a:lnRef>
+              <a:fillRef idx="0">
+                <a:schemeClr val="accent1"/>
+              </a:fillRef>
+              <a:effectRef idx="0">
+                <a:schemeClr val="accent1"/>
+              </a:effectRef>
+              <a:fontRef idx="minor">
+                <a:schemeClr val="tx1"/>
+              </a:fontRef>
+            </p:style>
+          </p:cxnSp>
+          <p:cxnSp>
+            <p:nvCxnSpPr>
+              <p:cNvPr id="42" name="直接连接符 41">
+                <a:extLst>
+                  <a:ext uri="{FF2B5EF4-FFF2-40B4-BE49-F238E27FC236}">
+                    <a16:creationId xmlns:a16="http://schemas.microsoft.com/office/drawing/2014/main" id="{339D3E8A-7FC7-C4D2-9E74-B086D673630B}"/>
+                  </a:ext>
+                </a:extLst>
+              </p:cNvPr>
+              <p:cNvCxnSpPr>
+                <a:cxnSpLocks/>
+              </p:cNvCxnSpPr>
+              <p:nvPr/>
+            </p:nvCxnSpPr>
+            <p:spPr>
+              <a:xfrm rot="10800000" flipV="1">
+                <a:off x="2877425" y="1673538"/>
+                <a:ext cx="382677" cy="1486"/>
+              </a:xfrm>
+              <a:prstGeom prst="line">
+                <a:avLst/>
+              </a:prstGeom>
+              <a:ln w="22225">
+                <a:solidFill>
+                  <a:srgbClr val="FF0000"/>
+                </a:solidFill>
+              </a:ln>
+            </p:spPr>
+            <p:style>
+              <a:lnRef idx="1">
+                <a:schemeClr val="accent1"/>
+              </a:lnRef>
+              <a:fillRef idx="0">
+                <a:schemeClr val="accent1"/>
+              </a:fillRef>
+              <a:effectRef idx="0">
+                <a:schemeClr val="accent1"/>
+              </a:effectRef>
+              <a:fontRef idx="minor">
+                <a:schemeClr val="tx1"/>
+              </a:fontRef>
+            </p:style>
+          </p:cxnSp>
+        </p:grpSp>
+        <p:sp>
+          <p:nvSpPr>
+            <p:cNvPr id="62" name="文本框 61">
+              <a:extLst>
+                <a:ext uri="{FF2B5EF4-FFF2-40B4-BE49-F238E27FC236}">
+                  <a16:creationId xmlns:a16="http://schemas.microsoft.com/office/drawing/2014/main" id="{980C2ADA-DB75-9257-0DC6-C4720803EEF4}"/>
+                </a:ext>
+              </a:extLst>
+            </p:cNvPr>
+            <p:cNvSpPr txBox="1"/>
+            <p:nvPr/>
+          </p:nvSpPr>
+          <p:spPr>
+            <a:xfrm>
+              <a:off x="5428760" y="108334"/>
+              <a:ext cx="1441321" cy="461665"/>
+            </a:xfrm>
+            <a:prstGeom prst="rect">
+              <a:avLst/>
+            </a:prstGeom>
+            <a:noFill/>
+          </p:spPr>
+          <p:txBody>
+            <a:bodyPr wrap="square" rtlCol="0">
+              <a:spAutoFit/>
+            </a:bodyPr>
+            <a:lstStyle/>
+            <a:p>
+              <a:pPr algn="ctr"/>
+              <a:r>
+                <a:rPr lang="en-US" altLang="zh-CN" sz="1200" b="1" dirty="0">
+                  <a:solidFill>
+                    <a:srgbClr val="FF0000"/>
+                  </a:solidFill>
+                </a:rPr>
+                <a:t>9-DOF IMU</a:t>
+              </a:r>
+            </a:p>
+            <a:p>
+              <a:pPr algn="ctr"/>
+              <a:r>
+                <a:rPr lang="en-US" altLang="zh-CN" sz="1200" b="1" dirty="0">
+                  <a:solidFill>
+                    <a:srgbClr val="FF0000"/>
+                  </a:solidFill>
+                </a:rPr>
+                <a:t>ICM20948</a:t>
+              </a:r>
+              <a:endParaRPr lang="zh-CN" altLang="en-US" sz="1200" b="1" dirty="0">
+                <a:solidFill>
+                  <a:srgbClr val="FF0000"/>
+                </a:solidFill>
+              </a:endParaRPr>
+            </a:p>
+          </p:txBody>
+        </p:sp>
+      </p:grpSp>
+      <p:sp>
+        <p:nvSpPr>
+          <p:cNvPr id="66" name="文本框 65">
+            <a:extLst>
+              <a:ext uri="{FF2B5EF4-FFF2-40B4-BE49-F238E27FC236}">
+                <a16:creationId xmlns:a16="http://schemas.microsoft.com/office/drawing/2014/main" id="{5E4890E3-3761-1E38-6297-5BE9B8C8389A}"/>
+              </a:ext>
+            </a:extLst>
+          </p:cNvPr>
+          <p:cNvSpPr txBox="1"/>
+          <p:nvPr/>
+        </p:nvSpPr>
+        <p:spPr>
+          <a:xfrm>
+            <a:off x="4703671" y="282558"/>
+            <a:ext cx="574722" cy="276999"/>
+          </a:xfrm>
+          <a:prstGeom prst="rect">
+            <a:avLst/>
+          </a:prstGeom>
+          <a:noFill/>
+        </p:spPr>
+        <p:txBody>
+          <a:bodyPr wrap="square" rtlCol="0">
+            <a:spAutoFit/>
+          </a:bodyPr>
+          <a:lstStyle/>
+          <a:p>
+            <a:pPr algn="ctr"/>
+            <a:r>
+              <a:rPr lang="en-US" altLang="zh-CN" sz="1200" b="1" dirty="0">
+                <a:solidFill>
+                  <a:schemeClr val="accent6">
+                    <a:lumMod val="50000"/>
+                  </a:schemeClr>
+                </a:solidFill>
+              </a:rPr>
+              <a:t>LED</a:t>
+            </a:r>
+            <a:endParaRPr lang="zh-CN" altLang="en-US" sz="1200" b="1" dirty="0">
+              <a:solidFill>
+                <a:schemeClr val="accent6">
+                  <a:lumMod val="50000"/>
+                </a:schemeClr>
+              </a:solidFill>
+            </a:endParaRPr>
+          </a:p>
+        </p:txBody>
+      </p:sp>
+      <p:sp>
+        <p:nvSpPr>
+          <p:cNvPr id="67" name="文本框 66">
+            <a:extLst>
+              <a:ext uri="{FF2B5EF4-FFF2-40B4-BE49-F238E27FC236}">
+                <a16:creationId xmlns:a16="http://schemas.microsoft.com/office/drawing/2014/main" id="{61C419A8-D385-9E6C-0364-5DBE7FB9EC0F}"/>
+              </a:ext>
+            </a:extLst>
+          </p:cNvPr>
+          <p:cNvSpPr txBox="1"/>
+          <p:nvPr/>
+        </p:nvSpPr>
+        <p:spPr>
+          <a:xfrm>
+            <a:off x="6641315" y="112376"/>
+            <a:ext cx="1356317" cy="459266"/>
+          </a:xfrm>
+          <a:prstGeom prst="rect">
+            <a:avLst/>
+          </a:prstGeom>
+          <a:noFill/>
+        </p:spPr>
+        <p:txBody>
+          <a:bodyPr wrap="square" rtlCol="0">
+            <a:spAutoFit/>
+          </a:bodyPr>
+          <a:lstStyle/>
+          <a:p>
+            <a:pPr algn="ctr"/>
+            <a:r>
+              <a:rPr lang="en-US" altLang="zh-CN" sz="1200" b="1" dirty="0">
+                <a:solidFill>
+                  <a:schemeClr val="accent2"/>
+                </a:solidFill>
+              </a:rPr>
+              <a:t>Voltage Regulator</a:t>
+            </a:r>
+          </a:p>
+          <a:p>
+            <a:pPr algn="ctr"/>
+            <a:r>
+              <a:rPr lang="en-US" altLang="zh-CN" sz="1200" b="1" dirty="0">
+                <a:solidFill>
+                  <a:schemeClr val="accent2"/>
+                </a:solidFill>
+              </a:rPr>
+              <a:t>MIC5370</a:t>
+            </a:r>
+            <a:endParaRPr lang="zh-CN" altLang="en-US" sz="1200" b="1" dirty="0">
+              <a:solidFill>
+                <a:schemeClr val="accent2"/>
+              </a:solidFill>
+            </a:endParaRPr>
+          </a:p>
+        </p:txBody>
+      </p:sp>
+      <p:sp>
+        <p:nvSpPr>
+          <p:cNvPr id="68" name="文本框 67">
+            <a:extLst>
+              <a:ext uri="{FF2B5EF4-FFF2-40B4-BE49-F238E27FC236}">
+                <a16:creationId xmlns:a16="http://schemas.microsoft.com/office/drawing/2014/main" id="{D9866D48-DC2A-0956-40B3-A2AC4DA39E08}"/>
+              </a:ext>
+            </a:extLst>
+          </p:cNvPr>
+          <p:cNvSpPr txBox="1"/>
+          <p:nvPr/>
+        </p:nvSpPr>
+        <p:spPr>
+          <a:xfrm>
+            <a:off x="7997632" y="108314"/>
+            <a:ext cx="1347458" cy="461665"/>
+          </a:xfrm>
+          <a:prstGeom prst="rect">
+            <a:avLst/>
+          </a:prstGeom>
+          <a:noFill/>
+        </p:spPr>
+        <p:txBody>
+          <a:bodyPr wrap="square" rtlCol="0">
+            <a:spAutoFit/>
+          </a:bodyPr>
+          <a:lstStyle/>
+          <a:p>
+            <a:pPr algn="ctr"/>
+            <a:r>
+              <a:rPr lang="en-US" altLang="zh-CN" sz="1200" b="1" dirty="0">
+                <a:solidFill>
+                  <a:schemeClr val="accent5">
+                    <a:lumMod val="75000"/>
+                  </a:schemeClr>
+                </a:solidFill>
+              </a:rPr>
+              <a:t>Chip Antenna</a:t>
+            </a:r>
+          </a:p>
+          <a:p>
+            <a:pPr algn="ctr"/>
+            <a:r>
+              <a:rPr lang="en-US" altLang="zh-CN" sz="1200" b="1" dirty="0">
+                <a:solidFill>
+                  <a:schemeClr val="accent5">
+                    <a:lumMod val="75000"/>
+                  </a:schemeClr>
+                </a:solidFill>
+              </a:rPr>
+              <a:t>2450AT18B100E</a:t>
+            </a:r>
+            <a:endParaRPr lang="zh-CN" altLang="en-US" sz="1200" b="1" dirty="0">
+              <a:solidFill>
+                <a:schemeClr val="accent5">
+                  <a:lumMod val="75000"/>
+                </a:schemeClr>
+              </a:solidFill>
+            </a:endParaRPr>
+          </a:p>
+        </p:txBody>
+      </p:sp>
+      <p:sp>
+        <p:nvSpPr>
+          <p:cNvPr id="69" name="文本框 68">
+            <a:extLst>
+              <a:ext uri="{FF2B5EF4-FFF2-40B4-BE49-F238E27FC236}">
+                <a16:creationId xmlns:a16="http://schemas.microsoft.com/office/drawing/2014/main" id="{DDE89BB9-0DB3-7624-203F-3B873941D782}"/>
+              </a:ext>
+            </a:extLst>
+          </p:cNvPr>
+          <p:cNvSpPr txBox="1"/>
+          <p:nvPr/>
+        </p:nvSpPr>
+        <p:spPr>
+          <a:xfrm>
+            <a:off x="8166546" y="1448785"/>
+            <a:ext cx="1347458" cy="276999"/>
+          </a:xfrm>
+          <a:prstGeom prst="rect">
+            <a:avLst/>
+          </a:prstGeom>
+          <a:noFill/>
+        </p:spPr>
+        <p:txBody>
+          <a:bodyPr wrap="square" rtlCol="0">
+            <a:spAutoFit/>
+          </a:bodyPr>
+          <a:lstStyle/>
+          <a:p>
+            <a:pPr algn="ctr"/>
+            <a:r>
+              <a:rPr lang="en-US" altLang="zh-CN" sz="1200" b="1" dirty="0">
+                <a:solidFill>
+                  <a:schemeClr val="bg1">
+                    <a:lumMod val="50000"/>
+                  </a:schemeClr>
+                </a:solidFill>
+              </a:rPr>
+              <a:t>Slide Switch</a:t>
+            </a:r>
+            <a:endParaRPr lang="zh-CN" altLang="en-US" sz="1200" b="1" dirty="0">
+              <a:solidFill>
+                <a:schemeClr val="bg1">
+                  <a:lumMod val="50000"/>
+                </a:schemeClr>
+              </a:solidFill>
+            </a:endParaRPr>
+          </a:p>
+        </p:txBody>
+      </p:sp>
+      <p:sp>
+        <p:nvSpPr>
+          <p:cNvPr id="70" name="文本框 69">
+            <a:extLst>
+              <a:ext uri="{FF2B5EF4-FFF2-40B4-BE49-F238E27FC236}">
+                <a16:creationId xmlns:a16="http://schemas.microsoft.com/office/drawing/2014/main" id="{D6F1E33E-279E-23C7-357E-CE5CB72D2F76}"/>
+              </a:ext>
+            </a:extLst>
+          </p:cNvPr>
+          <p:cNvSpPr txBox="1"/>
+          <p:nvPr/>
+        </p:nvSpPr>
+        <p:spPr>
+          <a:xfrm>
+            <a:off x="6417941" y="1453284"/>
+            <a:ext cx="1399375" cy="276999"/>
+          </a:xfrm>
+          <a:prstGeom prst="rect">
+            <a:avLst/>
+          </a:prstGeom>
+          <a:noFill/>
+        </p:spPr>
+        <p:txBody>
+          <a:bodyPr wrap="square" rtlCol="0">
+            <a:spAutoFit/>
+          </a:bodyPr>
+          <a:lstStyle/>
+          <a:p>
+            <a:pPr algn="ctr"/>
+            <a:r>
+              <a:rPr lang="en-US" altLang="zh-CN" sz="1200" b="1" dirty="0">
+                <a:solidFill>
+                  <a:schemeClr val="accent4">
+                    <a:lumMod val="75000"/>
+                  </a:schemeClr>
+                </a:solidFill>
+              </a:rPr>
+              <a:t>Power Protection</a:t>
+            </a:r>
+            <a:endParaRPr lang="zh-CN" altLang="en-US" sz="1200" b="1" dirty="0">
+              <a:solidFill>
+                <a:schemeClr val="accent4">
+                  <a:lumMod val="75000"/>
+                </a:schemeClr>
+              </a:solidFill>
+            </a:endParaRPr>
+          </a:p>
+        </p:txBody>
+      </p:sp>
+      <p:sp>
+        <p:nvSpPr>
+          <p:cNvPr id="85" name="文本框 84">
+            <a:extLst>
+              <a:ext uri="{FF2B5EF4-FFF2-40B4-BE49-F238E27FC236}">
+                <a16:creationId xmlns:a16="http://schemas.microsoft.com/office/drawing/2014/main" id="{0A14B65B-6712-570F-691D-7A42F41D982B}"/>
+              </a:ext>
+            </a:extLst>
+          </p:cNvPr>
+          <p:cNvSpPr txBox="1"/>
+          <p:nvPr/>
+        </p:nvSpPr>
+        <p:spPr>
+          <a:xfrm>
+            <a:off x="3702933" y="85307"/>
+            <a:ext cx="840882" cy="461665"/>
+          </a:xfrm>
+          <a:prstGeom prst="rect">
+            <a:avLst/>
+          </a:prstGeom>
+          <a:noFill/>
+        </p:spPr>
+        <p:txBody>
+          <a:bodyPr wrap="square" rtlCol="0">
+            <a:spAutoFit/>
+          </a:bodyPr>
+          <a:lstStyle/>
+          <a:p>
+            <a:pPr algn="ctr"/>
+            <a:r>
+              <a:rPr lang="en-US" altLang="zh-CN" sz="1200" b="1" dirty="0">
+                <a:solidFill>
+                  <a:srgbClr val="FF0000"/>
+                </a:solidFill>
+              </a:rPr>
+              <a:t>MCU</a:t>
+            </a:r>
+          </a:p>
+          <a:p>
+            <a:pPr algn="ctr"/>
+            <a:r>
+              <a:rPr lang="en-US" altLang="zh-CN" sz="1200" b="1" dirty="0">
+                <a:solidFill>
+                  <a:srgbClr val="FF0000"/>
+                </a:solidFill>
+              </a:rPr>
+              <a:t>NRF52832</a:t>
+            </a:r>
+            <a:endParaRPr lang="zh-CN" altLang="en-US" sz="1200" b="1" dirty="0">
+              <a:solidFill>
+                <a:srgbClr val="FF0000"/>
+              </a:solidFill>
+            </a:endParaRPr>
+          </a:p>
+        </p:txBody>
+      </p:sp>
+      <p:grpSp>
+        <p:nvGrpSpPr>
+          <p:cNvPr id="86" name="组合 85">
+            <a:extLst>
+              <a:ext uri="{FF2B5EF4-FFF2-40B4-BE49-F238E27FC236}">
+                <a16:creationId xmlns:a16="http://schemas.microsoft.com/office/drawing/2014/main" id="{C451254D-7AB0-44AE-5463-E91D0FE1668B}"/>
+              </a:ext>
+            </a:extLst>
+          </p:cNvPr>
+          <p:cNvGrpSpPr/>
+          <p:nvPr/>
+        </p:nvGrpSpPr>
+        <p:grpSpPr>
+          <a:xfrm>
+            <a:off x="3755103" y="540172"/>
+            <a:ext cx="935195" cy="248958"/>
+            <a:chOff x="2877425" y="1670868"/>
+            <a:chExt cx="484556" cy="217254"/>
+          </a:xfrm>
+        </p:grpSpPr>
+        <p:cxnSp>
+          <p:nvCxnSpPr>
+            <p:cNvPr id="87" name="直接连接符 86">
+              <a:extLst>
+                <a:ext uri="{FF2B5EF4-FFF2-40B4-BE49-F238E27FC236}">
+                  <a16:creationId xmlns:a16="http://schemas.microsoft.com/office/drawing/2014/main" id="{F96E2BB3-6DB3-E79C-5E12-6F42EDF496B3}"/>
+                </a:ext>
+              </a:extLst>
+            </p:cNvPr>
+            <p:cNvCxnSpPr>
+              <a:cxnSpLocks/>
+            </p:cNvCxnSpPr>
+            <p:nvPr/>
+          </p:nvCxnSpPr>
+          <p:spPr>
+            <a:xfrm flipH="1" flipV="1">
+              <a:off x="3251499" y="1670868"/>
+              <a:ext cx="110482" cy="217254"/>
+            </a:xfrm>
+            <a:prstGeom prst="line">
+              <a:avLst/>
+            </a:prstGeom>
+            <a:ln w="22225">
+              <a:solidFill>
+                <a:srgbClr val="FF0000"/>
+              </a:solidFill>
+            </a:ln>
+          </p:spPr>
+          <p:style>
+            <a:lnRef idx="1">
+              <a:schemeClr val="accent1"/>
+            </a:lnRef>
+            <a:fillRef idx="0">
+              <a:schemeClr val="accent1"/>
+            </a:fillRef>
+            <a:effectRef idx="0">
+              <a:schemeClr val="accent1"/>
+            </a:effectRef>
+            <a:fontRef idx="minor">
+              <a:schemeClr val="tx1"/>
+            </a:fontRef>
+          </p:style>
+        </p:cxnSp>
+        <p:cxnSp>
+          <p:nvCxnSpPr>
+            <p:cNvPr id="88" name="直接连接符 87">
+              <a:extLst>
+                <a:ext uri="{FF2B5EF4-FFF2-40B4-BE49-F238E27FC236}">
+                  <a16:creationId xmlns:a16="http://schemas.microsoft.com/office/drawing/2014/main" id="{71280719-71CD-85FC-E44A-1F7BF51D618B}"/>
+                </a:ext>
+              </a:extLst>
+            </p:cNvPr>
+            <p:cNvCxnSpPr>
+              <a:cxnSpLocks/>
+            </p:cNvCxnSpPr>
+            <p:nvPr/>
+          </p:nvCxnSpPr>
+          <p:spPr>
+            <a:xfrm flipH="1">
+              <a:off x="2877425" y="1670868"/>
+              <a:ext cx="382051" cy="4156"/>
+            </a:xfrm>
+            <a:prstGeom prst="line">
+              <a:avLst/>
+            </a:prstGeom>
+            <a:ln w="22225">
+              <a:solidFill>
+                <a:srgbClr val="FF0000"/>
+              </a:solidFill>
+            </a:ln>
+          </p:spPr>
+          <p:style>
+            <a:lnRef idx="1">
+              <a:schemeClr val="accent1"/>
+            </a:lnRef>
+            <a:fillRef idx="0">
+              <a:schemeClr val="accent1"/>
+            </a:fillRef>
+            <a:effectRef idx="0">
+              <a:schemeClr val="accent1"/>
+            </a:effectRef>
+            <a:fontRef idx="minor">
+              <a:schemeClr val="tx1"/>
+            </a:fontRef>
+          </p:style>
+        </p:cxnSp>
+      </p:grpSp>
+      <p:sp>
+        <p:nvSpPr>
+          <p:cNvPr id="92" name="文本框 91">
+            <a:extLst>
+              <a:ext uri="{FF2B5EF4-FFF2-40B4-BE49-F238E27FC236}">
+                <a16:creationId xmlns:a16="http://schemas.microsoft.com/office/drawing/2014/main" id="{71C7F1F7-2806-AE87-1000-96B5C29C2F0D}"/>
+              </a:ext>
+            </a:extLst>
+          </p:cNvPr>
+          <p:cNvSpPr txBox="1"/>
+          <p:nvPr/>
+        </p:nvSpPr>
+        <p:spPr>
+          <a:xfrm>
+            <a:off x="2586059" y="120898"/>
+            <a:ext cx="1171586" cy="461665"/>
+          </a:xfrm>
+          <a:prstGeom prst="rect">
+            <a:avLst/>
+          </a:prstGeom>
+          <a:noFill/>
+        </p:spPr>
+        <p:txBody>
+          <a:bodyPr wrap="square" rtlCol="0">
+            <a:spAutoFit/>
+          </a:bodyPr>
+          <a:lstStyle/>
+          <a:p>
+            <a:pPr algn="ctr"/>
+            <a:r>
+              <a:rPr lang="en-US" altLang="zh-CN" sz="1200" b="1" dirty="0">
+                <a:solidFill>
+                  <a:srgbClr val="92D050"/>
+                </a:solidFill>
+              </a:rPr>
+              <a:t>SMD Crystal </a:t>
+            </a:r>
+          </a:p>
+          <a:p>
+            <a:pPr algn="ctr"/>
+            <a:r>
+              <a:rPr lang="en-US" altLang="zh-CN" sz="1200" b="1" dirty="0">
+                <a:solidFill>
+                  <a:srgbClr val="92D050"/>
+                </a:solidFill>
+              </a:rPr>
+              <a:t>32.768 kHz</a:t>
+            </a:r>
+            <a:endParaRPr lang="zh-CN" altLang="en-US" sz="1200" b="1" dirty="0">
+              <a:solidFill>
+                <a:srgbClr val="92D050"/>
+              </a:solidFill>
+            </a:endParaRPr>
+          </a:p>
+        </p:txBody>
+      </p:sp>
+      <p:grpSp>
+        <p:nvGrpSpPr>
+          <p:cNvPr id="93" name="组合 92">
+            <a:extLst>
+              <a:ext uri="{FF2B5EF4-FFF2-40B4-BE49-F238E27FC236}">
+                <a16:creationId xmlns:a16="http://schemas.microsoft.com/office/drawing/2014/main" id="{004FBAAF-3B44-1F92-0AC2-73A2F1E62395}"/>
+              </a:ext>
+            </a:extLst>
+          </p:cNvPr>
+          <p:cNvGrpSpPr/>
+          <p:nvPr/>
+        </p:nvGrpSpPr>
+        <p:grpSpPr>
+          <a:xfrm>
+            <a:off x="2835489" y="553919"/>
+            <a:ext cx="832818" cy="568952"/>
+            <a:chOff x="2877425" y="1667213"/>
+            <a:chExt cx="484556" cy="220909"/>
+          </a:xfrm>
+        </p:grpSpPr>
+        <p:cxnSp>
+          <p:nvCxnSpPr>
+            <p:cNvPr id="94" name="直接连接符 93">
+              <a:extLst>
+                <a:ext uri="{FF2B5EF4-FFF2-40B4-BE49-F238E27FC236}">
+                  <a16:creationId xmlns:a16="http://schemas.microsoft.com/office/drawing/2014/main" id="{732A3774-8B6A-BC2D-EBEF-070290AEAFD4}"/>
+                </a:ext>
+              </a:extLst>
+            </p:cNvPr>
+            <p:cNvCxnSpPr>
+              <a:cxnSpLocks/>
+            </p:cNvCxnSpPr>
+            <p:nvPr/>
+          </p:nvCxnSpPr>
+          <p:spPr>
+            <a:xfrm flipH="1" flipV="1">
+              <a:off x="3221289" y="1667213"/>
+              <a:ext cx="140692" cy="220909"/>
+            </a:xfrm>
+            <a:prstGeom prst="line">
+              <a:avLst/>
+            </a:prstGeom>
+            <a:ln w="22225">
+              <a:solidFill>
+                <a:srgbClr val="92D050"/>
+              </a:solidFill>
+            </a:ln>
+          </p:spPr>
+          <p:style>
+            <a:lnRef idx="1">
+              <a:schemeClr val="accent1"/>
+            </a:lnRef>
+            <a:fillRef idx="0">
+              <a:schemeClr val="accent1"/>
+            </a:fillRef>
+            <a:effectRef idx="0">
+              <a:schemeClr val="accent1"/>
+            </a:effectRef>
+            <a:fontRef idx="minor">
+              <a:schemeClr val="tx1"/>
+            </a:fontRef>
+          </p:style>
+        </p:cxnSp>
+        <p:cxnSp>
+          <p:nvCxnSpPr>
+            <p:cNvPr id="95" name="直接连接符 94">
+              <a:extLst>
+                <a:ext uri="{FF2B5EF4-FFF2-40B4-BE49-F238E27FC236}">
+                  <a16:creationId xmlns:a16="http://schemas.microsoft.com/office/drawing/2014/main" id="{5C28C1FB-2A7C-610D-6050-5EA6449EAA99}"/>
+                </a:ext>
+              </a:extLst>
+            </p:cNvPr>
+            <p:cNvCxnSpPr>
+              <a:cxnSpLocks/>
+            </p:cNvCxnSpPr>
+            <p:nvPr/>
+          </p:nvCxnSpPr>
+          <p:spPr>
+            <a:xfrm flipH="1">
+              <a:off x="2877425" y="1670096"/>
+              <a:ext cx="348358" cy="772"/>
+            </a:xfrm>
+            <a:prstGeom prst="line">
+              <a:avLst/>
+            </a:prstGeom>
+            <a:ln w="22225">
+              <a:solidFill>
+                <a:srgbClr val="92D050"/>
+              </a:solidFill>
+            </a:ln>
+          </p:spPr>
+          <p:style>
+            <a:lnRef idx="1">
+              <a:schemeClr val="accent1"/>
+            </a:lnRef>
+            <a:fillRef idx="0">
+              <a:schemeClr val="accent1"/>
+            </a:fillRef>
+            <a:effectRef idx="0">
+              <a:schemeClr val="accent1"/>
+            </a:effectRef>
+            <a:fontRef idx="minor">
+              <a:schemeClr val="tx1"/>
+            </a:fontRef>
+          </p:style>
+        </p:cxnSp>
+      </p:grpSp>
+      <p:grpSp>
+        <p:nvGrpSpPr>
+          <p:cNvPr id="99" name="组合 98">
+            <a:extLst>
+              <a:ext uri="{FF2B5EF4-FFF2-40B4-BE49-F238E27FC236}">
+                <a16:creationId xmlns:a16="http://schemas.microsoft.com/office/drawing/2014/main" id="{27D8B765-79D6-096A-8989-A6E3CB1FFAB3}"/>
+              </a:ext>
+            </a:extLst>
+          </p:cNvPr>
+          <p:cNvGrpSpPr/>
+          <p:nvPr/>
+        </p:nvGrpSpPr>
+        <p:grpSpPr>
+          <a:xfrm rot="10800000">
+            <a:off x="8159200" y="2713476"/>
+            <a:ext cx="1056272" cy="480961"/>
+            <a:chOff x="2877425" y="1671710"/>
+            <a:chExt cx="484556" cy="216413"/>
+          </a:xfrm>
+        </p:grpSpPr>
+        <p:cxnSp>
+          <p:nvCxnSpPr>
+            <p:cNvPr id="101" name="直接连接符 100">
+              <a:extLst>
+                <a:ext uri="{FF2B5EF4-FFF2-40B4-BE49-F238E27FC236}">
+                  <a16:creationId xmlns:a16="http://schemas.microsoft.com/office/drawing/2014/main" id="{D25946D1-AEA0-3CAA-3714-98FF161B4AAD}"/>
+                </a:ext>
+              </a:extLst>
+            </p:cNvPr>
+            <p:cNvCxnSpPr>
+              <a:cxnSpLocks/>
+            </p:cNvCxnSpPr>
+            <p:nvPr/>
+          </p:nvCxnSpPr>
+          <p:spPr>
+            <a:xfrm rot="10800000">
+              <a:off x="3258679" y="1671710"/>
+              <a:ext cx="103302" cy="216413"/>
+            </a:xfrm>
+            <a:prstGeom prst="line">
+              <a:avLst/>
+            </a:prstGeom>
+            <a:ln w="22225">
+              <a:solidFill>
+                <a:srgbClr val="FF0000"/>
+              </a:solidFill>
+            </a:ln>
+          </p:spPr>
+          <p:style>
+            <a:lnRef idx="1">
+              <a:schemeClr val="accent1"/>
+            </a:lnRef>
+            <a:fillRef idx="0">
+              <a:schemeClr val="accent1"/>
+            </a:fillRef>
+            <a:effectRef idx="0">
+              <a:schemeClr val="accent1"/>
+            </a:effectRef>
+            <a:fontRef idx="minor">
+              <a:schemeClr val="tx1"/>
+            </a:fontRef>
+          </p:style>
+        </p:cxnSp>
+        <p:cxnSp>
+          <p:nvCxnSpPr>
+            <p:cNvPr id="102" name="直接连接符 101">
+              <a:extLst>
+                <a:ext uri="{FF2B5EF4-FFF2-40B4-BE49-F238E27FC236}">
+                  <a16:creationId xmlns:a16="http://schemas.microsoft.com/office/drawing/2014/main" id="{CC9A8A74-2225-2B75-36B2-6765BAEC132A}"/>
+                </a:ext>
+              </a:extLst>
+            </p:cNvPr>
+            <p:cNvCxnSpPr>
+              <a:cxnSpLocks/>
+            </p:cNvCxnSpPr>
+            <p:nvPr/>
+          </p:nvCxnSpPr>
+          <p:spPr>
+            <a:xfrm rot="10800000" flipV="1">
+              <a:off x="2877425" y="1673538"/>
+              <a:ext cx="382677" cy="1486"/>
+            </a:xfrm>
+            <a:prstGeom prst="line">
+              <a:avLst/>
+            </a:prstGeom>
+            <a:ln w="22225">
+              <a:solidFill>
+                <a:srgbClr val="FF0000"/>
+              </a:solidFill>
+            </a:ln>
+          </p:spPr>
+          <p:style>
+            <a:lnRef idx="1">
+              <a:schemeClr val="accent1"/>
+            </a:lnRef>
+            <a:fillRef idx="0">
+              <a:schemeClr val="accent1"/>
+            </a:fillRef>
+            <a:effectRef idx="0">
+              <a:schemeClr val="accent1"/>
+            </a:effectRef>
+            <a:fontRef idx="minor">
+              <a:schemeClr val="tx1"/>
+            </a:fontRef>
+          </p:style>
+        </p:cxnSp>
+      </p:grpSp>
+      <p:sp>
+        <p:nvSpPr>
+          <p:cNvPr id="100" name="文本框 99">
+            <a:extLst>
+              <a:ext uri="{FF2B5EF4-FFF2-40B4-BE49-F238E27FC236}">
+                <a16:creationId xmlns:a16="http://schemas.microsoft.com/office/drawing/2014/main" id="{2F525EA3-19C0-8CEE-BD3A-CE5403DCACC3}"/>
+              </a:ext>
+            </a:extLst>
+          </p:cNvPr>
+          <p:cNvSpPr txBox="1"/>
+          <p:nvPr/>
+        </p:nvSpPr>
+        <p:spPr>
+          <a:xfrm>
+            <a:off x="8062041" y="2780930"/>
+            <a:ext cx="1441321" cy="461665"/>
+          </a:xfrm>
+          <a:prstGeom prst="rect">
+            <a:avLst/>
+          </a:prstGeom>
+          <a:noFill/>
+        </p:spPr>
+        <p:txBody>
+          <a:bodyPr wrap="square" rtlCol="0">
+            <a:spAutoFit/>
+          </a:bodyPr>
+          <a:lstStyle/>
+          <a:p>
+            <a:pPr algn="ctr"/>
+            <a:r>
+              <a:rPr lang="en-US" altLang="zh-CN" sz="1200" b="1" dirty="0">
+                <a:solidFill>
+                  <a:srgbClr val="FF0000"/>
+                </a:solidFill>
+              </a:rPr>
+              <a:t> PPG Sensor</a:t>
+            </a:r>
+          </a:p>
+          <a:p>
+            <a:pPr algn="ctr"/>
+            <a:r>
+              <a:rPr lang="en-US" altLang="zh-CN" sz="1200" b="1" dirty="0">
+                <a:solidFill>
+                  <a:srgbClr val="FF0000"/>
+                </a:solidFill>
+              </a:rPr>
+              <a:t>MAX30101</a:t>
+            </a:r>
+            <a:endParaRPr lang="zh-CN" altLang="en-US" sz="1200" b="1" dirty="0">
+              <a:solidFill>
+                <a:srgbClr val="FF0000"/>
+              </a:solidFill>
+            </a:endParaRPr>
+          </a:p>
+        </p:txBody>
+      </p:sp>
+      <p:grpSp>
+        <p:nvGrpSpPr>
+          <p:cNvPr id="103" name="组合 102">
+            <a:extLst>
+              <a:ext uri="{FF2B5EF4-FFF2-40B4-BE49-F238E27FC236}">
+                <a16:creationId xmlns:a16="http://schemas.microsoft.com/office/drawing/2014/main" id="{829C3AB7-06C6-5AF3-EA25-90C103A75523}"/>
+              </a:ext>
+            </a:extLst>
+          </p:cNvPr>
+          <p:cNvGrpSpPr/>
+          <p:nvPr/>
+        </p:nvGrpSpPr>
+        <p:grpSpPr>
+          <a:xfrm rot="10800000" flipH="1">
+            <a:off x="6496224" y="2271217"/>
+            <a:ext cx="1441320" cy="924092"/>
+            <a:chOff x="2818730" y="1671776"/>
+            <a:chExt cx="543251" cy="216346"/>
+          </a:xfrm>
+        </p:grpSpPr>
+        <p:cxnSp>
+          <p:nvCxnSpPr>
+            <p:cNvPr id="104" name="直接连接符 103">
+              <a:extLst>
+                <a:ext uri="{FF2B5EF4-FFF2-40B4-BE49-F238E27FC236}">
+                  <a16:creationId xmlns:a16="http://schemas.microsoft.com/office/drawing/2014/main" id="{C63A2917-6119-65F6-4BA2-D3F2E940D4E7}"/>
+                </a:ext>
+              </a:extLst>
+            </p:cNvPr>
+            <p:cNvCxnSpPr>
+              <a:cxnSpLocks/>
+            </p:cNvCxnSpPr>
+            <p:nvPr/>
+          </p:nvCxnSpPr>
+          <p:spPr>
+            <a:xfrm rot="10800000">
+              <a:off x="3264667" y="1671776"/>
+              <a:ext cx="97314" cy="216346"/>
+            </a:xfrm>
+            <a:prstGeom prst="line">
+              <a:avLst/>
+            </a:prstGeom>
+            <a:ln w="22225">
+              <a:solidFill>
+                <a:schemeClr val="accent2"/>
+              </a:solidFill>
+            </a:ln>
+          </p:spPr>
+          <p:style>
+            <a:lnRef idx="1">
+              <a:schemeClr val="accent1"/>
+            </a:lnRef>
+            <a:fillRef idx="0">
+              <a:schemeClr val="accent1"/>
+            </a:fillRef>
+            <a:effectRef idx="0">
+              <a:schemeClr val="accent1"/>
+            </a:effectRef>
+            <a:fontRef idx="minor">
+              <a:schemeClr val="tx1"/>
+            </a:fontRef>
+          </p:style>
+        </p:cxnSp>
+        <p:cxnSp>
+          <p:nvCxnSpPr>
+            <p:cNvPr id="105" name="直接连接符 104">
+              <a:extLst>
+                <a:ext uri="{FF2B5EF4-FFF2-40B4-BE49-F238E27FC236}">
+                  <a16:creationId xmlns:a16="http://schemas.microsoft.com/office/drawing/2014/main" id="{DAB21470-868F-B068-0C5F-7D023D14046B}"/>
+                </a:ext>
+              </a:extLst>
+            </p:cNvPr>
+            <p:cNvCxnSpPr>
+              <a:cxnSpLocks/>
+            </p:cNvCxnSpPr>
+            <p:nvPr/>
+          </p:nvCxnSpPr>
+          <p:spPr>
+            <a:xfrm rot="10800000" flipV="1">
+              <a:off x="2818730" y="1671776"/>
+              <a:ext cx="450992" cy="0"/>
+            </a:xfrm>
+            <a:prstGeom prst="line">
+              <a:avLst/>
+            </a:prstGeom>
+            <a:ln w="22225">
+              <a:solidFill>
+                <a:schemeClr val="accent2"/>
+              </a:solidFill>
+            </a:ln>
+          </p:spPr>
+          <p:style>
+            <a:lnRef idx="1">
+              <a:schemeClr val="accent1"/>
+            </a:lnRef>
+            <a:fillRef idx="0">
+              <a:schemeClr val="accent1"/>
+            </a:fillRef>
+            <a:effectRef idx="0">
+              <a:schemeClr val="accent1"/>
+            </a:effectRef>
+            <a:fontRef idx="minor">
+              <a:schemeClr val="tx1"/>
+            </a:fontRef>
+          </p:style>
+        </p:cxnSp>
+      </p:grpSp>
+      <p:sp>
+        <p:nvSpPr>
+          <p:cNvPr id="112" name="文本框 111">
+            <a:extLst>
+              <a:ext uri="{FF2B5EF4-FFF2-40B4-BE49-F238E27FC236}">
+                <a16:creationId xmlns:a16="http://schemas.microsoft.com/office/drawing/2014/main" id="{B4CFD37C-362A-4FDC-DA1B-B6BF57F4FED1}"/>
+              </a:ext>
+            </a:extLst>
+          </p:cNvPr>
+          <p:cNvSpPr txBox="1"/>
+          <p:nvPr/>
+        </p:nvSpPr>
+        <p:spPr>
+          <a:xfrm>
+            <a:off x="6443900" y="2791624"/>
+            <a:ext cx="1347458" cy="461665"/>
+          </a:xfrm>
+          <a:prstGeom prst="rect">
+            <a:avLst/>
+          </a:prstGeom>
+          <a:noFill/>
+        </p:spPr>
+        <p:txBody>
+          <a:bodyPr wrap="square" rtlCol="0">
+            <a:spAutoFit/>
+          </a:bodyPr>
+          <a:lstStyle/>
+          <a:p>
+            <a:pPr algn="ctr"/>
+            <a:r>
+              <a:rPr lang="en-US" altLang="zh-CN" sz="1200" b="1" dirty="0">
+                <a:solidFill>
+                  <a:schemeClr val="accent2"/>
+                </a:solidFill>
+              </a:rPr>
+              <a:t>Voltage Regulator</a:t>
+            </a:r>
+          </a:p>
+          <a:p>
+            <a:pPr algn="ctr"/>
+            <a:r>
+              <a:rPr lang="en-US" altLang="zh-CN" sz="1200" b="1" dirty="0">
+                <a:solidFill>
+                  <a:schemeClr val="accent2"/>
+                </a:solidFill>
+              </a:rPr>
+              <a:t>TXS0102DQE</a:t>
+            </a:r>
+            <a:endParaRPr lang="zh-CN" altLang="en-US" sz="1200" b="1" dirty="0">
+              <a:solidFill>
+                <a:schemeClr val="accent2"/>
+              </a:solidFill>
+            </a:endParaRPr>
+          </a:p>
+        </p:txBody>
+      </p:sp>
+      <p:grpSp>
+        <p:nvGrpSpPr>
+          <p:cNvPr id="121" name="组合 120">
+            <a:extLst>
+              <a:ext uri="{FF2B5EF4-FFF2-40B4-BE49-F238E27FC236}">
+                <a16:creationId xmlns:a16="http://schemas.microsoft.com/office/drawing/2014/main" id="{1C2E39BC-218F-26FD-054D-4307ABBCF61A}"/>
+              </a:ext>
+            </a:extLst>
+          </p:cNvPr>
+          <p:cNvGrpSpPr/>
+          <p:nvPr/>
+        </p:nvGrpSpPr>
+        <p:grpSpPr>
+          <a:xfrm>
+            <a:off x="3676649" y="2814592"/>
+            <a:ext cx="1297253" cy="375876"/>
+            <a:chOff x="3899437" y="2814592"/>
+            <a:chExt cx="1074466" cy="475088"/>
+          </a:xfrm>
+        </p:grpSpPr>
+        <p:cxnSp>
+          <p:nvCxnSpPr>
+            <p:cNvPr id="116" name="直接连接符 115">
+              <a:extLst>
+                <a:ext uri="{FF2B5EF4-FFF2-40B4-BE49-F238E27FC236}">
+                  <a16:creationId xmlns:a16="http://schemas.microsoft.com/office/drawing/2014/main" id="{1A2C105D-288F-CA96-7AB2-1464F503DDA0}"/>
+                </a:ext>
+              </a:extLst>
+            </p:cNvPr>
+            <p:cNvCxnSpPr>
+              <a:cxnSpLocks/>
+            </p:cNvCxnSpPr>
+            <p:nvPr/>
+          </p:nvCxnSpPr>
+          <p:spPr>
+            <a:xfrm>
+              <a:off x="3899437" y="3285468"/>
+              <a:ext cx="836204" cy="3448"/>
+            </a:xfrm>
+            <a:prstGeom prst="line">
+              <a:avLst/>
+            </a:prstGeom>
+            <a:ln w="22225">
+              <a:solidFill>
+                <a:schemeClr val="accent1">
+                  <a:lumMod val="75000"/>
+                </a:schemeClr>
+              </a:solidFill>
+            </a:ln>
+          </p:spPr>
+          <p:style>
+            <a:lnRef idx="1">
+              <a:schemeClr val="accent1"/>
+            </a:lnRef>
+            <a:fillRef idx="0">
+              <a:schemeClr val="accent1"/>
+            </a:fillRef>
+            <a:effectRef idx="0">
+              <a:schemeClr val="accent1"/>
+            </a:effectRef>
+            <a:fontRef idx="minor">
+              <a:schemeClr val="tx1"/>
+            </a:fontRef>
+          </p:style>
+        </p:cxnSp>
+        <p:cxnSp>
+          <p:nvCxnSpPr>
+            <p:cNvPr id="117" name="直接连接符 116">
+              <a:extLst>
+                <a:ext uri="{FF2B5EF4-FFF2-40B4-BE49-F238E27FC236}">
+                  <a16:creationId xmlns:a16="http://schemas.microsoft.com/office/drawing/2014/main" id="{85207182-3B77-5ED1-D7FA-1BFF2AE5C429}"/>
+                </a:ext>
+              </a:extLst>
+            </p:cNvPr>
+            <p:cNvCxnSpPr>
+              <a:cxnSpLocks/>
+            </p:cNvCxnSpPr>
+            <p:nvPr/>
+          </p:nvCxnSpPr>
+          <p:spPr>
+            <a:xfrm flipV="1">
+              <a:off x="4732788" y="2814592"/>
+              <a:ext cx="241115" cy="475088"/>
+            </a:xfrm>
+            <a:prstGeom prst="line">
+              <a:avLst/>
+            </a:prstGeom>
+            <a:ln w="22225">
+              <a:solidFill>
+                <a:schemeClr val="accent1">
+                  <a:lumMod val="75000"/>
+                </a:schemeClr>
+              </a:solidFill>
+            </a:ln>
+          </p:spPr>
+          <p:style>
+            <a:lnRef idx="1">
+              <a:schemeClr val="accent1"/>
+            </a:lnRef>
+            <a:fillRef idx="0">
+              <a:schemeClr val="accent1"/>
+            </a:fillRef>
+            <a:effectRef idx="0">
+              <a:schemeClr val="accent1"/>
+            </a:effectRef>
+            <a:fontRef idx="minor">
+              <a:schemeClr val="tx1"/>
+            </a:fontRef>
+          </p:style>
+        </p:cxnSp>
+      </p:grpSp>
+      <p:sp>
+        <p:nvSpPr>
+          <p:cNvPr id="115" name="文本框 114">
+            <a:extLst>
+              <a:ext uri="{FF2B5EF4-FFF2-40B4-BE49-F238E27FC236}">
+                <a16:creationId xmlns:a16="http://schemas.microsoft.com/office/drawing/2014/main" id="{2C1EBA39-939B-E100-3B70-ECC275C47E3E}"/>
+              </a:ext>
+            </a:extLst>
+          </p:cNvPr>
+          <p:cNvSpPr txBox="1"/>
+          <p:nvPr/>
+        </p:nvSpPr>
+        <p:spPr>
+          <a:xfrm>
+            <a:off x="3470640" y="2766641"/>
+            <a:ext cx="1437707" cy="461665"/>
+          </a:xfrm>
+          <a:prstGeom prst="rect">
+            <a:avLst/>
+          </a:prstGeom>
+          <a:noFill/>
+        </p:spPr>
+        <p:txBody>
+          <a:bodyPr wrap="square" rtlCol="0">
+            <a:spAutoFit/>
+          </a:bodyPr>
+          <a:lstStyle/>
+          <a:p>
+            <a:pPr algn="ctr"/>
+            <a:r>
+              <a:rPr lang="en-US" altLang="zh-CN" sz="1200" b="1" dirty="0">
+                <a:solidFill>
+                  <a:schemeClr val="accent1">
+                    <a:lumMod val="75000"/>
+                  </a:schemeClr>
+                </a:solidFill>
+              </a:rPr>
+              <a:t>SWD </a:t>
+            </a:r>
+          </a:p>
+          <a:p>
+            <a:pPr algn="ctr"/>
+            <a:r>
+              <a:rPr lang="en-US" altLang="zh-CN" sz="1200" b="1" dirty="0">
+                <a:solidFill>
+                  <a:schemeClr val="accent1">
+                    <a:lumMod val="75000"/>
+                  </a:schemeClr>
+                </a:solidFill>
+              </a:rPr>
+              <a:t>Programming</a:t>
+            </a:r>
+            <a:endParaRPr lang="zh-CN" altLang="en-US" sz="1200" b="1" dirty="0">
+              <a:solidFill>
+                <a:schemeClr val="accent1">
+                  <a:lumMod val="75000"/>
+                </a:schemeClr>
+              </a:solidFill>
+            </a:endParaRPr>
+          </a:p>
+        </p:txBody>
+      </p:sp>
+      <p:sp>
+        <p:nvSpPr>
+          <p:cNvPr id="118" name="Rectangle 23">
+            <a:extLst>
+              <a:ext uri="{FF2B5EF4-FFF2-40B4-BE49-F238E27FC236}">
+                <a16:creationId xmlns:a16="http://schemas.microsoft.com/office/drawing/2014/main" id="{2EAF01B0-0B99-9897-1A2D-B1C3542C2B65}"/>
+              </a:ext>
+            </a:extLst>
+          </p:cNvPr>
+          <p:cNvSpPr/>
+          <p:nvPr/>
+        </p:nvSpPr>
+        <p:spPr>
+          <a:xfrm>
+            <a:off x="4967997" y="2005083"/>
+            <a:ext cx="1425676" cy="798089"/>
+          </a:xfrm>
+          <a:prstGeom prst="rect">
+            <a:avLst/>
+          </a:prstGeom>
+          <a:noFill/>
+          <a:ln w="25400">
+            <a:solidFill>
+              <a:schemeClr val="accent1">
+                <a:lumMod val="75000"/>
+              </a:schemeClr>
+            </a:solidFill>
+          </a:ln>
+        </p:spPr>
+        <p:style>
+          <a:lnRef idx="2">
+            <a:schemeClr val="accent1">
+              <a:shade val="50000"/>
+            </a:schemeClr>
+          </a:lnRef>
+          <a:fillRef idx="1">
+            <a:schemeClr val="accent1"/>
+          </a:fillRef>
+          <a:effectRef idx="0">
+            <a:schemeClr val="accent1"/>
+          </a:effectRef>
+          <a:fontRef idx="minor">
+            <a:schemeClr val="lt1"/>
+          </a:fontRef>
+        </p:style>
+        <p:txBody>
+          <a:bodyPr rtlCol="0" anchor="ctr"/>
+          <a:lstStyle/>
+          <a:p>
+            <a:pPr algn="ctr"/>
+            <a:endParaRPr lang="en-US"/>
+          </a:p>
+        </p:txBody>
+      </p:sp>
+      <p:sp>
+        <p:nvSpPr>
+          <p:cNvPr id="35" name="Rectangle 21">
+            <a:extLst>
+              <a:ext uri="{FF2B5EF4-FFF2-40B4-BE49-F238E27FC236}">
+                <a16:creationId xmlns:a16="http://schemas.microsoft.com/office/drawing/2014/main" id="{9221FB1F-14C0-38C0-FE91-0FD00D7A7ABF}"/>
+              </a:ext>
+            </a:extLst>
+          </p:cNvPr>
+          <p:cNvSpPr/>
+          <p:nvPr/>
+        </p:nvSpPr>
+        <p:spPr>
+          <a:xfrm>
+            <a:off x="8381284" y="686321"/>
+            <a:ext cx="409171" cy="821362"/>
+          </a:xfrm>
+          <a:prstGeom prst="rect">
+            <a:avLst/>
+          </a:prstGeom>
+          <a:noFill/>
+          <a:ln w="25400">
+            <a:solidFill>
+              <a:srgbClr val="03E1C7"/>
+            </a:solidFill>
+          </a:ln>
+        </p:spPr>
+        <p:style>
+          <a:lnRef idx="2">
+            <a:schemeClr val="accent1">
+              <a:shade val="50000"/>
+            </a:schemeClr>
+          </a:lnRef>
+          <a:fillRef idx="1">
+            <a:schemeClr val="accent1"/>
+          </a:fillRef>
+          <a:effectRef idx="0">
+            <a:schemeClr val="accent1"/>
+          </a:effectRef>
+          <a:fontRef idx="minor">
+            <a:schemeClr val="lt1"/>
+          </a:fontRef>
+        </p:style>
+        <p:txBody>
+          <a:bodyPr rtlCol="0" anchor="ctr"/>
+          <a:lstStyle/>
+          <a:p>
+            <a:pPr algn="ctr"/>
+            <a:endParaRPr lang="en-US" dirty="0"/>
+          </a:p>
+        </p:txBody>
+      </p:sp>
+      <p:cxnSp>
+        <p:nvCxnSpPr>
+          <p:cNvPr id="36" name="直接连接符 35">
+            <a:extLst>
+              <a:ext uri="{FF2B5EF4-FFF2-40B4-BE49-F238E27FC236}">
+                <a16:creationId xmlns:a16="http://schemas.microsoft.com/office/drawing/2014/main" id="{C12DFA91-5C7B-25BD-FC57-19A3CDEBD21D}"/>
+              </a:ext>
+            </a:extLst>
+          </p:cNvPr>
+          <p:cNvCxnSpPr>
+            <a:cxnSpLocks/>
+          </p:cNvCxnSpPr>
+          <p:nvPr/>
+        </p:nvCxnSpPr>
+        <p:spPr>
+          <a:xfrm>
+            <a:off x="8783999" y="1508400"/>
+            <a:ext cx="720000" cy="3203"/>
+          </a:xfrm>
+          <a:prstGeom prst="line">
+            <a:avLst/>
+          </a:prstGeom>
+          <a:ln w="22225">
+            <a:solidFill>
+              <a:srgbClr val="03E1C7"/>
+            </a:solidFill>
+          </a:ln>
+        </p:spPr>
+        <p:style>
+          <a:lnRef idx="1">
+            <a:schemeClr val="accent1"/>
+          </a:lnRef>
+          <a:fillRef idx="0">
+            <a:schemeClr val="accent1"/>
+          </a:fillRef>
+          <a:effectRef idx="0">
+            <a:schemeClr val="accent1"/>
+          </a:effectRef>
+          <a:fontRef idx="minor">
+            <a:schemeClr val="tx1"/>
+          </a:fontRef>
+        </p:style>
+      </p:cxnSp>
+      <p:sp>
+        <p:nvSpPr>
+          <p:cNvPr id="55" name="文本框 54">
+            <a:extLst>
+              <a:ext uri="{FF2B5EF4-FFF2-40B4-BE49-F238E27FC236}">
+                <a16:creationId xmlns:a16="http://schemas.microsoft.com/office/drawing/2014/main" id="{FD6239ED-4F7C-8656-5F77-F31B90F38EA3}"/>
+              </a:ext>
+            </a:extLst>
+          </p:cNvPr>
+          <p:cNvSpPr txBox="1"/>
+          <p:nvPr/>
+        </p:nvSpPr>
+        <p:spPr>
+          <a:xfrm>
+            <a:off x="8500952" y="1279963"/>
+            <a:ext cx="1347458" cy="276999"/>
+          </a:xfrm>
+          <a:prstGeom prst="rect">
+            <a:avLst/>
+          </a:prstGeom>
+          <a:noFill/>
+        </p:spPr>
+        <p:txBody>
+          <a:bodyPr wrap="square" rtlCol="0">
+            <a:spAutoFit/>
+          </a:bodyPr>
+          <a:lstStyle/>
+          <a:p>
+            <a:pPr algn="ctr"/>
+            <a:r>
+              <a:rPr lang="en-US" altLang="zh-CN" sz="1200" b="1" dirty="0">
+                <a:solidFill>
+                  <a:srgbClr val="03E1C7"/>
+                </a:solidFill>
+              </a:rPr>
+              <a:t>Power Pins</a:t>
+            </a:r>
+            <a:endParaRPr lang="zh-CN" altLang="en-US" sz="1200" b="1" dirty="0">
+              <a:solidFill>
+                <a:srgbClr val="03E1C7"/>
+              </a:solidFill>
+            </a:endParaRPr>
           </a:p>
         </p:txBody>
       </p:sp>
     </p:spTree>
     <p:extLst>
       <p:ext uri="{BB962C8B-B14F-4D97-AF65-F5344CB8AC3E}">
-        <p14:creationId xmlns:p14="http://schemas.microsoft.com/office/powerpoint/2010/main" val="3777056379"/>
+        <p14:creationId xmlns:p14="http://schemas.microsoft.com/office/powerpoint/2010/main" val="397508826"/>
+      </p:ext>
+    </p:extLst>
+  </p:cSld>
+  <p:clrMapOvr>
+    <a:masterClrMapping/>
+  </p:clrMapOvr>
+</p:sld>
+</file>
+
+<file path=ppt/slides/slide6.xml><?xml version="1.0" encoding="utf-8"?>
+<p:sld xmlns:a="http://schemas.openxmlformats.org/drawingml/2006/main" xmlns:r="http://schemas.openxmlformats.org/officeDocument/2006/relationships" xmlns:p="http://schemas.openxmlformats.org/presentationml/2006/main">
+  <p:cSld>
+    <p:spTree>
+      <p:nvGrpSpPr>
+        <p:cNvPr id="1" name=""/>
+        <p:cNvGrpSpPr/>
+        <p:nvPr/>
+      </p:nvGrpSpPr>
+      <p:grpSpPr>
+        <a:xfrm>
+          <a:off x="0" y="0"/>
+          <a:ext cx="0" cy="0"/>
+          <a:chOff x="0" y="0"/>
+          <a:chExt cx="0" cy="0"/>
+        </a:xfrm>
+      </p:grpSpPr>
+      <p:grpSp>
+        <p:nvGrpSpPr>
+          <p:cNvPr id="8" name="组合 7">
+            <a:extLst>
+              <a:ext uri="{FF2B5EF4-FFF2-40B4-BE49-F238E27FC236}">
+                <a16:creationId xmlns:a16="http://schemas.microsoft.com/office/drawing/2014/main" id="{DF3C9445-04F8-BFA1-7D69-8912B8574AD3}"/>
+              </a:ext>
+            </a:extLst>
+          </p:cNvPr>
+          <p:cNvGrpSpPr/>
+          <p:nvPr/>
+        </p:nvGrpSpPr>
+        <p:grpSpPr>
+          <a:xfrm>
+            <a:off x="1538867" y="992523"/>
+            <a:ext cx="9147173" cy="3559018"/>
+            <a:chOff x="1538867" y="992523"/>
+            <a:chExt cx="9147173" cy="3559018"/>
+          </a:xfrm>
+        </p:grpSpPr>
+        <p:pic>
+          <p:nvPicPr>
+            <p:cNvPr id="5" name="图片 4">
+              <a:extLst>
+                <a:ext uri="{FF2B5EF4-FFF2-40B4-BE49-F238E27FC236}">
+                  <a16:creationId xmlns:a16="http://schemas.microsoft.com/office/drawing/2014/main" id="{C9D6ACF4-4A90-1B7C-26A7-927EB6573D7C}"/>
+                </a:ext>
+              </a:extLst>
+            </p:cNvPr>
+            <p:cNvPicPr>
+              <a:picLocks noChangeAspect="1"/>
+            </p:cNvPicPr>
+            <p:nvPr/>
+          </p:nvPicPr>
+          <p:blipFill>
+            <a:blip r:embed="rId2"/>
+            <a:stretch>
+              <a:fillRect/>
+            </a:stretch>
+          </p:blipFill>
+          <p:spPr>
+            <a:xfrm>
+              <a:off x="1538867" y="992523"/>
+              <a:ext cx="9147173" cy="1701611"/>
+            </a:xfrm>
+            <a:prstGeom prst="rect">
+              <a:avLst/>
+            </a:prstGeom>
+          </p:spPr>
+        </p:pic>
+        <p:pic>
+          <p:nvPicPr>
+            <p:cNvPr id="7" name="图片 6">
+              <a:extLst>
+                <a:ext uri="{FF2B5EF4-FFF2-40B4-BE49-F238E27FC236}">
+                  <a16:creationId xmlns:a16="http://schemas.microsoft.com/office/drawing/2014/main" id="{55AB7D09-2B39-0B35-DEF4-64D3EDFCB2BC}"/>
+                </a:ext>
+              </a:extLst>
+            </p:cNvPr>
+            <p:cNvPicPr>
+              <a:picLocks noChangeAspect="1"/>
+            </p:cNvPicPr>
+            <p:nvPr/>
+          </p:nvPicPr>
+          <p:blipFill>
+            <a:blip r:embed="rId3"/>
+            <a:stretch>
+              <a:fillRect/>
+            </a:stretch>
+          </p:blipFill>
+          <p:spPr>
+            <a:xfrm>
+              <a:off x="1538867" y="2872404"/>
+              <a:ext cx="9114266" cy="1679137"/>
+            </a:xfrm>
+            <a:prstGeom prst="rect">
+              <a:avLst/>
+            </a:prstGeom>
+          </p:spPr>
+        </p:pic>
+      </p:grpSp>
+    </p:spTree>
+    <p:extLst>
+      <p:ext uri="{BB962C8B-B14F-4D97-AF65-F5344CB8AC3E}">
+        <p14:creationId xmlns:p14="http://schemas.microsoft.com/office/powerpoint/2010/main" val="1547110463"/>
       </p:ext>
     </p:extLst>
   </p:cSld>
@@ -7640,4 +12900,299 @@
     </a:ext>
   </a:extLst>
 </a:theme>
+</file>
+
+<file path=ppt/theme/theme2.xml><?xml version="1.0" encoding="utf-8"?>
+<a:theme xmlns:a="http://schemas.openxmlformats.org/drawingml/2006/main" name="Office 主题​​">
+  <a:themeElements>
+    <a:clrScheme name="Office">
+      <a:dk1>
+        <a:sysClr val="windowText" lastClr="000000"/>
+      </a:dk1>
+      <a:lt1>
+        <a:sysClr val="window" lastClr="FFFFFF"/>
+      </a:lt1>
+      <a:dk2>
+        <a:srgbClr val="44546A"/>
+      </a:dk2>
+      <a:lt2>
+        <a:srgbClr val="E7E6E6"/>
+      </a:lt2>
+      <a:accent1>
+        <a:srgbClr val="4472C4"/>
+      </a:accent1>
+      <a:accent2>
+        <a:srgbClr val="ED7D31"/>
+      </a:accent2>
+      <a:accent3>
+        <a:srgbClr val="A5A5A5"/>
+      </a:accent3>
+      <a:accent4>
+        <a:srgbClr val="FFC000"/>
+      </a:accent4>
+      <a:accent5>
+        <a:srgbClr val="5B9BD5"/>
+      </a:accent5>
+      <a:accent6>
+        <a:srgbClr val="70AD47"/>
+      </a:accent6>
+      <a:hlink>
+        <a:srgbClr val="0563C1"/>
+      </a:hlink>
+      <a:folHlink>
+        <a:srgbClr val="954F72"/>
+      </a:folHlink>
+    </a:clrScheme>
+    <a:fontScheme name="Office">
+      <a:majorFont>
+        <a:latin typeface="等线 Light" panose="020F0302020204030204"/>
+        <a:ea typeface=""/>
+        <a:cs typeface=""/>
+        <a:font script="Jpan" typeface="游ゴシック Light"/>
+        <a:font script="Hang" typeface="맑은 고딕"/>
+        <a:font script="Hans" typeface="等线 Light"/>
+        <a:font script="Hant" typeface="新細明體"/>
+        <a:font script="Arab" typeface="Times New Roman"/>
+        <a:font script="Hebr" typeface="Times New Roman"/>
+        <a:font script="Thai" typeface="Angsana New"/>
+        <a:font script="Ethi" typeface="Nyala"/>
+        <a:font script="Beng" typeface="Vrinda"/>
+        <a:font script="Gujr" typeface="Shruti"/>
+        <a:font script="Khmr" typeface="MoolBoran"/>
+        <a:font script="Knda" typeface="Tunga"/>
+        <a:font script="Guru" typeface="Raavi"/>
+        <a:font script="Cans" typeface="Euphemia"/>
+        <a:font script="Cher" typeface="Plantagenet Cherokee"/>
+        <a:font script="Yiii" typeface="Microsoft Yi Baiti"/>
+        <a:font script="Tibt" typeface="Microsoft Himalaya"/>
+        <a:font script="Thaa" typeface="MV Boli"/>
+        <a:font script="Deva" typeface="Mangal"/>
+        <a:font script="Telu" typeface="Gautami"/>
+        <a:font script="Taml" typeface="Latha"/>
+        <a:font script="Syrc" typeface="Estrangelo Edessa"/>
+        <a:font script="Orya" typeface="Kalinga"/>
+        <a:font script="Mlym" typeface="Kartika"/>
+        <a:font script="Laoo" typeface="DokChampa"/>
+        <a:font script="Sinh" typeface="Iskoola Pota"/>
+        <a:font script="Mong" typeface="Mongolian Baiti"/>
+        <a:font script="Viet" typeface="Times New Roman"/>
+        <a:font script="Uigh" typeface="Microsoft Uighur"/>
+        <a:font script="Geor" typeface="Sylfaen"/>
+        <a:font script="Armn" typeface="Arial"/>
+        <a:font script="Bugi" typeface="Leelawadee UI"/>
+        <a:font script="Bopo" typeface="Microsoft JhengHei"/>
+        <a:font script="Java" typeface="Javanese Text"/>
+        <a:font script="Lisu" typeface="Segoe UI"/>
+        <a:font script="Mymr" typeface="Myanmar Text"/>
+        <a:font script="Nkoo" typeface="Ebrima"/>
+        <a:font script="Olck" typeface="Nirmala UI"/>
+        <a:font script="Osma" typeface="Ebrima"/>
+        <a:font script="Phag" typeface="Phagspa"/>
+        <a:font script="Syrn" typeface="Estrangelo Edessa"/>
+        <a:font script="Syrj" typeface="Estrangelo Edessa"/>
+        <a:font script="Syre" typeface="Estrangelo Edessa"/>
+        <a:font script="Sora" typeface="Nirmala UI"/>
+        <a:font script="Tale" typeface="Microsoft Tai Le"/>
+        <a:font script="Talu" typeface="Microsoft New Tai Lue"/>
+        <a:font script="Tfng" typeface="Ebrima"/>
+      </a:majorFont>
+      <a:minorFont>
+        <a:latin typeface="等线" panose="020F0502020204030204"/>
+        <a:ea typeface=""/>
+        <a:cs typeface=""/>
+        <a:font script="Jpan" typeface="游ゴシック"/>
+        <a:font script="Hang" typeface="맑은 고딕"/>
+        <a:font script="Hans" typeface="等线"/>
+        <a:font script="Hant" typeface="新細明體"/>
+        <a:font script="Arab" typeface="Arial"/>
+        <a:font script="Hebr" typeface="Arial"/>
+        <a:font script="Thai" typeface="Cordia New"/>
+        <a:font script="Ethi" typeface="Nyala"/>
+        <a:font script="Beng" typeface="Vrinda"/>
+        <a:font script="Gujr" typeface="Shruti"/>
+        <a:font script="Khmr" typeface="DaunPenh"/>
+        <a:font script="Knda" typeface="Tunga"/>
+        <a:font script="Guru" typeface="Raavi"/>
+        <a:font script="Cans" typeface="Euphemia"/>
+        <a:font script="Cher" typeface="Plantagenet Cherokee"/>
+        <a:font script="Yiii" typeface="Microsoft Yi Baiti"/>
+        <a:font script="Tibt" typeface="Microsoft Himalaya"/>
+        <a:font script="Thaa" typeface="MV Boli"/>
+        <a:font script="Deva" typeface="Mangal"/>
+        <a:font script="Telu" typeface="Gautami"/>
+        <a:font script="Taml" typeface="Latha"/>
+        <a:font script="Syrc" typeface="Estrangelo Edessa"/>
+        <a:font script="Orya" typeface="Kalinga"/>
+        <a:font script="Mlym" typeface="Kartika"/>
+        <a:font script="Laoo" typeface="DokChampa"/>
+        <a:font script="Sinh" typeface="Iskoola Pota"/>
+        <a:font script="Mong" typeface="Mongolian Baiti"/>
+        <a:font script="Viet" typeface="Arial"/>
+        <a:font script="Uigh" typeface="Microsoft Uighur"/>
+        <a:font script="Geor" typeface="Sylfaen"/>
+        <a:font script="Armn" typeface="Arial"/>
+        <a:font script="Bugi" typeface="Leelawadee UI"/>
+        <a:font script="Bopo" typeface="Microsoft JhengHei"/>
+        <a:font script="Java" typeface="Javanese Text"/>
+        <a:font script="Lisu" typeface="Segoe UI"/>
+        <a:font script="Mymr" typeface="Myanmar Text"/>
+        <a:font script="Nkoo" typeface="Ebrima"/>
+        <a:font script="Olck" typeface="Nirmala UI"/>
+        <a:font script="Osma" typeface="Ebrima"/>
+        <a:font script="Phag" typeface="Phagspa"/>
+        <a:font script="Syrn" typeface="Estrangelo Edessa"/>
+        <a:font script="Syrj" typeface="Estrangelo Edessa"/>
+        <a:font script="Syre" typeface="Estrangelo Edessa"/>
+        <a:font script="Sora" typeface="Nirmala UI"/>
+        <a:font script="Tale" typeface="Microsoft Tai Le"/>
+        <a:font script="Talu" typeface="Microsoft New Tai Lue"/>
+        <a:font script="Tfng" typeface="Ebrima"/>
+      </a:minorFont>
+    </a:fontScheme>
+    <a:fmtScheme name="Office">
+      <a:fillStyleLst>
+        <a:solidFill>
+          <a:schemeClr val="phClr"/>
+        </a:solidFill>
+        <a:gradFill rotWithShape="1">
+          <a:gsLst>
+            <a:gs pos="0">
+              <a:schemeClr val="phClr">
+                <a:lumMod val="110000"/>
+                <a:satMod val="105000"/>
+                <a:tint val="67000"/>
+              </a:schemeClr>
+            </a:gs>
+            <a:gs pos="50000">
+              <a:schemeClr val="phClr">
+                <a:lumMod val="105000"/>
+                <a:satMod val="103000"/>
+                <a:tint val="73000"/>
+              </a:schemeClr>
+            </a:gs>
+            <a:gs pos="100000">
+              <a:schemeClr val="phClr">
+                <a:lumMod val="105000"/>
+                <a:satMod val="109000"/>
+                <a:tint val="81000"/>
+              </a:schemeClr>
+            </a:gs>
+          </a:gsLst>
+          <a:lin ang="5400000" scaled="0"/>
+        </a:gradFill>
+        <a:gradFill rotWithShape="1">
+          <a:gsLst>
+            <a:gs pos="0">
+              <a:schemeClr val="phClr">
+                <a:satMod val="103000"/>
+                <a:lumMod val="102000"/>
+                <a:tint val="94000"/>
+              </a:schemeClr>
+            </a:gs>
+            <a:gs pos="50000">
+              <a:schemeClr val="phClr">
+                <a:satMod val="110000"/>
+                <a:lumMod val="100000"/>
+                <a:shade val="100000"/>
+              </a:schemeClr>
+            </a:gs>
+            <a:gs pos="100000">
+              <a:schemeClr val="phClr">
+                <a:lumMod val="99000"/>
+                <a:satMod val="120000"/>
+                <a:shade val="78000"/>
+              </a:schemeClr>
+            </a:gs>
+          </a:gsLst>
+          <a:lin ang="5400000" scaled="0"/>
+        </a:gradFill>
+      </a:fillStyleLst>
+      <a:lnStyleLst>
+        <a:ln w="6350" cap="flat" cmpd="sng" algn="ctr">
+          <a:solidFill>
+            <a:schemeClr val="phClr"/>
+          </a:solidFill>
+          <a:prstDash val="solid"/>
+          <a:miter lim="800000"/>
+        </a:ln>
+        <a:ln w="12700" cap="flat" cmpd="sng" algn="ctr">
+          <a:solidFill>
+            <a:schemeClr val="phClr"/>
+          </a:solidFill>
+          <a:prstDash val="solid"/>
+          <a:miter lim="800000"/>
+        </a:ln>
+        <a:ln w="19050" cap="flat" cmpd="sng" algn="ctr">
+          <a:solidFill>
+            <a:schemeClr val="phClr"/>
+          </a:solidFill>
+          <a:prstDash val="solid"/>
+          <a:miter lim="800000"/>
+        </a:ln>
+      </a:lnStyleLst>
+      <a:effectStyleLst>
+        <a:effectStyle>
+          <a:effectLst/>
+        </a:effectStyle>
+        <a:effectStyle>
+          <a:effectLst/>
+        </a:effectStyle>
+        <a:effectStyle>
+          <a:effectLst>
+            <a:outerShdw blurRad="57150" dist="19050" dir="5400000" algn="ctr" rotWithShape="0">
+              <a:srgbClr val="000000">
+                <a:alpha val="63000"/>
+              </a:srgbClr>
+            </a:outerShdw>
+          </a:effectLst>
+        </a:effectStyle>
+      </a:effectStyleLst>
+      <a:bgFillStyleLst>
+        <a:solidFill>
+          <a:schemeClr val="phClr"/>
+        </a:solidFill>
+        <a:solidFill>
+          <a:schemeClr val="phClr">
+            <a:tint val="95000"/>
+            <a:satMod val="170000"/>
+          </a:schemeClr>
+        </a:solidFill>
+        <a:gradFill rotWithShape="1">
+          <a:gsLst>
+            <a:gs pos="0">
+              <a:schemeClr val="phClr">
+                <a:tint val="93000"/>
+                <a:satMod val="150000"/>
+                <a:shade val="98000"/>
+                <a:lumMod val="102000"/>
+              </a:schemeClr>
+            </a:gs>
+            <a:gs pos="50000">
+              <a:schemeClr val="phClr">
+                <a:tint val="98000"/>
+                <a:satMod val="130000"/>
+                <a:shade val="90000"/>
+                <a:lumMod val="103000"/>
+              </a:schemeClr>
+            </a:gs>
+            <a:gs pos="100000">
+              <a:schemeClr val="phClr">
+                <a:shade val="63000"/>
+                <a:satMod val="120000"/>
+              </a:schemeClr>
+            </a:gs>
+          </a:gsLst>
+          <a:lin ang="5400000" scaled="0"/>
+        </a:gradFill>
+      </a:bgFillStyleLst>
+    </a:fmtScheme>
+  </a:themeElements>
+  <a:objectDefaults/>
+  <a:extraClrSchemeLst/>
+  <a:extLst>
+    <a:ext uri="{05A4C25C-085E-4340-85A3-A5531E510DB2}">
+      <thm15:themeFamily xmlns:thm15="http://schemas.microsoft.com/office/thememl/2012/main" name="Office Theme" id="{62F939B6-93AF-4DB8-9C6B-D6C7DFDC589F}" vid="{4A3C46E8-61CC-4603-A589-7422A47A8E4A}"/>
+    </a:ext>
+  </a:extLst>
+</a:theme>
 </file>